--- a/예제 5_4번/프리젠테이션2.pptx
+++ b/예제 5_4번/프리젠테이션2.pptx
@@ -12,10 +12,11 @@
     <p:sldId id="473" r:id="rId6"/>
     <p:sldId id="474" r:id="rId7"/>
     <p:sldId id="475" r:id="rId8"/>
-    <p:sldId id="476" r:id="rId9"/>
-    <p:sldId id="477" r:id="rId10"/>
-    <p:sldId id="478" r:id="rId11"/>
-    <p:sldId id="479" r:id="rId12"/>
+    <p:sldId id="480" r:id="rId9"/>
+    <p:sldId id="476" r:id="rId10"/>
+    <p:sldId id="477" r:id="rId11"/>
+    <p:sldId id="478" r:id="rId12"/>
+    <p:sldId id="479" r:id="rId13"/>
   </p:sldIdLst>
   <p:sldSz cx="12192000" cy="6858000"/>
   <p:notesSz cx="6858000" cy="9144000"/>
@@ -269,7 +270,7 @@
           <a:p>
             <a:fld id="{B6224D7A-9CF3-4E78-A2C4-FBFAA96AA998}" type="datetimeFigureOut">
               <a:rPr lang="ko-KR" altLang="en-US" smtClean="0"/>
-              <a:t>2022-09-21</a:t>
+              <a:t>2022-09-23</a:t>
             </a:fld>
             <a:endParaRPr lang="ko-KR" altLang="en-US"/>
           </a:p>
@@ -467,7 +468,7 @@
           <a:p>
             <a:fld id="{B6224D7A-9CF3-4E78-A2C4-FBFAA96AA998}" type="datetimeFigureOut">
               <a:rPr lang="ko-KR" altLang="en-US" smtClean="0"/>
-              <a:t>2022-09-21</a:t>
+              <a:t>2022-09-23</a:t>
             </a:fld>
             <a:endParaRPr lang="ko-KR" altLang="en-US"/>
           </a:p>
@@ -675,7 +676,7 @@
           <a:p>
             <a:fld id="{B6224D7A-9CF3-4E78-A2C4-FBFAA96AA998}" type="datetimeFigureOut">
               <a:rPr lang="ko-KR" altLang="en-US" smtClean="0"/>
-              <a:t>2022-09-21</a:t>
+              <a:t>2022-09-23</a:t>
             </a:fld>
             <a:endParaRPr lang="ko-KR" altLang="en-US"/>
           </a:p>
@@ -873,7 +874,7 @@
           <a:p>
             <a:fld id="{B6224D7A-9CF3-4E78-A2C4-FBFAA96AA998}" type="datetimeFigureOut">
               <a:rPr lang="ko-KR" altLang="en-US" smtClean="0"/>
-              <a:t>2022-09-21</a:t>
+              <a:t>2022-09-23</a:t>
             </a:fld>
             <a:endParaRPr lang="ko-KR" altLang="en-US"/>
           </a:p>
@@ -1148,7 +1149,7 @@
           <a:p>
             <a:fld id="{B6224D7A-9CF3-4E78-A2C4-FBFAA96AA998}" type="datetimeFigureOut">
               <a:rPr lang="ko-KR" altLang="en-US" smtClean="0"/>
-              <a:t>2022-09-21</a:t>
+              <a:t>2022-09-23</a:t>
             </a:fld>
             <a:endParaRPr lang="ko-KR" altLang="en-US"/>
           </a:p>
@@ -1413,7 +1414,7 @@
           <a:p>
             <a:fld id="{B6224D7A-9CF3-4E78-A2C4-FBFAA96AA998}" type="datetimeFigureOut">
               <a:rPr lang="ko-KR" altLang="en-US" smtClean="0"/>
-              <a:t>2022-09-21</a:t>
+              <a:t>2022-09-23</a:t>
             </a:fld>
             <a:endParaRPr lang="ko-KR" altLang="en-US"/>
           </a:p>
@@ -1825,7 +1826,7 @@
           <a:p>
             <a:fld id="{B6224D7A-9CF3-4E78-A2C4-FBFAA96AA998}" type="datetimeFigureOut">
               <a:rPr lang="ko-KR" altLang="en-US" smtClean="0"/>
-              <a:t>2022-09-21</a:t>
+              <a:t>2022-09-23</a:t>
             </a:fld>
             <a:endParaRPr lang="ko-KR" altLang="en-US"/>
           </a:p>
@@ -1966,7 +1967,7 @@
           <a:p>
             <a:fld id="{B6224D7A-9CF3-4E78-A2C4-FBFAA96AA998}" type="datetimeFigureOut">
               <a:rPr lang="ko-KR" altLang="en-US" smtClean="0"/>
-              <a:t>2022-09-21</a:t>
+              <a:t>2022-09-23</a:t>
             </a:fld>
             <a:endParaRPr lang="ko-KR" altLang="en-US"/>
           </a:p>
@@ -2079,7 +2080,7 @@
           <a:p>
             <a:fld id="{B6224D7A-9CF3-4E78-A2C4-FBFAA96AA998}" type="datetimeFigureOut">
               <a:rPr lang="ko-KR" altLang="en-US" smtClean="0"/>
-              <a:t>2022-09-21</a:t>
+              <a:t>2022-09-23</a:t>
             </a:fld>
             <a:endParaRPr lang="ko-KR" altLang="en-US"/>
           </a:p>
@@ -2390,7 +2391,7 @@
           <a:p>
             <a:fld id="{B6224D7A-9CF3-4E78-A2C4-FBFAA96AA998}" type="datetimeFigureOut">
               <a:rPr lang="ko-KR" altLang="en-US" smtClean="0"/>
-              <a:t>2022-09-21</a:t>
+              <a:t>2022-09-23</a:t>
             </a:fld>
             <a:endParaRPr lang="ko-KR" altLang="en-US"/>
           </a:p>
@@ -2678,7 +2679,7 @@
           <a:p>
             <a:fld id="{B6224D7A-9CF3-4E78-A2C4-FBFAA96AA998}" type="datetimeFigureOut">
               <a:rPr lang="ko-KR" altLang="en-US" smtClean="0"/>
-              <a:t>2022-09-21</a:t>
+              <a:t>2022-09-23</a:t>
             </a:fld>
             <a:endParaRPr lang="ko-KR" altLang="en-US"/>
           </a:p>
@@ -2924,7 +2925,7 @@
           <a:p>
             <a:fld id="{B6224D7A-9CF3-4E78-A2C4-FBFAA96AA998}" type="datetimeFigureOut">
               <a:rPr lang="ko-KR" altLang="en-US" smtClean="0"/>
-              <a:t>2022-09-21</a:t>
+              <a:t>2022-09-23</a:t>
             </a:fld>
             <a:endParaRPr lang="ko-KR" altLang="en-US"/>
           </a:p>
@@ -5969,6 +5970,3181 @@
             <a:avLst/>
           </a:prstGeom>
           <a:solidFill>
+            <a:schemeClr val="bg1"/>
+          </a:solidFill>
+          <a:ln w="25400">
+            <a:solidFill>
+              <a:srgbClr val="F1A116"/>
+            </a:solidFill>
+          </a:ln>
+        </p:spPr>
+        <p:style>
+          <a:lnRef idx="2">
+            <a:schemeClr val="accent1">
+              <a:shade val="50000"/>
+            </a:schemeClr>
+          </a:lnRef>
+          <a:fillRef idx="1">
+            <a:schemeClr val="accent1"/>
+          </a:fillRef>
+          <a:effectRef idx="0">
+            <a:schemeClr val="accent1"/>
+          </a:effectRef>
+          <a:fontRef idx="minor">
+            <a:schemeClr val="lt1"/>
+          </a:fontRef>
+        </p:style>
+        <p:txBody>
+          <a:bodyPr rtlCol="0" anchor="ctr"/>
+          <a:lstStyle/>
+          <a:p>
+            <a:pPr algn="ctr"/>
+            <a:r>
+              <a:rPr lang="en-US" altLang="ko-KR" b="1" dirty="0">
+                <a:solidFill>
+                  <a:schemeClr val="tx1"/>
+                </a:solidFill>
+              </a:rPr>
+              <a:t>9</a:t>
+            </a:r>
+            <a:endParaRPr lang="ko-KR" altLang="en-US" b="1" dirty="0">
+              <a:solidFill>
+                <a:schemeClr val="tx1"/>
+              </a:solidFill>
+            </a:endParaRPr>
+          </a:p>
+        </p:txBody>
+      </p:sp>
+      <p:sp>
+        <p:nvSpPr>
+          <p:cNvPr id="45" name="타원 44">
+            <a:extLst>
+              <a:ext uri="{FF2B5EF4-FFF2-40B4-BE49-F238E27FC236}">
+                <a16:creationId xmlns:a16="http://schemas.microsoft.com/office/drawing/2014/main" id="{A6A460C1-6D25-4250-82DD-45FE4916D693}"/>
+              </a:ext>
+            </a:extLst>
+          </p:cNvPr>
+          <p:cNvSpPr/>
+          <p:nvPr/>
+        </p:nvSpPr>
+        <p:spPr>
+          <a:xfrm>
+            <a:off x="4662063" y="1504926"/>
+            <a:ext cx="738232" cy="738232"/>
+          </a:xfrm>
+          <a:prstGeom prst="ellipse">
+            <a:avLst/>
+          </a:prstGeom>
+          <a:solidFill>
+            <a:srgbClr val="FFC000"/>
+          </a:solidFill>
+          <a:ln w="25400">
+            <a:solidFill>
+              <a:srgbClr val="F1A116"/>
+            </a:solidFill>
+          </a:ln>
+        </p:spPr>
+        <p:style>
+          <a:lnRef idx="2">
+            <a:schemeClr val="accent1">
+              <a:shade val="50000"/>
+            </a:schemeClr>
+          </a:lnRef>
+          <a:fillRef idx="1">
+            <a:schemeClr val="accent1"/>
+          </a:fillRef>
+          <a:effectRef idx="0">
+            <a:schemeClr val="accent1"/>
+          </a:effectRef>
+          <a:fontRef idx="minor">
+            <a:schemeClr val="lt1"/>
+          </a:fontRef>
+        </p:style>
+        <p:txBody>
+          <a:bodyPr rtlCol="0" anchor="ctr"/>
+          <a:lstStyle/>
+          <a:p>
+            <a:pPr algn="ctr"/>
+            <a:r>
+              <a:rPr lang="en-US" altLang="ko-KR" b="1" dirty="0">
+                <a:solidFill>
+                  <a:schemeClr val="tx1"/>
+                </a:solidFill>
+              </a:rPr>
+              <a:t>3</a:t>
+            </a:r>
+            <a:endParaRPr lang="ko-KR" altLang="en-US" b="1" dirty="0">
+              <a:solidFill>
+                <a:schemeClr val="tx1"/>
+              </a:solidFill>
+            </a:endParaRPr>
+          </a:p>
+        </p:txBody>
+      </p:sp>
+      <p:cxnSp>
+        <p:nvCxnSpPr>
+          <p:cNvPr id="48" name="직선 연결선 47">
+            <a:extLst>
+              <a:ext uri="{FF2B5EF4-FFF2-40B4-BE49-F238E27FC236}">
+                <a16:creationId xmlns:a16="http://schemas.microsoft.com/office/drawing/2014/main" id="{7012FE3B-F399-4D2A-B453-09E976BFC1CF}"/>
+              </a:ext>
+            </a:extLst>
+          </p:cNvPr>
+          <p:cNvCxnSpPr>
+            <a:cxnSpLocks/>
+            <a:stCxn id="45" idx="1"/>
+            <a:endCxn id="33" idx="5"/>
+          </p:cNvCxnSpPr>
+          <p:nvPr/>
+        </p:nvCxnSpPr>
+        <p:spPr>
+          <a:xfrm flipH="1" flipV="1">
+            <a:off x="2291922" y="927756"/>
+            <a:ext cx="2478253" cy="685282"/>
+          </a:xfrm>
+          <a:prstGeom prst="line">
+            <a:avLst/>
+          </a:prstGeom>
+          <a:ln w="19050">
+            <a:solidFill>
+              <a:schemeClr val="accent1"/>
+            </a:solidFill>
+          </a:ln>
+        </p:spPr>
+        <p:style>
+          <a:lnRef idx="1">
+            <a:schemeClr val="dk1"/>
+          </a:lnRef>
+          <a:fillRef idx="0">
+            <a:schemeClr val="dk1"/>
+          </a:fillRef>
+          <a:effectRef idx="0">
+            <a:schemeClr val="dk1"/>
+          </a:effectRef>
+          <a:fontRef idx="minor">
+            <a:schemeClr val="tx1"/>
+          </a:fontRef>
+        </p:style>
+      </p:cxnSp>
+      <p:sp>
+        <p:nvSpPr>
+          <p:cNvPr id="53" name="TextBox 52">
+            <a:extLst>
+              <a:ext uri="{FF2B5EF4-FFF2-40B4-BE49-F238E27FC236}">
+                <a16:creationId xmlns:a16="http://schemas.microsoft.com/office/drawing/2014/main" id="{B319EFB3-07EB-4801-93C1-EA5F9614E128}"/>
+              </a:ext>
+            </a:extLst>
+          </p:cNvPr>
+          <p:cNvSpPr txBox="1"/>
+          <p:nvPr/>
+        </p:nvSpPr>
+        <p:spPr>
+          <a:xfrm>
+            <a:off x="3604505" y="940577"/>
+            <a:ext cx="333746" cy="400110"/>
+          </a:xfrm>
+          <a:prstGeom prst="rect">
+            <a:avLst/>
+          </a:prstGeom>
+          <a:noFill/>
+        </p:spPr>
+        <p:txBody>
+          <a:bodyPr wrap="none" rtlCol="0">
+            <a:spAutoFit/>
+          </a:bodyPr>
+          <a:lstStyle/>
+          <a:p>
+            <a:r>
+              <a:rPr lang="en-US" altLang="ko-KR" sz="2000" b="1" dirty="0"/>
+              <a:t>3</a:t>
+            </a:r>
+            <a:endParaRPr lang="ko-KR" altLang="en-US" sz="2000" b="1" dirty="0"/>
+          </a:p>
+        </p:txBody>
+      </p:sp>
+      <p:cxnSp>
+        <p:nvCxnSpPr>
+          <p:cNvPr id="55" name="직선 연결선 54">
+            <a:extLst>
+              <a:ext uri="{FF2B5EF4-FFF2-40B4-BE49-F238E27FC236}">
+                <a16:creationId xmlns:a16="http://schemas.microsoft.com/office/drawing/2014/main" id="{4A70E982-D56F-47E9-9502-A0DED833901D}"/>
+              </a:ext>
+            </a:extLst>
+          </p:cNvPr>
+          <p:cNvCxnSpPr>
+            <a:cxnSpLocks/>
+            <a:stCxn id="34" idx="2"/>
+            <a:endCxn id="33" idx="6"/>
+          </p:cNvCxnSpPr>
+          <p:nvPr/>
+        </p:nvCxnSpPr>
+        <p:spPr>
+          <a:xfrm flipH="1" flipV="1">
+            <a:off x="2400034" y="666752"/>
+            <a:ext cx="4862086" cy="174726"/>
+          </a:xfrm>
+          <a:prstGeom prst="line">
+            <a:avLst/>
+          </a:prstGeom>
+          <a:ln w="19050">
+            <a:solidFill>
+              <a:schemeClr val="accent1"/>
+            </a:solidFill>
+          </a:ln>
+        </p:spPr>
+        <p:style>
+          <a:lnRef idx="1">
+            <a:schemeClr val="dk1"/>
+          </a:lnRef>
+          <a:fillRef idx="0">
+            <a:schemeClr val="dk1"/>
+          </a:fillRef>
+          <a:effectRef idx="0">
+            <a:schemeClr val="dk1"/>
+          </a:effectRef>
+          <a:fontRef idx="minor">
+            <a:schemeClr val="tx1"/>
+          </a:fontRef>
+        </p:style>
+      </p:cxnSp>
+      <p:sp>
+        <p:nvSpPr>
+          <p:cNvPr id="61" name="TextBox 60">
+            <a:extLst>
+              <a:ext uri="{FF2B5EF4-FFF2-40B4-BE49-F238E27FC236}">
+                <a16:creationId xmlns:a16="http://schemas.microsoft.com/office/drawing/2014/main" id="{2979CCE6-6D81-4A58-A6CC-8CE67B77A808}"/>
+              </a:ext>
+            </a:extLst>
+          </p:cNvPr>
+          <p:cNvSpPr txBox="1"/>
+          <p:nvPr/>
+        </p:nvSpPr>
+        <p:spPr>
+          <a:xfrm>
+            <a:off x="4281090" y="376577"/>
+            <a:ext cx="333746" cy="400110"/>
+          </a:xfrm>
+          <a:prstGeom prst="rect">
+            <a:avLst/>
+          </a:prstGeom>
+          <a:noFill/>
+        </p:spPr>
+        <p:txBody>
+          <a:bodyPr wrap="none" rtlCol="0">
+            <a:spAutoFit/>
+          </a:bodyPr>
+          <a:lstStyle/>
+          <a:p>
+            <a:r>
+              <a:rPr lang="en-US" altLang="ko-KR" sz="2000" b="1" dirty="0"/>
+              <a:t>2</a:t>
+            </a:r>
+            <a:endParaRPr lang="ko-KR" altLang="en-US" sz="2000" b="1" dirty="0"/>
+          </a:p>
+        </p:txBody>
+      </p:sp>
+      <p:cxnSp>
+        <p:nvCxnSpPr>
+          <p:cNvPr id="64" name="직선 연결선 63">
+            <a:extLst>
+              <a:ext uri="{FF2B5EF4-FFF2-40B4-BE49-F238E27FC236}">
+                <a16:creationId xmlns:a16="http://schemas.microsoft.com/office/drawing/2014/main" id="{641DF93C-EAC8-4F4D-9BF0-CD16350A932B}"/>
+              </a:ext>
+            </a:extLst>
+          </p:cNvPr>
+          <p:cNvCxnSpPr>
+            <a:cxnSpLocks/>
+            <a:stCxn id="34" idx="4"/>
+            <a:endCxn id="39" idx="0"/>
+          </p:cNvCxnSpPr>
+          <p:nvPr/>
+        </p:nvCxnSpPr>
+        <p:spPr>
+          <a:xfrm>
+            <a:off x="7631236" y="1210594"/>
+            <a:ext cx="369116" cy="2137298"/>
+          </a:xfrm>
+          <a:prstGeom prst="line">
+            <a:avLst/>
+          </a:prstGeom>
+          <a:ln w="19050">
+            <a:solidFill>
+              <a:srgbClr val="FF0000"/>
+            </a:solidFill>
+          </a:ln>
+        </p:spPr>
+        <p:style>
+          <a:lnRef idx="1">
+            <a:schemeClr val="dk1"/>
+          </a:lnRef>
+          <a:fillRef idx="0">
+            <a:schemeClr val="dk1"/>
+          </a:fillRef>
+          <a:effectRef idx="0">
+            <a:schemeClr val="dk1"/>
+          </a:effectRef>
+          <a:fontRef idx="minor">
+            <a:schemeClr val="tx1"/>
+          </a:fontRef>
+        </p:style>
+      </p:cxnSp>
+      <p:cxnSp>
+        <p:nvCxnSpPr>
+          <p:cNvPr id="65" name="직선 연결선 64">
+            <a:extLst>
+              <a:ext uri="{FF2B5EF4-FFF2-40B4-BE49-F238E27FC236}">
+                <a16:creationId xmlns:a16="http://schemas.microsoft.com/office/drawing/2014/main" id="{53D996D7-CD3D-4075-852E-B56718894718}"/>
+              </a:ext>
+            </a:extLst>
+          </p:cNvPr>
+          <p:cNvCxnSpPr>
+            <a:cxnSpLocks/>
+            <a:stCxn id="34" idx="3"/>
+            <a:endCxn id="40" idx="7"/>
+          </p:cNvCxnSpPr>
+          <p:nvPr/>
+        </p:nvCxnSpPr>
+        <p:spPr>
+          <a:xfrm flipH="1">
+            <a:off x="4339851" y="1102482"/>
+            <a:ext cx="3030381" cy="2722638"/>
+          </a:xfrm>
+          <a:prstGeom prst="line">
+            <a:avLst/>
+          </a:prstGeom>
+          <a:ln w="19050">
+            <a:solidFill>
+              <a:srgbClr val="FF0000"/>
+            </a:solidFill>
+          </a:ln>
+        </p:spPr>
+        <p:style>
+          <a:lnRef idx="1">
+            <a:schemeClr val="dk1"/>
+          </a:lnRef>
+          <a:fillRef idx="0">
+            <a:schemeClr val="dk1"/>
+          </a:fillRef>
+          <a:effectRef idx="0">
+            <a:schemeClr val="dk1"/>
+          </a:effectRef>
+          <a:fontRef idx="minor">
+            <a:schemeClr val="tx1"/>
+          </a:fontRef>
+        </p:style>
+      </p:cxnSp>
+      <p:sp>
+        <p:nvSpPr>
+          <p:cNvPr id="76" name="TextBox 75">
+            <a:extLst>
+              <a:ext uri="{FF2B5EF4-FFF2-40B4-BE49-F238E27FC236}">
+                <a16:creationId xmlns:a16="http://schemas.microsoft.com/office/drawing/2014/main" id="{F5CBC9E4-9F91-4284-8D7A-54D4417A1F33}"/>
+              </a:ext>
+            </a:extLst>
+          </p:cNvPr>
+          <p:cNvSpPr txBox="1"/>
+          <p:nvPr/>
+        </p:nvSpPr>
+        <p:spPr>
+          <a:xfrm>
+            <a:off x="7851164" y="1950954"/>
+            <a:ext cx="333746" cy="400110"/>
+          </a:xfrm>
+          <a:prstGeom prst="rect">
+            <a:avLst/>
+          </a:prstGeom>
+          <a:noFill/>
+        </p:spPr>
+        <p:txBody>
+          <a:bodyPr wrap="none" rtlCol="0">
+            <a:spAutoFit/>
+          </a:bodyPr>
+          <a:lstStyle/>
+          <a:p>
+            <a:r>
+              <a:rPr lang="en-US" altLang="ko-KR" sz="2000" b="1" dirty="0"/>
+              <a:t>7</a:t>
+            </a:r>
+            <a:endParaRPr lang="ko-KR" altLang="en-US" sz="2000" b="1" dirty="0"/>
+          </a:p>
+        </p:txBody>
+      </p:sp>
+      <p:sp>
+        <p:nvSpPr>
+          <p:cNvPr id="77" name="TextBox 76">
+            <a:extLst>
+              <a:ext uri="{FF2B5EF4-FFF2-40B4-BE49-F238E27FC236}">
+                <a16:creationId xmlns:a16="http://schemas.microsoft.com/office/drawing/2014/main" id="{024B6CE4-97A1-4D53-9CB4-021FA34861CE}"/>
+              </a:ext>
+            </a:extLst>
+          </p:cNvPr>
+          <p:cNvSpPr txBox="1"/>
+          <p:nvPr/>
+        </p:nvSpPr>
+        <p:spPr>
+          <a:xfrm>
+            <a:off x="5598088" y="2063691"/>
+            <a:ext cx="333746" cy="400110"/>
+          </a:xfrm>
+          <a:prstGeom prst="rect">
+            <a:avLst/>
+          </a:prstGeom>
+          <a:noFill/>
+        </p:spPr>
+        <p:txBody>
+          <a:bodyPr wrap="none" rtlCol="0">
+            <a:spAutoFit/>
+          </a:bodyPr>
+          <a:lstStyle/>
+          <a:p>
+            <a:r>
+              <a:rPr lang="en-US" altLang="ko-KR" sz="2000" b="1" dirty="0"/>
+              <a:t>5</a:t>
+            </a:r>
+            <a:endParaRPr lang="ko-KR" altLang="en-US" sz="2000" b="1" dirty="0"/>
+          </a:p>
+        </p:txBody>
+      </p:sp>
+      <p:cxnSp>
+        <p:nvCxnSpPr>
+          <p:cNvPr id="79" name="직선 연결선 78">
+            <a:extLst>
+              <a:ext uri="{FF2B5EF4-FFF2-40B4-BE49-F238E27FC236}">
+                <a16:creationId xmlns:a16="http://schemas.microsoft.com/office/drawing/2014/main" id="{42A24F04-AC2E-46B0-AB70-062A8A27924D}"/>
+              </a:ext>
+            </a:extLst>
+          </p:cNvPr>
+          <p:cNvCxnSpPr>
+            <a:cxnSpLocks/>
+            <a:stCxn id="45" idx="4"/>
+            <a:endCxn id="40" idx="0"/>
+          </p:cNvCxnSpPr>
+          <p:nvPr/>
+        </p:nvCxnSpPr>
+        <p:spPr>
+          <a:xfrm flipH="1">
+            <a:off x="4078847" y="2243158"/>
+            <a:ext cx="952332" cy="1473850"/>
+          </a:xfrm>
+          <a:prstGeom prst="line">
+            <a:avLst/>
+          </a:prstGeom>
+          <a:ln w="19050">
+            <a:solidFill>
+              <a:schemeClr val="accent1"/>
+            </a:solidFill>
+          </a:ln>
+        </p:spPr>
+        <p:style>
+          <a:lnRef idx="1">
+            <a:schemeClr val="dk1"/>
+          </a:lnRef>
+          <a:fillRef idx="0">
+            <a:schemeClr val="dk1"/>
+          </a:fillRef>
+          <a:effectRef idx="0">
+            <a:schemeClr val="dk1"/>
+          </a:effectRef>
+          <a:fontRef idx="minor">
+            <a:schemeClr val="tx1"/>
+          </a:fontRef>
+        </p:style>
+      </p:cxnSp>
+      <p:sp>
+        <p:nvSpPr>
+          <p:cNvPr id="80" name="TextBox 79">
+            <a:extLst>
+              <a:ext uri="{FF2B5EF4-FFF2-40B4-BE49-F238E27FC236}">
+                <a16:creationId xmlns:a16="http://schemas.microsoft.com/office/drawing/2014/main" id="{11674934-5386-4C27-95C9-0220AA1E0173}"/>
+              </a:ext>
+            </a:extLst>
+          </p:cNvPr>
+          <p:cNvSpPr txBox="1"/>
+          <p:nvPr/>
+        </p:nvSpPr>
+        <p:spPr>
+          <a:xfrm>
+            <a:off x="4281090" y="2553290"/>
+            <a:ext cx="333746" cy="400110"/>
+          </a:xfrm>
+          <a:prstGeom prst="rect">
+            <a:avLst/>
+          </a:prstGeom>
+          <a:noFill/>
+        </p:spPr>
+        <p:txBody>
+          <a:bodyPr wrap="none" rtlCol="0">
+            <a:spAutoFit/>
+          </a:bodyPr>
+          <a:lstStyle/>
+          <a:p>
+            <a:r>
+              <a:rPr lang="en-US" altLang="ko-KR" sz="2000" b="1" dirty="0"/>
+              <a:t>1</a:t>
+            </a:r>
+            <a:endParaRPr lang="ko-KR" altLang="en-US" sz="2000" b="1" dirty="0"/>
+          </a:p>
+        </p:txBody>
+      </p:sp>
+      <p:cxnSp>
+        <p:nvCxnSpPr>
+          <p:cNvPr id="82" name="직선 연결선 81">
+            <a:extLst>
+              <a:ext uri="{FF2B5EF4-FFF2-40B4-BE49-F238E27FC236}">
+                <a16:creationId xmlns:a16="http://schemas.microsoft.com/office/drawing/2014/main" id="{5E813276-54C2-4118-B8BF-B52054892B48}"/>
+              </a:ext>
+            </a:extLst>
+          </p:cNvPr>
+          <p:cNvCxnSpPr>
+            <a:cxnSpLocks/>
+            <a:stCxn id="45" idx="2"/>
+            <a:endCxn id="41" idx="6"/>
+          </p:cNvCxnSpPr>
+          <p:nvPr/>
+        </p:nvCxnSpPr>
+        <p:spPr>
+          <a:xfrm flipH="1">
+            <a:off x="1271260" y="1874042"/>
+            <a:ext cx="3390803" cy="769514"/>
+          </a:xfrm>
+          <a:prstGeom prst="line">
+            <a:avLst/>
+          </a:prstGeom>
+          <a:ln w="19050">
+            <a:solidFill>
+              <a:schemeClr val="accent1"/>
+            </a:solidFill>
+          </a:ln>
+        </p:spPr>
+        <p:style>
+          <a:lnRef idx="1">
+            <a:schemeClr val="dk1"/>
+          </a:lnRef>
+          <a:fillRef idx="0">
+            <a:schemeClr val="dk1"/>
+          </a:fillRef>
+          <a:effectRef idx="0">
+            <a:schemeClr val="dk1"/>
+          </a:effectRef>
+          <a:fontRef idx="minor">
+            <a:schemeClr val="tx1"/>
+          </a:fontRef>
+        </p:style>
+      </p:cxnSp>
+      <p:sp>
+        <p:nvSpPr>
+          <p:cNvPr id="84" name="TextBox 83">
+            <a:extLst>
+              <a:ext uri="{FF2B5EF4-FFF2-40B4-BE49-F238E27FC236}">
+                <a16:creationId xmlns:a16="http://schemas.microsoft.com/office/drawing/2014/main" id="{947987B9-EFB3-469B-A17F-AC1FD0E6189F}"/>
+              </a:ext>
+            </a:extLst>
+          </p:cNvPr>
+          <p:cNvSpPr txBox="1"/>
+          <p:nvPr/>
+        </p:nvSpPr>
+        <p:spPr>
+          <a:xfrm>
+            <a:off x="2188255" y="2079558"/>
+            <a:ext cx="333746" cy="400110"/>
+          </a:xfrm>
+          <a:prstGeom prst="rect">
+            <a:avLst/>
+          </a:prstGeom>
+          <a:noFill/>
+        </p:spPr>
+        <p:txBody>
+          <a:bodyPr wrap="none" rtlCol="0">
+            <a:spAutoFit/>
+          </a:bodyPr>
+          <a:lstStyle/>
+          <a:p>
+            <a:r>
+              <a:rPr lang="en-US" altLang="ko-KR" sz="2000" b="1" dirty="0"/>
+              <a:t>1</a:t>
+            </a:r>
+            <a:endParaRPr lang="ko-KR" altLang="en-US" sz="2000" b="1" dirty="0"/>
+          </a:p>
+        </p:txBody>
+      </p:sp>
+      <p:cxnSp>
+        <p:nvCxnSpPr>
+          <p:cNvPr id="87" name="직선 연결선 86">
+            <a:extLst>
+              <a:ext uri="{FF2B5EF4-FFF2-40B4-BE49-F238E27FC236}">
+                <a16:creationId xmlns:a16="http://schemas.microsoft.com/office/drawing/2014/main" id="{9AE74C1F-823E-425A-BB5F-D3AF7AB3E0C3}"/>
+              </a:ext>
+            </a:extLst>
+          </p:cNvPr>
+          <p:cNvCxnSpPr>
+            <a:cxnSpLocks/>
+            <a:stCxn id="41" idx="4"/>
+            <a:endCxn id="42" idx="0"/>
+          </p:cNvCxnSpPr>
+          <p:nvPr/>
+        </p:nvCxnSpPr>
+        <p:spPr>
+          <a:xfrm>
+            <a:off x="902144" y="3012672"/>
+            <a:ext cx="297758" cy="1580185"/>
+          </a:xfrm>
+          <a:prstGeom prst="line">
+            <a:avLst/>
+          </a:prstGeom>
+          <a:ln w="19050">
+            <a:solidFill>
+              <a:srgbClr val="FF0000"/>
+            </a:solidFill>
+          </a:ln>
+        </p:spPr>
+        <p:style>
+          <a:lnRef idx="1">
+            <a:schemeClr val="dk1"/>
+          </a:lnRef>
+          <a:fillRef idx="0">
+            <a:schemeClr val="dk1"/>
+          </a:fillRef>
+          <a:effectRef idx="0">
+            <a:schemeClr val="dk1"/>
+          </a:effectRef>
+          <a:fontRef idx="minor">
+            <a:schemeClr val="tx1"/>
+          </a:fontRef>
+        </p:style>
+      </p:cxnSp>
+      <p:sp>
+        <p:nvSpPr>
+          <p:cNvPr id="90" name="TextBox 89">
+            <a:extLst>
+              <a:ext uri="{FF2B5EF4-FFF2-40B4-BE49-F238E27FC236}">
+                <a16:creationId xmlns:a16="http://schemas.microsoft.com/office/drawing/2014/main" id="{E724D7C4-36F3-4EFF-8964-F50A08488635}"/>
+              </a:ext>
+            </a:extLst>
+          </p:cNvPr>
+          <p:cNvSpPr txBox="1"/>
+          <p:nvPr/>
+        </p:nvSpPr>
+        <p:spPr>
+          <a:xfrm>
+            <a:off x="730029" y="3550849"/>
+            <a:ext cx="333746" cy="400110"/>
+          </a:xfrm>
+          <a:prstGeom prst="rect">
+            <a:avLst/>
+          </a:prstGeom>
+          <a:noFill/>
+        </p:spPr>
+        <p:txBody>
+          <a:bodyPr wrap="none" rtlCol="0">
+            <a:spAutoFit/>
+          </a:bodyPr>
+          <a:lstStyle/>
+          <a:p>
+            <a:r>
+              <a:rPr lang="en-US" altLang="ko-KR" sz="2000" b="1" dirty="0"/>
+              <a:t>7</a:t>
+            </a:r>
+            <a:endParaRPr lang="ko-KR" altLang="en-US" sz="2000" b="1" dirty="0"/>
+          </a:p>
+        </p:txBody>
+      </p:sp>
+      <p:cxnSp>
+        <p:nvCxnSpPr>
+          <p:cNvPr id="91" name="직선 연결선 90">
+            <a:extLst>
+              <a:ext uri="{FF2B5EF4-FFF2-40B4-BE49-F238E27FC236}">
+                <a16:creationId xmlns:a16="http://schemas.microsoft.com/office/drawing/2014/main" id="{DE208261-0993-47FA-A256-6E2F84BAB948}"/>
+              </a:ext>
+            </a:extLst>
+          </p:cNvPr>
+          <p:cNvCxnSpPr>
+            <a:cxnSpLocks/>
+            <a:stCxn id="40" idx="2"/>
+            <a:endCxn id="42" idx="6"/>
+          </p:cNvCxnSpPr>
+          <p:nvPr/>
+        </p:nvCxnSpPr>
+        <p:spPr>
+          <a:xfrm flipH="1">
+            <a:off x="1569018" y="4086124"/>
+            <a:ext cx="2140713" cy="875849"/>
+          </a:xfrm>
+          <a:prstGeom prst="line">
+            <a:avLst/>
+          </a:prstGeom>
+          <a:ln w="19050">
+            <a:solidFill>
+              <a:schemeClr val="accent1"/>
+            </a:solidFill>
+          </a:ln>
+        </p:spPr>
+        <p:style>
+          <a:lnRef idx="1">
+            <a:schemeClr val="dk1"/>
+          </a:lnRef>
+          <a:fillRef idx="0">
+            <a:schemeClr val="dk1"/>
+          </a:fillRef>
+          <a:effectRef idx="0">
+            <a:schemeClr val="dk1"/>
+          </a:effectRef>
+          <a:fontRef idx="minor">
+            <a:schemeClr val="tx1"/>
+          </a:fontRef>
+        </p:style>
+      </p:cxnSp>
+      <p:sp>
+        <p:nvSpPr>
+          <p:cNvPr id="94" name="TextBox 93">
+            <a:extLst>
+              <a:ext uri="{FF2B5EF4-FFF2-40B4-BE49-F238E27FC236}">
+                <a16:creationId xmlns:a16="http://schemas.microsoft.com/office/drawing/2014/main" id="{ED30EDBE-0EC9-4DC0-B116-9256590DF3D8}"/>
+              </a:ext>
+            </a:extLst>
+          </p:cNvPr>
+          <p:cNvSpPr txBox="1"/>
+          <p:nvPr/>
+        </p:nvSpPr>
+        <p:spPr>
+          <a:xfrm>
+            <a:off x="2636687" y="4546366"/>
+            <a:ext cx="333746" cy="400110"/>
+          </a:xfrm>
+          <a:prstGeom prst="rect">
+            <a:avLst/>
+          </a:prstGeom>
+          <a:noFill/>
+        </p:spPr>
+        <p:txBody>
+          <a:bodyPr wrap="none" rtlCol="0">
+            <a:spAutoFit/>
+          </a:bodyPr>
+          <a:lstStyle/>
+          <a:p>
+            <a:r>
+              <a:rPr lang="en-US" altLang="ko-KR" sz="2000" b="1" dirty="0"/>
+              <a:t>3</a:t>
+            </a:r>
+            <a:endParaRPr lang="ko-KR" altLang="en-US" sz="2000" b="1" dirty="0"/>
+          </a:p>
+        </p:txBody>
+      </p:sp>
+      <p:cxnSp>
+        <p:nvCxnSpPr>
+          <p:cNvPr id="95" name="직선 연결선 94">
+            <a:extLst>
+              <a:ext uri="{FF2B5EF4-FFF2-40B4-BE49-F238E27FC236}">
+                <a16:creationId xmlns:a16="http://schemas.microsoft.com/office/drawing/2014/main" id="{5BF3D6FF-6111-4E58-B48B-A778DB0B89B6}"/>
+              </a:ext>
+            </a:extLst>
+          </p:cNvPr>
+          <p:cNvCxnSpPr>
+            <a:cxnSpLocks/>
+            <a:stCxn id="40" idx="1"/>
+            <a:endCxn id="41" idx="5"/>
+          </p:cNvCxnSpPr>
+          <p:nvPr/>
+        </p:nvCxnSpPr>
+        <p:spPr>
+          <a:xfrm flipH="1" flipV="1">
+            <a:off x="1163148" y="2904560"/>
+            <a:ext cx="2654695" cy="920560"/>
+          </a:xfrm>
+          <a:prstGeom prst="line">
+            <a:avLst/>
+          </a:prstGeom>
+          <a:ln w="19050">
+            <a:solidFill>
+              <a:srgbClr val="FF0000"/>
+            </a:solidFill>
+          </a:ln>
+        </p:spPr>
+        <p:style>
+          <a:lnRef idx="1">
+            <a:schemeClr val="dk1"/>
+          </a:lnRef>
+          <a:fillRef idx="0">
+            <a:schemeClr val="dk1"/>
+          </a:fillRef>
+          <a:effectRef idx="0">
+            <a:schemeClr val="dk1"/>
+          </a:effectRef>
+          <a:fontRef idx="minor">
+            <a:schemeClr val="tx1"/>
+          </a:fontRef>
+        </p:style>
+      </p:cxnSp>
+      <p:sp>
+        <p:nvSpPr>
+          <p:cNvPr id="98" name="TextBox 97">
+            <a:extLst>
+              <a:ext uri="{FF2B5EF4-FFF2-40B4-BE49-F238E27FC236}">
+                <a16:creationId xmlns:a16="http://schemas.microsoft.com/office/drawing/2014/main" id="{C310A4B6-60B1-4084-8854-2B811AD69C9A}"/>
+              </a:ext>
+            </a:extLst>
+          </p:cNvPr>
+          <p:cNvSpPr txBox="1"/>
+          <p:nvPr/>
+        </p:nvSpPr>
+        <p:spPr>
+          <a:xfrm>
+            <a:off x="2456977" y="3028890"/>
+            <a:ext cx="333746" cy="400110"/>
+          </a:xfrm>
+          <a:prstGeom prst="rect">
+            <a:avLst/>
+          </a:prstGeom>
+          <a:noFill/>
+        </p:spPr>
+        <p:txBody>
+          <a:bodyPr wrap="none" rtlCol="0">
+            <a:spAutoFit/>
+          </a:bodyPr>
+          <a:lstStyle/>
+          <a:p>
+            <a:r>
+              <a:rPr lang="en-US" altLang="ko-KR" sz="2000" b="1" dirty="0"/>
+              <a:t>6</a:t>
+            </a:r>
+            <a:endParaRPr lang="ko-KR" altLang="en-US" sz="2000" b="1" dirty="0"/>
+          </a:p>
+        </p:txBody>
+      </p:sp>
+      <p:cxnSp>
+        <p:nvCxnSpPr>
+          <p:cNvPr id="99" name="직선 연결선 98">
+            <a:extLst>
+              <a:ext uri="{FF2B5EF4-FFF2-40B4-BE49-F238E27FC236}">
+                <a16:creationId xmlns:a16="http://schemas.microsoft.com/office/drawing/2014/main" id="{A2BEAC9E-2F8C-4B9F-8610-AD389EBBA6B0}"/>
+              </a:ext>
+            </a:extLst>
+          </p:cNvPr>
+          <p:cNvCxnSpPr>
+            <a:cxnSpLocks/>
+            <a:stCxn id="40" idx="5"/>
+            <a:endCxn id="37" idx="1"/>
+          </p:cNvCxnSpPr>
+          <p:nvPr/>
+        </p:nvCxnSpPr>
+        <p:spPr>
+          <a:xfrm>
+            <a:off x="4339851" y="4347128"/>
+            <a:ext cx="927050" cy="1245637"/>
+          </a:xfrm>
+          <a:prstGeom prst="line">
+            <a:avLst/>
+          </a:prstGeom>
+          <a:ln w="19050">
+            <a:solidFill>
+              <a:srgbClr val="FF0000"/>
+            </a:solidFill>
+          </a:ln>
+        </p:spPr>
+        <p:style>
+          <a:lnRef idx="1">
+            <a:schemeClr val="dk1"/>
+          </a:lnRef>
+          <a:fillRef idx="0">
+            <a:schemeClr val="dk1"/>
+          </a:fillRef>
+          <a:effectRef idx="0">
+            <a:schemeClr val="dk1"/>
+          </a:effectRef>
+          <a:fontRef idx="minor">
+            <a:schemeClr val="tx1"/>
+          </a:fontRef>
+        </p:style>
+      </p:cxnSp>
+      <p:sp>
+        <p:nvSpPr>
+          <p:cNvPr id="106" name="TextBox 105">
+            <a:extLst>
+              <a:ext uri="{FF2B5EF4-FFF2-40B4-BE49-F238E27FC236}">
+                <a16:creationId xmlns:a16="http://schemas.microsoft.com/office/drawing/2014/main" id="{97AAF8C7-8CED-442F-93B6-368F7AFFDE4F}"/>
+              </a:ext>
+            </a:extLst>
+          </p:cNvPr>
+          <p:cNvSpPr txBox="1"/>
+          <p:nvPr/>
+        </p:nvSpPr>
+        <p:spPr>
+          <a:xfrm>
+            <a:off x="4910872" y="4814555"/>
+            <a:ext cx="333746" cy="400110"/>
+          </a:xfrm>
+          <a:prstGeom prst="rect">
+            <a:avLst/>
+          </a:prstGeom>
+          <a:noFill/>
+        </p:spPr>
+        <p:txBody>
+          <a:bodyPr wrap="none" rtlCol="0">
+            <a:spAutoFit/>
+          </a:bodyPr>
+          <a:lstStyle/>
+          <a:p>
+            <a:r>
+              <a:rPr lang="en-US" altLang="ko-KR" sz="2000" b="1" dirty="0"/>
+              <a:t>8</a:t>
+            </a:r>
+            <a:endParaRPr lang="ko-KR" altLang="en-US" sz="2000" b="1" dirty="0"/>
+          </a:p>
+        </p:txBody>
+      </p:sp>
+      <p:cxnSp>
+        <p:nvCxnSpPr>
+          <p:cNvPr id="107" name="직선 연결선 106">
+            <a:extLst>
+              <a:ext uri="{FF2B5EF4-FFF2-40B4-BE49-F238E27FC236}">
+                <a16:creationId xmlns:a16="http://schemas.microsoft.com/office/drawing/2014/main" id="{F7F71FE2-29DC-4815-A0A4-074C506BB4EC}"/>
+              </a:ext>
+            </a:extLst>
+          </p:cNvPr>
+          <p:cNvCxnSpPr>
+            <a:cxnSpLocks/>
+            <a:stCxn id="39" idx="2"/>
+            <a:endCxn id="40" idx="6"/>
+          </p:cNvCxnSpPr>
+          <p:nvPr/>
+        </p:nvCxnSpPr>
+        <p:spPr>
+          <a:xfrm flipH="1">
+            <a:off x="4447963" y="3717008"/>
+            <a:ext cx="3183273" cy="369116"/>
+          </a:xfrm>
+          <a:prstGeom prst="line">
+            <a:avLst/>
+          </a:prstGeom>
+          <a:ln w="19050">
+            <a:solidFill>
+              <a:schemeClr val="accent1"/>
+            </a:solidFill>
+          </a:ln>
+        </p:spPr>
+        <p:style>
+          <a:lnRef idx="1">
+            <a:schemeClr val="dk1"/>
+          </a:lnRef>
+          <a:fillRef idx="0">
+            <a:schemeClr val="dk1"/>
+          </a:fillRef>
+          <a:effectRef idx="0">
+            <a:schemeClr val="dk1"/>
+          </a:effectRef>
+          <a:fontRef idx="minor">
+            <a:schemeClr val="tx1"/>
+          </a:fontRef>
+        </p:style>
+      </p:cxnSp>
+      <p:sp>
+        <p:nvSpPr>
+          <p:cNvPr id="109" name="TextBox 108">
+            <a:extLst>
+              <a:ext uri="{FF2B5EF4-FFF2-40B4-BE49-F238E27FC236}">
+                <a16:creationId xmlns:a16="http://schemas.microsoft.com/office/drawing/2014/main" id="{E2036754-03A8-46BC-BAE5-7085058DBF8F}"/>
+              </a:ext>
+            </a:extLst>
+          </p:cNvPr>
+          <p:cNvSpPr txBox="1"/>
+          <p:nvPr/>
+        </p:nvSpPr>
+        <p:spPr>
+          <a:xfrm>
+            <a:off x="6090197" y="3516953"/>
+            <a:ext cx="333746" cy="400110"/>
+          </a:xfrm>
+          <a:prstGeom prst="rect">
+            <a:avLst/>
+          </a:prstGeom>
+          <a:noFill/>
+        </p:spPr>
+        <p:txBody>
+          <a:bodyPr wrap="none" rtlCol="0">
+            <a:spAutoFit/>
+          </a:bodyPr>
+          <a:lstStyle/>
+          <a:p>
+            <a:r>
+              <a:rPr lang="en-US" altLang="ko-KR" sz="2000" b="1" dirty="0"/>
+              <a:t>4</a:t>
+            </a:r>
+            <a:endParaRPr lang="ko-KR" altLang="en-US" sz="2000" b="1" dirty="0"/>
+          </a:p>
+        </p:txBody>
+      </p:sp>
+      <p:cxnSp>
+        <p:nvCxnSpPr>
+          <p:cNvPr id="111" name="직선 연결선 110">
+            <a:extLst>
+              <a:ext uri="{FF2B5EF4-FFF2-40B4-BE49-F238E27FC236}">
+                <a16:creationId xmlns:a16="http://schemas.microsoft.com/office/drawing/2014/main" id="{56A2A278-FBDB-434D-AA02-204C985702E3}"/>
+              </a:ext>
+            </a:extLst>
+          </p:cNvPr>
+          <p:cNvCxnSpPr>
+            <a:cxnSpLocks/>
+            <a:endCxn id="39" idx="4"/>
+          </p:cNvCxnSpPr>
+          <p:nvPr/>
+        </p:nvCxnSpPr>
+        <p:spPr>
+          <a:xfrm flipV="1">
+            <a:off x="7850312" y="4086124"/>
+            <a:ext cx="150040" cy="1244965"/>
+          </a:xfrm>
+          <a:prstGeom prst="line">
+            <a:avLst/>
+          </a:prstGeom>
+          <a:ln w="19050">
+            <a:solidFill>
+              <a:srgbClr val="FF0000"/>
+            </a:solidFill>
+          </a:ln>
+        </p:spPr>
+        <p:style>
+          <a:lnRef idx="1">
+            <a:schemeClr val="dk1"/>
+          </a:lnRef>
+          <a:fillRef idx="0">
+            <a:schemeClr val="dk1"/>
+          </a:fillRef>
+          <a:effectRef idx="0">
+            <a:schemeClr val="dk1"/>
+          </a:effectRef>
+          <a:fontRef idx="minor">
+            <a:schemeClr val="tx1"/>
+          </a:fontRef>
+        </p:style>
+      </p:cxnSp>
+      <p:sp>
+        <p:nvSpPr>
+          <p:cNvPr id="114" name="TextBox 113">
+            <a:extLst>
+              <a:ext uri="{FF2B5EF4-FFF2-40B4-BE49-F238E27FC236}">
+                <a16:creationId xmlns:a16="http://schemas.microsoft.com/office/drawing/2014/main" id="{E19B70C5-FEA4-48AA-A99C-94C3CD6EC260}"/>
+              </a:ext>
+            </a:extLst>
+          </p:cNvPr>
+          <p:cNvSpPr txBox="1"/>
+          <p:nvPr/>
+        </p:nvSpPr>
+        <p:spPr>
+          <a:xfrm>
+            <a:off x="7925332" y="4424246"/>
+            <a:ext cx="333746" cy="400110"/>
+          </a:xfrm>
+          <a:prstGeom prst="rect">
+            <a:avLst/>
+          </a:prstGeom>
+          <a:noFill/>
+        </p:spPr>
+        <p:txBody>
+          <a:bodyPr wrap="none" rtlCol="0">
+            <a:spAutoFit/>
+          </a:bodyPr>
+          <a:lstStyle/>
+          <a:p>
+            <a:r>
+              <a:rPr lang="en-US" altLang="ko-KR" sz="2000" b="1" dirty="0"/>
+              <a:t>6</a:t>
+            </a:r>
+            <a:endParaRPr lang="ko-KR" altLang="en-US" sz="2000" b="1" dirty="0"/>
+          </a:p>
+        </p:txBody>
+      </p:sp>
+      <p:cxnSp>
+        <p:nvCxnSpPr>
+          <p:cNvPr id="115" name="직선 연결선 114">
+            <a:extLst>
+              <a:ext uri="{FF2B5EF4-FFF2-40B4-BE49-F238E27FC236}">
+                <a16:creationId xmlns:a16="http://schemas.microsoft.com/office/drawing/2014/main" id="{E0AA0AED-CE95-4BFB-B94D-09ECFFD0DA3F}"/>
+              </a:ext>
+            </a:extLst>
+          </p:cNvPr>
+          <p:cNvCxnSpPr>
+            <a:cxnSpLocks/>
+            <a:stCxn id="39" idx="3"/>
+            <a:endCxn id="37" idx="7"/>
+          </p:cNvCxnSpPr>
+          <p:nvPr/>
+        </p:nvCxnSpPr>
+        <p:spPr>
+          <a:xfrm flipH="1">
+            <a:off x="5788909" y="3978012"/>
+            <a:ext cx="1950439" cy="1614753"/>
+          </a:xfrm>
+          <a:prstGeom prst="line">
+            <a:avLst/>
+          </a:prstGeom>
+          <a:ln w="19050">
+            <a:solidFill>
+              <a:schemeClr val="accent1"/>
+            </a:solidFill>
+          </a:ln>
+        </p:spPr>
+        <p:style>
+          <a:lnRef idx="1">
+            <a:schemeClr val="dk1"/>
+          </a:lnRef>
+          <a:fillRef idx="0">
+            <a:schemeClr val="dk1"/>
+          </a:fillRef>
+          <a:effectRef idx="0">
+            <a:schemeClr val="dk1"/>
+          </a:effectRef>
+          <a:fontRef idx="minor">
+            <a:schemeClr val="tx1"/>
+          </a:fontRef>
+        </p:style>
+      </p:cxnSp>
+      <p:sp>
+        <p:nvSpPr>
+          <p:cNvPr id="118" name="TextBox 117">
+            <a:extLst>
+              <a:ext uri="{FF2B5EF4-FFF2-40B4-BE49-F238E27FC236}">
+                <a16:creationId xmlns:a16="http://schemas.microsoft.com/office/drawing/2014/main" id="{88CAF66B-A2AD-45F1-BFB9-835672B84F9C}"/>
+              </a:ext>
+            </a:extLst>
+          </p:cNvPr>
+          <p:cNvSpPr txBox="1"/>
+          <p:nvPr/>
+        </p:nvSpPr>
+        <p:spPr>
+          <a:xfrm>
+            <a:off x="6639482" y="4347128"/>
+            <a:ext cx="333746" cy="400110"/>
+          </a:xfrm>
+          <a:prstGeom prst="rect">
+            <a:avLst/>
+          </a:prstGeom>
+          <a:noFill/>
+        </p:spPr>
+        <p:txBody>
+          <a:bodyPr wrap="none" rtlCol="0">
+            <a:spAutoFit/>
+          </a:bodyPr>
+          <a:lstStyle/>
+          <a:p>
+            <a:r>
+              <a:rPr lang="en-US" altLang="ko-KR" sz="2000" b="1" dirty="0"/>
+              <a:t>2</a:t>
+            </a:r>
+            <a:endParaRPr lang="ko-KR" altLang="en-US" sz="2000" b="1" dirty="0"/>
+          </a:p>
+        </p:txBody>
+      </p:sp>
+      <p:cxnSp>
+        <p:nvCxnSpPr>
+          <p:cNvPr id="119" name="직선 연결선 118">
+            <a:extLst>
+              <a:ext uri="{FF2B5EF4-FFF2-40B4-BE49-F238E27FC236}">
+                <a16:creationId xmlns:a16="http://schemas.microsoft.com/office/drawing/2014/main" id="{57E86028-0815-4B9C-9CAE-3A07CCBB97DE}"/>
+              </a:ext>
+            </a:extLst>
+          </p:cNvPr>
+          <p:cNvCxnSpPr>
+            <a:cxnSpLocks/>
+            <a:stCxn id="38" idx="6"/>
+            <a:endCxn id="37" idx="2"/>
+          </p:cNvCxnSpPr>
+          <p:nvPr/>
+        </p:nvCxnSpPr>
+        <p:spPr>
+          <a:xfrm flipV="1">
+            <a:off x="3374919" y="5853769"/>
+            <a:ext cx="1783870" cy="202507"/>
+          </a:xfrm>
+          <a:prstGeom prst="line">
+            <a:avLst/>
+          </a:prstGeom>
+          <a:ln w="19050">
+            <a:solidFill>
+              <a:srgbClr val="FF0000"/>
+            </a:solidFill>
+          </a:ln>
+        </p:spPr>
+        <p:style>
+          <a:lnRef idx="1">
+            <a:schemeClr val="dk1"/>
+          </a:lnRef>
+          <a:fillRef idx="0">
+            <a:schemeClr val="dk1"/>
+          </a:fillRef>
+          <a:effectRef idx="0">
+            <a:schemeClr val="dk1"/>
+          </a:effectRef>
+          <a:fontRef idx="minor">
+            <a:schemeClr val="tx1"/>
+          </a:fontRef>
+        </p:style>
+      </p:cxnSp>
+      <p:sp>
+        <p:nvSpPr>
+          <p:cNvPr id="122" name="TextBox 121">
+            <a:extLst>
+              <a:ext uri="{FF2B5EF4-FFF2-40B4-BE49-F238E27FC236}">
+                <a16:creationId xmlns:a16="http://schemas.microsoft.com/office/drawing/2014/main" id="{66A7EE28-B665-4789-B841-D35DC33CF81D}"/>
+              </a:ext>
+            </a:extLst>
+          </p:cNvPr>
+          <p:cNvSpPr txBox="1"/>
+          <p:nvPr/>
+        </p:nvSpPr>
+        <p:spPr>
+          <a:xfrm>
+            <a:off x="4046316" y="5584792"/>
+            <a:ext cx="333746" cy="400110"/>
+          </a:xfrm>
+          <a:prstGeom prst="rect">
+            <a:avLst/>
+          </a:prstGeom>
+          <a:noFill/>
+        </p:spPr>
+        <p:txBody>
+          <a:bodyPr wrap="none" rtlCol="0">
+            <a:spAutoFit/>
+          </a:bodyPr>
+          <a:lstStyle/>
+          <a:p>
+            <a:r>
+              <a:rPr lang="en-US" altLang="ko-KR" sz="2000" b="1" dirty="0"/>
+              <a:t>4</a:t>
+            </a:r>
+            <a:endParaRPr lang="ko-KR" altLang="en-US" sz="2000" b="1" dirty="0"/>
+          </a:p>
+        </p:txBody>
+      </p:sp>
+      <p:cxnSp>
+        <p:nvCxnSpPr>
+          <p:cNvPr id="123" name="직선 연결선 122">
+            <a:extLst>
+              <a:ext uri="{FF2B5EF4-FFF2-40B4-BE49-F238E27FC236}">
+                <a16:creationId xmlns:a16="http://schemas.microsoft.com/office/drawing/2014/main" id="{07B2BE3B-3757-4C7F-BD1C-3C9795866A1C}"/>
+              </a:ext>
+            </a:extLst>
+          </p:cNvPr>
+          <p:cNvCxnSpPr>
+            <a:cxnSpLocks/>
+            <a:stCxn id="38" idx="2"/>
+            <a:endCxn id="42" idx="5"/>
+          </p:cNvCxnSpPr>
+          <p:nvPr/>
+        </p:nvCxnSpPr>
+        <p:spPr>
+          <a:xfrm flipH="1" flipV="1">
+            <a:off x="1460906" y="5222977"/>
+            <a:ext cx="1175781" cy="833299"/>
+          </a:xfrm>
+          <a:prstGeom prst="line">
+            <a:avLst/>
+          </a:prstGeom>
+          <a:ln w="19050">
+            <a:solidFill>
+              <a:schemeClr val="accent1"/>
+            </a:solidFill>
+          </a:ln>
+        </p:spPr>
+        <p:style>
+          <a:lnRef idx="1">
+            <a:schemeClr val="dk1"/>
+          </a:lnRef>
+          <a:fillRef idx="0">
+            <a:schemeClr val="dk1"/>
+          </a:fillRef>
+          <a:effectRef idx="0">
+            <a:schemeClr val="dk1"/>
+          </a:effectRef>
+          <a:fontRef idx="minor">
+            <a:schemeClr val="tx1"/>
+          </a:fontRef>
+        </p:style>
+      </p:cxnSp>
+      <p:sp>
+        <p:nvSpPr>
+          <p:cNvPr id="126" name="TextBox 125">
+            <a:extLst>
+              <a:ext uri="{FF2B5EF4-FFF2-40B4-BE49-F238E27FC236}">
+                <a16:creationId xmlns:a16="http://schemas.microsoft.com/office/drawing/2014/main" id="{CF8D4DD4-F707-4B02-8171-DB786718DB83}"/>
+              </a:ext>
+            </a:extLst>
+          </p:cNvPr>
+          <p:cNvSpPr txBox="1"/>
+          <p:nvPr/>
+        </p:nvSpPr>
+        <p:spPr>
+          <a:xfrm>
+            <a:off x="2166513" y="5439571"/>
+            <a:ext cx="333746" cy="400110"/>
+          </a:xfrm>
+          <a:prstGeom prst="rect">
+            <a:avLst/>
+          </a:prstGeom>
+          <a:noFill/>
+        </p:spPr>
+        <p:txBody>
+          <a:bodyPr wrap="none" rtlCol="0">
+            <a:spAutoFit/>
+          </a:bodyPr>
+          <a:lstStyle/>
+          <a:p>
+            <a:r>
+              <a:rPr lang="en-US" altLang="ko-KR" sz="2000" b="1" dirty="0"/>
+              <a:t>5</a:t>
+            </a:r>
+            <a:endParaRPr lang="ko-KR" altLang="en-US" sz="2000" b="1" dirty="0"/>
+          </a:p>
+        </p:txBody>
+      </p:sp>
+      <p:cxnSp>
+        <p:nvCxnSpPr>
+          <p:cNvPr id="127" name="직선 연결선 126">
+            <a:extLst>
+              <a:ext uri="{FF2B5EF4-FFF2-40B4-BE49-F238E27FC236}">
+                <a16:creationId xmlns:a16="http://schemas.microsoft.com/office/drawing/2014/main" id="{0E84CF61-A3BE-4A07-AB83-A27E1B41BAD9}"/>
+              </a:ext>
+            </a:extLst>
+          </p:cNvPr>
+          <p:cNvCxnSpPr>
+            <a:cxnSpLocks/>
+            <a:stCxn id="71" idx="2"/>
+            <a:endCxn id="37" idx="6"/>
+          </p:cNvCxnSpPr>
+          <p:nvPr/>
+        </p:nvCxnSpPr>
+        <p:spPr>
+          <a:xfrm flipH="1">
+            <a:off x="5897021" y="5739458"/>
+            <a:ext cx="1557455" cy="114311"/>
+          </a:xfrm>
+          <a:prstGeom prst="line">
+            <a:avLst/>
+          </a:prstGeom>
+          <a:ln w="19050">
+            <a:solidFill>
+              <a:schemeClr val="accent1"/>
+            </a:solidFill>
+          </a:ln>
+        </p:spPr>
+        <p:style>
+          <a:lnRef idx="1">
+            <a:schemeClr val="dk1"/>
+          </a:lnRef>
+          <a:fillRef idx="0">
+            <a:schemeClr val="dk1"/>
+          </a:fillRef>
+          <a:effectRef idx="0">
+            <a:schemeClr val="dk1"/>
+          </a:effectRef>
+          <a:fontRef idx="minor">
+            <a:schemeClr val="tx1"/>
+          </a:fontRef>
+        </p:style>
+      </p:cxnSp>
+      <p:sp>
+        <p:nvSpPr>
+          <p:cNvPr id="130" name="TextBox 129">
+            <a:extLst>
+              <a:ext uri="{FF2B5EF4-FFF2-40B4-BE49-F238E27FC236}">
+                <a16:creationId xmlns:a16="http://schemas.microsoft.com/office/drawing/2014/main" id="{B7BEFB64-B258-4431-9419-C880C285D728}"/>
+              </a:ext>
+            </a:extLst>
+          </p:cNvPr>
+          <p:cNvSpPr txBox="1"/>
+          <p:nvPr/>
+        </p:nvSpPr>
+        <p:spPr>
+          <a:xfrm>
+            <a:off x="6635253" y="5397524"/>
+            <a:ext cx="333746" cy="400110"/>
+          </a:xfrm>
+          <a:prstGeom prst="rect">
+            <a:avLst/>
+          </a:prstGeom>
+          <a:noFill/>
+        </p:spPr>
+        <p:txBody>
+          <a:bodyPr wrap="none" rtlCol="0">
+            <a:spAutoFit/>
+          </a:bodyPr>
+          <a:lstStyle/>
+          <a:p>
+            <a:r>
+              <a:rPr lang="en-US" altLang="ko-KR" sz="2000" b="1" dirty="0"/>
+              <a:t>3</a:t>
+            </a:r>
+            <a:endParaRPr lang="ko-KR" altLang="en-US" sz="2000" b="1" dirty="0"/>
+          </a:p>
+        </p:txBody>
+      </p:sp>
+      <p:graphicFrame>
+        <p:nvGraphicFramePr>
+          <p:cNvPr id="47" name="표 10">
+            <a:extLst>
+              <a:ext uri="{FF2B5EF4-FFF2-40B4-BE49-F238E27FC236}">
+                <a16:creationId xmlns:a16="http://schemas.microsoft.com/office/drawing/2014/main" id="{A4E7BC27-AFED-4CE6-81D9-A1D650601123}"/>
+              </a:ext>
+            </a:extLst>
+          </p:cNvPr>
+          <p:cNvGraphicFramePr>
+            <a:graphicFrameLocks noGrp="1"/>
+          </p:cNvGraphicFramePr>
+          <p:nvPr>
+            <p:extLst>
+              <p:ext uri="{D42A27DB-BD31-4B8C-83A1-F6EECF244321}">
+                <p14:modId xmlns:p14="http://schemas.microsoft.com/office/powerpoint/2010/main" val="4139804006"/>
+              </p:ext>
+            </p:extLst>
+          </p:nvPr>
+        </p:nvGraphicFramePr>
+        <p:xfrm>
+          <a:off x="9011931" y="268101"/>
+          <a:ext cx="2808057" cy="6002644"/>
+        </p:xfrm>
+        <a:graphic>
+          <a:graphicData uri="http://schemas.openxmlformats.org/drawingml/2006/table">
+            <a:tbl>
+              <a:tblPr firstRow="1" bandRow="1">
+                <a:tableStyleId>{5FD0F851-EC5A-4D38-B0AD-8093EC10F338}</a:tableStyleId>
+              </a:tblPr>
+              <a:tblGrid>
+                <a:gridCol w="937412">
+                  <a:extLst>
+                    <a:ext uri="{9D8B030D-6E8A-4147-A177-3AD203B41FA5}">
+                      <a16:colId xmlns:a16="http://schemas.microsoft.com/office/drawing/2014/main" val="1883004635"/>
+                    </a:ext>
+                  </a:extLst>
+                </a:gridCol>
+                <a:gridCol w="1028390">
+                  <a:extLst>
+                    <a:ext uri="{9D8B030D-6E8A-4147-A177-3AD203B41FA5}">
+                      <a16:colId xmlns:a16="http://schemas.microsoft.com/office/drawing/2014/main" val="108779926"/>
+                    </a:ext>
+                  </a:extLst>
+                </a:gridCol>
+                <a:gridCol w="842255">
+                  <a:extLst>
+                    <a:ext uri="{9D8B030D-6E8A-4147-A177-3AD203B41FA5}">
+                      <a16:colId xmlns:a16="http://schemas.microsoft.com/office/drawing/2014/main" val="1346243882"/>
+                    </a:ext>
+                  </a:extLst>
+                </a:gridCol>
+              </a:tblGrid>
+              <a:tr h="512524">
+                <a:tc>
+                  <a:txBody>
+                    <a:bodyPr/>
+                    <a:lstStyle/>
+                    <a:p>
+                      <a:pPr algn="ctr" latinLnBrk="1"/>
+                      <a:r>
+                        <a:rPr lang="ko-KR" altLang="en-US" dirty="0"/>
+                        <a:t>정점</a:t>
+                      </a:r>
+                    </a:p>
+                  </a:txBody>
+                  <a:tcPr anchor="ctr"/>
+                </a:tc>
+                <a:tc>
+                  <a:txBody>
+                    <a:bodyPr/>
+                    <a:lstStyle/>
+                    <a:p>
+                      <a:pPr algn="ctr"/>
+                      <a:r>
+                        <a:rPr lang="ko-KR" altLang="en-US" dirty="0"/>
+                        <a:t>거리</a:t>
+                      </a:r>
+                    </a:p>
+                  </a:txBody>
+                  <a:tcPr anchor="ctr"/>
+                </a:tc>
+                <a:tc>
+                  <a:txBody>
+                    <a:bodyPr/>
+                    <a:lstStyle/>
+                    <a:p>
+                      <a:pPr algn="ctr"/>
+                      <a:r>
+                        <a:rPr lang="ko-KR" altLang="en-US" dirty="0"/>
+                        <a:t>방문</a:t>
+                      </a:r>
+                    </a:p>
+                  </a:txBody>
+                  <a:tcPr anchor="ctr"/>
+                </a:tc>
+                <a:extLst>
+                  <a:ext uri="{0D108BD9-81ED-4DB2-BD59-A6C34878D82A}">
+                    <a16:rowId xmlns:a16="http://schemas.microsoft.com/office/drawing/2014/main" val="385464858"/>
+                  </a:ext>
+                </a:extLst>
+              </a:tr>
+              <a:tr h="549012">
+                <a:tc>
+                  <a:txBody>
+                    <a:bodyPr/>
+                    <a:lstStyle/>
+                    <a:p>
+                      <a:pPr algn="ctr"/>
+                      <a:r>
+                        <a:rPr lang="en-US" altLang="ko-KR" dirty="0"/>
+                        <a:t>10</a:t>
+                      </a:r>
+                      <a:endParaRPr lang="ko-KR" altLang="en-US" dirty="0"/>
+                    </a:p>
+                  </a:txBody>
+                  <a:tcPr anchor="ctr"/>
+                </a:tc>
+                <a:tc>
+                  <a:txBody>
+                    <a:bodyPr/>
+                    <a:lstStyle/>
+                    <a:p>
+                      <a:pPr marL="0" marR="0" lvl="0" indent="0" algn="ctr" defTabSz="914400" rtl="0" eaLnBrk="1" fontAlgn="auto" latinLnBrk="1" hangingPunct="1">
+                        <a:lnSpc>
+                          <a:spcPct val="100000"/>
+                        </a:lnSpc>
+                        <a:spcBef>
+                          <a:spcPts val="0"/>
+                        </a:spcBef>
+                        <a:spcAft>
+                          <a:spcPts val="0"/>
+                        </a:spcAft>
+                        <a:buClrTx/>
+                        <a:buSzTx/>
+                        <a:buFontTx/>
+                        <a:buNone/>
+                        <a:tabLst/>
+                        <a:defRPr/>
+                      </a:pPr>
+                      <a:r>
+                        <a:rPr lang="en-US" altLang="ko-KR" dirty="0">
+                          <a:solidFill>
+                            <a:schemeClr val="tx1"/>
+                          </a:solidFill>
+                        </a:rPr>
+                        <a:t>10</a:t>
+                      </a:r>
+                      <a:endParaRPr lang="ko-KR" altLang="en-US" dirty="0">
+                        <a:solidFill>
+                          <a:schemeClr val="tx1"/>
+                        </a:solidFill>
+                      </a:endParaRPr>
+                    </a:p>
+                  </a:txBody>
+                  <a:tcPr anchor="ctr"/>
+                </a:tc>
+                <a:tc>
+                  <a:txBody>
+                    <a:bodyPr/>
+                    <a:lstStyle/>
+                    <a:p>
+                      <a:pPr marL="0" marR="0" lvl="0" indent="0" algn="ctr" defTabSz="914400" rtl="0" eaLnBrk="1" fontAlgn="auto" latinLnBrk="1" hangingPunct="1">
+                        <a:lnSpc>
+                          <a:spcPct val="100000"/>
+                        </a:lnSpc>
+                        <a:spcBef>
+                          <a:spcPts val="0"/>
+                        </a:spcBef>
+                        <a:spcAft>
+                          <a:spcPts val="0"/>
+                        </a:spcAft>
+                        <a:buClrTx/>
+                        <a:buSzTx/>
+                        <a:buFontTx/>
+                        <a:buNone/>
+                        <a:tabLst/>
+                        <a:defRPr/>
+                      </a:pPr>
+                      <a:r>
+                        <a:rPr lang="ko-KR" altLang="en-US" dirty="0">
+                          <a:solidFill>
+                            <a:schemeClr val="tx1"/>
+                          </a:solidFill>
+                        </a:rPr>
+                        <a:t>○</a:t>
+                      </a:r>
+                    </a:p>
+                  </a:txBody>
+                  <a:tcPr anchor="ctr"/>
+                </a:tc>
+                <a:extLst>
+                  <a:ext uri="{0D108BD9-81ED-4DB2-BD59-A6C34878D82A}">
+                    <a16:rowId xmlns:a16="http://schemas.microsoft.com/office/drawing/2014/main" val="774453374"/>
+                  </a:ext>
+                </a:extLst>
+              </a:tr>
+              <a:tr h="549012">
+                <a:tc>
+                  <a:txBody>
+                    <a:bodyPr/>
+                    <a:lstStyle/>
+                    <a:p>
+                      <a:pPr algn="ctr" latinLnBrk="1"/>
+                      <a:r>
+                        <a:rPr lang="en-US" altLang="ko-KR" dirty="0"/>
+                        <a:t>9</a:t>
+                      </a:r>
+                      <a:endParaRPr lang="ko-KR" altLang="en-US" dirty="0"/>
+                    </a:p>
+                  </a:txBody>
+                  <a:tcPr anchor="ctr"/>
+                </a:tc>
+                <a:tc>
+                  <a:txBody>
+                    <a:bodyPr/>
+                    <a:lstStyle/>
+                    <a:p>
+                      <a:pPr marL="0" marR="0" lvl="0" indent="0" algn="ctr" defTabSz="914400" rtl="0" eaLnBrk="1" fontAlgn="auto" latinLnBrk="1" hangingPunct="1">
+                        <a:lnSpc>
+                          <a:spcPct val="100000"/>
+                        </a:lnSpc>
+                        <a:spcBef>
+                          <a:spcPts val="0"/>
+                        </a:spcBef>
+                        <a:spcAft>
+                          <a:spcPts val="0"/>
+                        </a:spcAft>
+                        <a:buClrTx/>
+                        <a:buSzTx/>
+                        <a:buFontTx/>
+                        <a:buNone/>
+                        <a:tabLst/>
+                        <a:defRPr/>
+                      </a:pPr>
+                      <a:r>
+                        <a:rPr lang="en-US" altLang="ko-KR" dirty="0">
+                          <a:solidFill>
+                            <a:schemeClr val="tx1"/>
+                          </a:solidFill>
+                        </a:rPr>
+                        <a:t>11</a:t>
+                      </a:r>
+                      <a:endParaRPr lang="ko-KR" altLang="en-US" dirty="0">
+                        <a:solidFill>
+                          <a:schemeClr val="tx1"/>
+                        </a:solidFill>
+                      </a:endParaRPr>
+                    </a:p>
+                  </a:txBody>
+                  <a:tcPr anchor="ctr"/>
+                </a:tc>
+                <a:tc>
+                  <a:txBody>
+                    <a:bodyPr/>
+                    <a:lstStyle/>
+                    <a:p>
+                      <a:pPr marL="0" marR="0" lvl="0" indent="0" algn="ctr" defTabSz="914400" rtl="0" eaLnBrk="1" fontAlgn="auto" latinLnBrk="1" hangingPunct="1">
+                        <a:lnSpc>
+                          <a:spcPct val="100000"/>
+                        </a:lnSpc>
+                        <a:spcBef>
+                          <a:spcPts val="0"/>
+                        </a:spcBef>
+                        <a:spcAft>
+                          <a:spcPts val="0"/>
+                        </a:spcAft>
+                        <a:buClrTx/>
+                        <a:buSzTx/>
+                        <a:buFontTx/>
+                        <a:buNone/>
+                        <a:tabLst/>
+                        <a:defRPr/>
+                      </a:pPr>
+                      <a:r>
+                        <a:rPr lang="en-US" altLang="ko-KR" dirty="0">
+                          <a:solidFill>
+                            <a:schemeClr val="tx1"/>
+                          </a:solidFill>
+                        </a:rPr>
+                        <a:t>X</a:t>
+                      </a:r>
+                      <a:endParaRPr lang="ko-KR" altLang="en-US" dirty="0">
+                        <a:solidFill>
+                          <a:schemeClr val="tx1"/>
+                        </a:solidFill>
+                      </a:endParaRPr>
+                    </a:p>
+                  </a:txBody>
+                  <a:tcPr anchor="ctr"/>
+                </a:tc>
+                <a:extLst>
+                  <a:ext uri="{0D108BD9-81ED-4DB2-BD59-A6C34878D82A}">
+                    <a16:rowId xmlns:a16="http://schemas.microsoft.com/office/drawing/2014/main" val="1566788184"/>
+                  </a:ext>
+                </a:extLst>
+              </a:tr>
+              <a:tr h="549012">
+                <a:tc>
+                  <a:txBody>
+                    <a:bodyPr/>
+                    <a:lstStyle/>
+                    <a:p>
+                      <a:pPr algn="ctr" latinLnBrk="1"/>
+                      <a:r>
+                        <a:rPr lang="en-US" altLang="ko-KR" dirty="0">
+                          <a:solidFill>
+                            <a:schemeClr val="tx1"/>
+                          </a:solidFill>
+                        </a:rPr>
+                        <a:t>8</a:t>
+                      </a:r>
+                      <a:endParaRPr lang="ko-KR" altLang="en-US" dirty="0">
+                        <a:solidFill>
+                          <a:schemeClr val="tx1"/>
+                        </a:solidFill>
+                      </a:endParaRPr>
+                    </a:p>
+                  </a:txBody>
+                  <a:tcPr anchor="ctr"/>
+                </a:tc>
+                <a:tc>
+                  <a:txBody>
+                    <a:bodyPr/>
+                    <a:lstStyle/>
+                    <a:p>
+                      <a:pPr marL="0" marR="0" lvl="0" indent="0" algn="ctr" defTabSz="914400" rtl="0" eaLnBrk="1" fontAlgn="auto" latinLnBrk="1" hangingPunct="1">
+                        <a:lnSpc>
+                          <a:spcPct val="100000"/>
+                        </a:lnSpc>
+                        <a:spcBef>
+                          <a:spcPts val="0"/>
+                        </a:spcBef>
+                        <a:spcAft>
+                          <a:spcPts val="0"/>
+                        </a:spcAft>
+                        <a:buClrTx/>
+                        <a:buSzTx/>
+                        <a:buFontTx/>
+                        <a:buNone/>
+                        <a:tabLst/>
+                        <a:defRPr/>
+                      </a:pPr>
+                      <a:r>
+                        <a:rPr lang="en-US" altLang="ko-KR" dirty="0">
+                          <a:solidFill>
+                            <a:schemeClr val="tx1"/>
+                          </a:solidFill>
+                        </a:rPr>
+                        <a:t>5</a:t>
+                      </a:r>
+                      <a:endParaRPr lang="ko-KR" altLang="en-US" dirty="0">
+                        <a:solidFill>
+                          <a:schemeClr val="tx1"/>
+                        </a:solidFill>
+                      </a:endParaRPr>
+                    </a:p>
+                  </a:txBody>
+                  <a:tcPr anchor="ctr"/>
+                </a:tc>
+                <a:tc>
+                  <a:txBody>
+                    <a:bodyPr/>
+                    <a:lstStyle/>
+                    <a:p>
+                      <a:pPr marL="0" marR="0" lvl="0" indent="0" algn="ctr" defTabSz="914400" rtl="0" eaLnBrk="1" fontAlgn="auto" latinLnBrk="1" hangingPunct="1">
+                        <a:lnSpc>
+                          <a:spcPct val="100000"/>
+                        </a:lnSpc>
+                        <a:spcBef>
+                          <a:spcPts val="0"/>
+                        </a:spcBef>
+                        <a:spcAft>
+                          <a:spcPts val="0"/>
+                        </a:spcAft>
+                        <a:buClrTx/>
+                        <a:buSzTx/>
+                        <a:buFontTx/>
+                        <a:buNone/>
+                        <a:tabLst/>
+                        <a:defRPr/>
+                      </a:pPr>
+                      <a:r>
+                        <a:rPr lang="ko-KR" altLang="en-US" dirty="0">
+                          <a:solidFill>
+                            <a:schemeClr val="tx1"/>
+                          </a:solidFill>
+                        </a:rPr>
+                        <a:t>○</a:t>
+                      </a:r>
+                    </a:p>
+                  </a:txBody>
+                  <a:tcPr anchor="ctr"/>
+                </a:tc>
+                <a:extLst>
+                  <a:ext uri="{0D108BD9-81ED-4DB2-BD59-A6C34878D82A}">
+                    <a16:rowId xmlns:a16="http://schemas.microsoft.com/office/drawing/2014/main" val="2771893285"/>
+                  </a:ext>
+                </a:extLst>
+              </a:tr>
+              <a:tr h="549012">
+                <a:tc>
+                  <a:txBody>
+                    <a:bodyPr/>
+                    <a:lstStyle/>
+                    <a:p>
+                      <a:pPr algn="ctr" latinLnBrk="1"/>
+                      <a:r>
+                        <a:rPr lang="en-US" altLang="ko-KR" dirty="0">
+                          <a:solidFill>
+                            <a:schemeClr val="tx1"/>
+                          </a:solidFill>
+                        </a:rPr>
+                        <a:t>7</a:t>
+                      </a:r>
+                      <a:endParaRPr lang="ko-KR" altLang="en-US" dirty="0">
+                        <a:solidFill>
+                          <a:schemeClr val="tx1"/>
+                        </a:solidFill>
+                      </a:endParaRPr>
+                    </a:p>
+                  </a:txBody>
+                  <a:tcPr anchor="ctr"/>
+                </a:tc>
+                <a:tc>
+                  <a:txBody>
+                    <a:bodyPr/>
+                    <a:lstStyle/>
+                    <a:p>
+                      <a:pPr marL="0" marR="0" lvl="0" indent="0" algn="ctr" defTabSz="914400" rtl="0" eaLnBrk="1" fontAlgn="auto" latinLnBrk="1" hangingPunct="1">
+                        <a:lnSpc>
+                          <a:spcPct val="100000"/>
+                        </a:lnSpc>
+                        <a:spcBef>
+                          <a:spcPts val="0"/>
+                        </a:spcBef>
+                        <a:spcAft>
+                          <a:spcPts val="0"/>
+                        </a:spcAft>
+                        <a:buClrTx/>
+                        <a:buSzTx/>
+                        <a:buFontTx/>
+                        <a:buNone/>
+                        <a:tabLst/>
+                        <a:defRPr/>
+                      </a:pPr>
+                      <a:r>
+                        <a:rPr lang="en-US" altLang="ko-KR" dirty="0">
+                          <a:solidFill>
+                            <a:schemeClr val="tx1"/>
+                          </a:solidFill>
+                        </a:rPr>
+                        <a:t>8</a:t>
+                      </a:r>
+                      <a:endParaRPr lang="ko-KR" altLang="en-US" dirty="0">
+                        <a:solidFill>
+                          <a:schemeClr val="tx1"/>
+                        </a:solidFill>
+                      </a:endParaRPr>
+                    </a:p>
+                  </a:txBody>
+                  <a:tcPr anchor="ctr"/>
+                </a:tc>
+                <a:tc>
+                  <a:txBody>
+                    <a:bodyPr/>
+                    <a:lstStyle/>
+                    <a:p>
+                      <a:pPr marL="0" marR="0" lvl="0" indent="0" algn="ctr" defTabSz="914400" rtl="0" eaLnBrk="1" fontAlgn="auto" latinLnBrk="1" hangingPunct="1">
+                        <a:lnSpc>
+                          <a:spcPct val="100000"/>
+                        </a:lnSpc>
+                        <a:spcBef>
+                          <a:spcPts val="0"/>
+                        </a:spcBef>
+                        <a:spcAft>
+                          <a:spcPts val="0"/>
+                        </a:spcAft>
+                        <a:buClrTx/>
+                        <a:buSzTx/>
+                        <a:buFontTx/>
+                        <a:buNone/>
+                        <a:tabLst/>
+                        <a:defRPr/>
+                      </a:pPr>
+                      <a:r>
+                        <a:rPr lang="ko-KR" altLang="en-US" dirty="0">
+                          <a:solidFill>
+                            <a:schemeClr val="tx1"/>
+                          </a:solidFill>
+                        </a:rPr>
+                        <a:t>○</a:t>
+                      </a:r>
+                    </a:p>
+                  </a:txBody>
+                  <a:tcPr anchor="ctr"/>
+                </a:tc>
+                <a:extLst>
+                  <a:ext uri="{0D108BD9-81ED-4DB2-BD59-A6C34878D82A}">
+                    <a16:rowId xmlns:a16="http://schemas.microsoft.com/office/drawing/2014/main" val="1281882095"/>
+                  </a:ext>
+                </a:extLst>
+              </a:tr>
+              <a:tr h="549012">
+                <a:tc>
+                  <a:txBody>
+                    <a:bodyPr/>
+                    <a:lstStyle/>
+                    <a:p>
+                      <a:pPr algn="ctr" latinLnBrk="1"/>
+                      <a:r>
+                        <a:rPr lang="en-US" altLang="ko-KR" dirty="0">
+                          <a:solidFill>
+                            <a:schemeClr val="tx1"/>
+                          </a:solidFill>
+                        </a:rPr>
+                        <a:t>6</a:t>
+                      </a:r>
+                      <a:endParaRPr lang="ko-KR" altLang="en-US" dirty="0">
+                        <a:solidFill>
+                          <a:schemeClr val="tx1"/>
+                        </a:solidFill>
+                      </a:endParaRPr>
+                    </a:p>
+                  </a:txBody>
+                  <a:tcPr anchor="ctr"/>
+                </a:tc>
+                <a:tc>
+                  <a:txBody>
+                    <a:bodyPr/>
+                    <a:lstStyle/>
+                    <a:p>
+                      <a:pPr marL="0" marR="0" lvl="0" indent="0" algn="ctr" defTabSz="914400" rtl="0" eaLnBrk="1" fontAlgn="auto" latinLnBrk="1" hangingPunct="1">
+                        <a:lnSpc>
+                          <a:spcPct val="100000"/>
+                        </a:lnSpc>
+                        <a:spcBef>
+                          <a:spcPts val="0"/>
+                        </a:spcBef>
+                        <a:spcAft>
+                          <a:spcPts val="0"/>
+                        </a:spcAft>
+                        <a:buClrTx/>
+                        <a:buSzTx/>
+                        <a:buFontTx/>
+                        <a:buNone/>
+                        <a:tabLst/>
+                        <a:defRPr/>
+                      </a:pPr>
+                      <a:r>
+                        <a:rPr lang="en-US" altLang="ko-KR" dirty="0">
+                          <a:solidFill>
+                            <a:schemeClr val="tx1"/>
+                          </a:solidFill>
+                        </a:rPr>
+                        <a:t>6</a:t>
+                      </a:r>
+                      <a:endParaRPr lang="ko-KR" altLang="en-US" dirty="0">
+                        <a:solidFill>
+                          <a:schemeClr val="tx1"/>
+                        </a:solidFill>
+                      </a:endParaRPr>
+                    </a:p>
+                  </a:txBody>
+                  <a:tcPr anchor="ctr"/>
+                </a:tc>
+                <a:tc>
+                  <a:txBody>
+                    <a:bodyPr/>
+                    <a:lstStyle/>
+                    <a:p>
+                      <a:pPr marL="0" marR="0" lvl="0" indent="0" algn="ctr" defTabSz="914400" rtl="0" eaLnBrk="1" fontAlgn="auto" latinLnBrk="1" hangingPunct="1">
+                        <a:lnSpc>
+                          <a:spcPct val="100000"/>
+                        </a:lnSpc>
+                        <a:spcBef>
+                          <a:spcPts val="0"/>
+                        </a:spcBef>
+                        <a:spcAft>
+                          <a:spcPts val="0"/>
+                        </a:spcAft>
+                        <a:buClrTx/>
+                        <a:buSzTx/>
+                        <a:buFontTx/>
+                        <a:buNone/>
+                        <a:tabLst/>
+                        <a:defRPr/>
+                      </a:pPr>
+                      <a:r>
+                        <a:rPr lang="ko-KR" altLang="en-US" dirty="0">
+                          <a:solidFill>
+                            <a:schemeClr val="tx1"/>
+                          </a:solidFill>
+                        </a:rPr>
+                        <a:t>○</a:t>
+                      </a:r>
+                    </a:p>
+                  </a:txBody>
+                  <a:tcPr anchor="ctr"/>
+                </a:tc>
+                <a:extLst>
+                  <a:ext uri="{0D108BD9-81ED-4DB2-BD59-A6C34878D82A}">
+                    <a16:rowId xmlns:a16="http://schemas.microsoft.com/office/drawing/2014/main" val="3908667003"/>
+                  </a:ext>
+                </a:extLst>
+              </a:tr>
+              <a:tr h="549012">
+                <a:tc>
+                  <a:txBody>
+                    <a:bodyPr/>
+                    <a:lstStyle/>
+                    <a:p>
+                      <a:pPr algn="ctr" latinLnBrk="1"/>
+                      <a:r>
+                        <a:rPr lang="en-US" altLang="ko-KR" dirty="0">
+                          <a:solidFill>
+                            <a:schemeClr val="tx1"/>
+                          </a:solidFill>
+                        </a:rPr>
+                        <a:t>5</a:t>
+                      </a:r>
+                      <a:endParaRPr lang="ko-KR" altLang="en-US" dirty="0">
+                        <a:solidFill>
+                          <a:schemeClr val="tx1"/>
+                        </a:solidFill>
+                      </a:endParaRPr>
+                    </a:p>
+                  </a:txBody>
+                  <a:tcPr anchor="ctr"/>
+                </a:tc>
+                <a:tc>
+                  <a:txBody>
+                    <a:bodyPr/>
+                    <a:lstStyle/>
+                    <a:p>
+                      <a:pPr marL="0" marR="0" lvl="0" indent="0" algn="ctr" defTabSz="914400" rtl="0" eaLnBrk="1" fontAlgn="auto" latinLnBrk="1" hangingPunct="1">
+                        <a:lnSpc>
+                          <a:spcPct val="100000"/>
+                        </a:lnSpc>
+                        <a:spcBef>
+                          <a:spcPts val="0"/>
+                        </a:spcBef>
+                        <a:spcAft>
+                          <a:spcPts val="0"/>
+                        </a:spcAft>
+                        <a:buClrTx/>
+                        <a:buSzTx/>
+                        <a:buFontTx/>
+                        <a:buNone/>
+                        <a:tabLst/>
+                        <a:defRPr/>
+                      </a:pPr>
+                      <a:r>
+                        <a:rPr lang="en-US" altLang="ko-KR" dirty="0">
+                          <a:solidFill>
+                            <a:schemeClr val="tx1"/>
+                          </a:solidFill>
+                        </a:rPr>
+                        <a:t>2</a:t>
+                      </a:r>
+                      <a:endParaRPr lang="ko-KR" altLang="en-US" dirty="0">
+                        <a:solidFill>
+                          <a:schemeClr val="tx1"/>
+                        </a:solidFill>
+                      </a:endParaRPr>
+                    </a:p>
+                  </a:txBody>
+                  <a:tcPr anchor="ctr"/>
+                </a:tc>
+                <a:tc>
+                  <a:txBody>
+                    <a:bodyPr/>
+                    <a:lstStyle/>
+                    <a:p>
+                      <a:pPr marL="0" marR="0" lvl="0" indent="0" algn="ctr" defTabSz="914400" rtl="0" eaLnBrk="1" fontAlgn="auto" latinLnBrk="1" hangingPunct="1">
+                        <a:lnSpc>
+                          <a:spcPct val="100000"/>
+                        </a:lnSpc>
+                        <a:spcBef>
+                          <a:spcPts val="0"/>
+                        </a:spcBef>
+                        <a:spcAft>
+                          <a:spcPts val="0"/>
+                        </a:spcAft>
+                        <a:buClrTx/>
+                        <a:buSzTx/>
+                        <a:buFontTx/>
+                        <a:buNone/>
+                        <a:tabLst/>
+                        <a:defRPr/>
+                      </a:pPr>
+                      <a:r>
+                        <a:rPr lang="ko-KR" altLang="en-US" dirty="0">
+                          <a:solidFill>
+                            <a:schemeClr val="tx1"/>
+                          </a:solidFill>
+                        </a:rPr>
+                        <a:t>○</a:t>
+                      </a:r>
+                    </a:p>
+                  </a:txBody>
+                  <a:tcPr anchor="ctr"/>
+                </a:tc>
+                <a:extLst>
+                  <a:ext uri="{0D108BD9-81ED-4DB2-BD59-A6C34878D82A}">
+                    <a16:rowId xmlns:a16="http://schemas.microsoft.com/office/drawing/2014/main" val="1928668170"/>
+                  </a:ext>
+                </a:extLst>
+              </a:tr>
+              <a:tr h="549012">
+                <a:tc>
+                  <a:txBody>
+                    <a:bodyPr/>
+                    <a:lstStyle/>
+                    <a:p>
+                      <a:pPr algn="ctr" latinLnBrk="1"/>
+                      <a:r>
+                        <a:rPr lang="en-US" altLang="ko-KR" dirty="0">
+                          <a:solidFill>
+                            <a:schemeClr val="tx1"/>
+                          </a:solidFill>
+                        </a:rPr>
+                        <a:t>4</a:t>
+                      </a:r>
+                      <a:endParaRPr lang="ko-KR" altLang="en-US" dirty="0">
+                        <a:solidFill>
+                          <a:schemeClr val="tx1"/>
+                        </a:solidFill>
+                      </a:endParaRPr>
+                    </a:p>
+                  </a:txBody>
+                  <a:tcPr anchor="ctr"/>
+                </a:tc>
+                <a:tc>
+                  <a:txBody>
+                    <a:bodyPr/>
+                    <a:lstStyle/>
+                    <a:p>
+                      <a:pPr algn="ctr" latinLnBrk="1"/>
+                      <a:r>
+                        <a:rPr lang="en-US" altLang="ko-KR" dirty="0">
+                          <a:solidFill>
+                            <a:schemeClr val="tx1"/>
+                          </a:solidFill>
+                        </a:rPr>
+                        <a:t>0</a:t>
+                      </a:r>
+                      <a:endParaRPr lang="ko-KR" altLang="en-US" dirty="0">
+                        <a:solidFill>
+                          <a:schemeClr val="tx1"/>
+                        </a:solidFill>
+                      </a:endParaRPr>
+                    </a:p>
+                  </a:txBody>
+                  <a:tcPr anchor="ctr"/>
+                </a:tc>
+                <a:tc>
+                  <a:txBody>
+                    <a:bodyPr/>
+                    <a:lstStyle/>
+                    <a:p>
+                      <a:pPr marL="0" marR="0" lvl="0" indent="0" algn="ctr" defTabSz="914400" rtl="0" eaLnBrk="1" fontAlgn="auto" latinLnBrk="1" hangingPunct="1">
+                        <a:lnSpc>
+                          <a:spcPct val="100000"/>
+                        </a:lnSpc>
+                        <a:spcBef>
+                          <a:spcPts val="0"/>
+                        </a:spcBef>
+                        <a:spcAft>
+                          <a:spcPts val="0"/>
+                        </a:spcAft>
+                        <a:buClrTx/>
+                        <a:buSzTx/>
+                        <a:buFontTx/>
+                        <a:buNone/>
+                        <a:tabLst/>
+                        <a:defRPr/>
+                      </a:pPr>
+                      <a:r>
+                        <a:rPr lang="ko-KR" altLang="en-US" dirty="0">
+                          <a:solidFill>
+                            <a:schemeClr val="tx1"/>
+                          </a:solidFill>
+                        </a:rPr>
+                        <a:t>○</a:t>
+                      </a:r>
+                    </a:p>
+                  </a:txBody>
+                  <a:tcPr anchor="ctr"/>
+                </a:tc>
+                <a:extLst>
+                  <a:ext uri="{0D108BD9-81ED-4DB2-BD59-A6C34878D82A}">
+                    <a16:rowId xmlns:a16="http://schemas.microsoft.com/office/drawing/2014/main" val="624737567"/>
+                  </a:ext>
+                </a:extLst>
+              </a:tr>
+              <a:tr h="549012">
+                <a:tc>
+                  <a:txBody>
+                    <a:bodyPr/>
+                    <a:lstStyle/>
+                    <a:p>
+                      <a:pPr algn="ctr" latinLnBrk="1"/>
+                      <a:r>
+                        <a:rPr lang="en-US" altLang="ko-KR" dirty="0">
+                          <a:solidFill>
+                            <a:schemeClr val="tx1"/>
+                          </a:solidFill>
+                        </a:rPr>
+                        <a:t>3</a:t>
+                      </a:r>
+                      <a:endParaRPr lang="ko-KR" altLang="en-US" dirty="0">
+                        <a:solidFill>
+                          <a:schemeClr val="tx1"/>
+                        </a:solidFill>
+                      </a:endParaRPr>
+                    </a:p>
+                  </a:txBody>
+                  <a:tcPr anchor="ctr"/>
+                </a:tc>
+                <a:tc>
+                  <a:txBody>
+                    <a:bodyPr/>
+                    <a:lstStyle/>
+                    <a:p>
+                      <a:pPr marL="0" marR="0" lvl="0" indent="0" algn="ctr" defTabSz="914400" rtl="0" eaLnBrk="1" fontAlgn="auto" latinLnBrk="1" hangingPunct="1">
+                        <a:lnSpc>
+                          <a:spcPct val="100000"/>
+                        </a:lnSpc>
+                        <a:spcBef>
+                          <a:spcPts val="0"/>
+                        </a:spcBef>
+                        <a:spcAft>
+                          <a:spcPts val="0"/>
+                        </a:spcAft>
+                        <a:buClrTx/>
+                        <a:buSzTx/>
+                        <a:buFontTx/>
+                        <a:buNone/>
+                        <a:tabLst/>
+                        <a:defRPr/>
+                      </a:pPr>
+                      <a:r>
+                        <a:rPr lang="en-US" altLang="ko-KR" dirty="0">
+                          <a:solidFill>
+                            <a:schemeClr val="tx1"/>
+                          </a:solidFill>
+                        </a:rPr>
+                        <a:t>1</a:t>
+                      </a:r>
+                      <a:endParaRPr lang="ko-KR" altLang="en-US" dirty="0">
+                        <a:solidFill>
+                          <a:schemeClr val="tx1"/>
+                        </a:solidFill>
+                      </a:endParaRPr>
+                    </a:p>
+                  </a:txBody>
+                  <a:tcPr anchor="ctr"/>
+                </a:tc>
+                <a:tc>
+                  <a:txBody>
+                    <a:bodyPr/>
+                    <a:lstStyle/>
+                    <a:p>
+                      <a:pPr marL="0" marR="0" lvl="0" indent="0" algn="ctr" defTabSz="914400" rtl="0" eaLnBrk="1" fontAlgn="auto" latinLnBrk="1" hangingPunct="1">
+                        <a:lnSpc>
+                          <a:spcPct val="100000"/>
+                        </a:lnSpc>
+                        <a:spcBef>
+                          <a:spcPts val="0"/>
+                        </a:spcBef>
+                        <a:spcAft>
+                          <a:spcPts val="0"/>
+                        </a:spcAft>
+                        <a:buClrTx/>
+                        <a:buSzTx/>
+                        <a:buFontTx/>
+                        <a:buNone/>
+                        <a:tabLst/>
+                        <a:defRPr/>
+                      </a:pPr>
+                      <a:r>
+                        <a:rPr lang="ko-KR" altLang="en-US" dirty="0">
+                          <a:solidFill>
+                            <a:schemeClr val="tx1"/>
+                          </a:solidFill>
+                        </a:rPr>
+                        <a:t>○</a:t>
+                      </a:r>
+                    </a:p>
+                  </a:txBody>
+                  <a:tcPr anchor="ctr"/>
+                </a:tc>
+                <a:extLst>
+                  <a:ext uri="{0D108BD9-81ED-4DB2-BD59-A6C34878D82A}">
+                    <a16:rowId xmlns:a16="http://schemas.microsoft.com/office/drawing/2014/main" val="4211862219"/>
+                  </a:ext>
+                </a:extLst>
+              </a:tr>
+              <a:tr h="549012">
+                <a:tc>
+                  <a:txBody>
+                    <a:bodyPr/>
+                    <a:lstStyle/>
+                    <a:p>
+                      <a:pPr algn="ctr" latinLnBrk="1"/>
+                      <a:r>
+                        <a:rPr lang="en-US" altLang="ko-KR" dirty="0">
+                          <a:solidFill>
+                            <a:schemeClr val="tx1"/>
+                          </a:solidFill>
+                        </a:rPr>
+                        <a:t>2</a:t>
+                      </a:r>
+                      <a:endParaRPr lang="ko-KR" altLang="en-US" dirty="0">
+                        <a:solidFill>
+                          <a:schemeClr val="tx1"/>
+                        </a:solidFill>
+                      </a:endParaRPr>
+                    </a:p>
+                  </a:txBody>
+                  <a:tcPr anchor="ctr"/>
+                </a:tc>
+                <a:tc>
+                  <a:txBody>
+                    <a:bodyPr/>
+                    <a:lstStyle/>
+                    <a:p>
+                      <a:pPr marL="0" marR="0" lvl="0" indent="0" algn="ctr" defTabSz="914400" rtl="0" eaLnBrk="1" fontAlgn="auto" latinLnBrk="1" hangingPunct="1">
+                        <a:lnSpc>
+                          <a:spcPct val="100000"/>
+                        </a:lnSpc>
+                        <a:spcBef>
+                          <a:spcPts val="0"/>
+                        </a:spcBef>
+                        <a:spcAft>
+                          <a:spcPts val="0"/>
+                        </a:spcAft>
+                        <a:buClrTx/>
+                        <a:buSzTx/>
+                        <a:buFontTx/>
+                        <a:buNone/>
+                        <a:tabLst/>
+                        <a:defRPr/>
+                      </a:pPr>
+                      <a:r>
+                        <a:rPr lang="en-US" altLang="ko-KR" dirty="0">
+                          <a:solidFill>
+                            <a:schemeClr val="tx1"/>
+                          </a:solidFill>
+                        </a:rPr>
+                        <a:t>6</a:t>
+                      </a:r>
+                      <a:endParaRPr lang="ko-KR" altLang="en-US" dirty="0">
+                        <a:solidFill>
+                          <a:schemeClr val="tx1"/>
+                        </a:solidFill>
+                      </a:endParaRPr>
+                    </a:p>
+                  </a:txBody>
+                  <a:tcPr anchor="ctr"/>
+                </a:tc>
+                <a:tc>
+                  <a:txBody>
+                    <a:bodyPr/>
+                    <a:lstStyle/>
+                    <a:p>
+                      <a:pPr marL="0" marR="0" lvl="0" indent="0" algn="ctr" defTabSz="914400" rtl="0" eaLnBrk="1" fontAlgn="auto" latinLnBrk="1" hangingPunct="1">
+                        <a:lnSpc>
+                          <a:spcPct val="100000"/>
+                        </a:lnSpc>
+                        <a:spcBef>
+                          <a:spcPts val="0"/>
+                        </a:spcBef>
+                        <a:spcAft>
+                          <a:spcPts val="0"/>
+                        </a:spcAft>
+                        <a:buClrTx/>
+                        <a:buSzTx/>
+                        <a:buFontTx/>
+                        <a:buNone/>
+                        <a:tabLst/>
+                        <a:defRPr/>
+                      </a:pPr>
+                      <a:r>
+                        <a:rPr lang="ko-KR" altLang="en-US" dirty="0">
+                          <a:solidFill>
+                            <a:schemeClr val="tx1"/>
+                          </a:solidFill>
+                        </a:rPr>
+                        <a:t>○</a:t>
+                      </a:r>
+                    </a:p>
+                  </a:txBody>
+                  <a:tcPr anchor="ctr"/>
+                </a:tc>
+                <a:extLst>
+                  <a:ext uri="{0D108BD9-81ED-4DB2-BD59-A6C34878D82A}">
+                    <a16:rowId xmlns:a16="http://schemas.microsoft.com/office/drawing/2014/main" val="569742551"/>
+                  </a:ext>
+                </a:extLst>
+              </a:tr>
+              <a:tr h="549012">
+                <a:tc>
+                  <a:txBody>
+                    <a:bodyPr/>
+                    <a:lstStyle/>
+                    <a:p>
+                      <a:pPr algn="ctr" latinLnBrk="1"/>
+                      <a:r>
+                        <a:rPr lang="en-US" altLang="ko-KR" dirty="0">
+                          <a:solidFill>
+                            <a:schemeClr val="tx1"/>
+                          </a:solidFill>
+                        </a:rPr>
+                        <a:t>1</a:t>
+                      </a:r>
+                      <a:endParaRPr lang="ko-KR" altLang="en-US" dirty="0">
+                        <a:solidFill>
+                          <a:schemeClr val="tx1"/>
+                        </a:solidFill>
+                      </a:endParaRPr>
+                    </a:p>
+                  </a:txBody>
+                  <a:tcPr anchor="ctr"/>
+                </a:tc>
+                <a:tc>
+                  <a:txBody>
+                    <a:bodyPr/>
+                    <a:lstStyle/>
+                    <a:p>
+                      <a:pPr marL="0" marR="0" lvl="0" indent="0" algn="ctr" defTabSz="914400" rtl="0" eaLnBrk="1" fontAlgn="auto" latinLnBrk="1" hangingPunct="1">
+                        <a:lnSpc>
+                          <a:spcPct val="100000"/>
+                        </a:lnSpc>
+                        <a:spcBef>
+                          <a:spcPts val="0"/>
+                        </a:spcBef>
+                        <a:spcAft>
+                          <a:spcPts val="0"/>
+                        </a:spcAft>
+                        <a:buClrTx/>
+                        <a:buSzTx/>
+                        <a:buFontTx/>
+                        <a:buNone/>
+                        <a:tabLst/>
+                        <a:defRPr/>
+                      </a:pPr>
+                      <a:r>
+                        <a:rPr lang="en-US" altLang="ko-KR" dirty="0">
+                          <a:solidFill>
+                            <a:schemeClr val="tx1"/>
+                          </a:solidFill>
+                        </a:rPr>
+                        <a:t>4</a:t>
+                      </a:r>
+                      <a:endParaRPr lang="ko-KR" altLang="en-US" dirty="0">
+                        <a:solidFill>
+                          <a:schemeClr val="tx1"/>
+                        </a:solidFill>
+                      </a:endParaRPr>
+                    </a:p>
+                  </a:txBody>
+                  <a:tcPr anchor="ctr"/>
+                </a:tc>
+                <a:tc>
+                  <a:txBody>
+                    <a:bodyPr/>
+                    <a:lstStyle/>
+                    <a:p>
+                      <a:pPr marL="0" marR="0" lvl="0" indent="0" algn="ctr" defTabSz="914400" rtl="0" eaLnBrk="1" fontAlgn="auto" latinLnBrk="1" hangingPunct="1">
+                        <a:lnSpc>
+                          <a:spcPct val="100000"/>
+                        </a:lnSpc>
+                        <a:spcBef>
+                          <a:spcPts val="0"/>
+                        </a:spcBef>
+                        <a:spcAft>
+                          <a:spcPts val="0"/>
+                        </a:spcAft>
+                        <a:buClrTx/>
+                        <a:buSzTx/>
+                        <a:buFontTx/>
+                        <a:buNone/>
+                        <a:tabLst/>
+                        <a:defRPr/>
+                      </a:pPr>
+                      <a:r>
+                        <a:rPr lang="ko-KR" altLang="en-US" dirty="0">
+                          <a:solidFill>
+                            <a:schemeClr val="tx1"/>
+                          </a:solidFill>
+                        </a:rPr>
+                        <a:t>○</a:t>
+                      </a:r>
+                    </a:p>
+                  </a:txBody>
+                  <a:tcPr anchor="ctr"/>
+                </a:tc>
+                <a:extLst>
+                  <a:ext uri="{0D108BD9-81ED-4DB2-BD59-A6C34878D82A}">
+                    <a16:rowId xmlns:a16="http://schemas.microsoft.com/office/drawing/2014/main" val="1846374400"/>
+                  </a:ext>
+                </a:extLst>
+              </a:tr>
+            </a:tbl>
+          </a:graphicData>
+        </a:graphic>
+      </p:graphicFrame>
+    </p:spTree>
+    <p:extLst>
+      <p:ext uri="{BB962C8B-B14F-4D97-AF65-F5344CB8AC3E}">
+        <p14:creationId xmlns:p14="http://schemas.microsoft.com/office/powerpoint/2010/main" val="1212256085"/>
+      </p:ext>
+    </p:extLst>
+  </p:cSld>
+  <p:clrMapOvr>
+    <a:masterClrMapping/>
+  </p:clrMapOvr>
+</p:sld>
+</file>
+
+<file path=ppt/slides/slide11.xml><?xml version="1.0" encoding="utf-8"?>
+<p:sld xmlns:a="http://schemas.openxmlformats.org/drawingml/2006/main" xmlns:r="http://schemas.openxmlformats.org/officeDocument/2006/relationships" xmlns:p="http://schemas.openxmlformats.org/presentationml/2006/main">
+  <p:cSld>
+    <p:spTree>
+      <p:nvGrpSpPr>
+        <p:cNvPr id="1" name=""/>
+        <p:cNvGrpSpPr/>
+        <p:nvPr/>
+      </p:nvGrpSpPr>
+      <p:grpSpPr>
+        <a:xfrm>
+          <a:off x="0" y="0"/>
+          <a:ext cx="0" cy="0"/>
+          <a:chOff x="0" y="0"/>
+          <a:chExt cx="0" cy="0"/>
+        </a:xfrm>
+      </p:grpSpPr>
+      <p:sp>
+        <p:nvSpPr>
+          <p:cNvPr id="33" name="타원 32">
+            <a:extLst>
+              <a:ext uri="{FF2B5EF4-FFF2-40B4-BE49-F238E27FC236}">
+                <a16:creationId xmlns:a16="http://schemas.microsoft.com/office/drawing/2014/main" id="{5A6CE72D-51F3-4FB4-A311-A18F7C15820D}"/>
+              </a:ext>
+            </a:extLst>
+          </p:cNvPr>
+          <p:cNvSpPr/>
+          <p:nvPr/>
+        </p:nvSpPr>
+        <p:spPr>
+          <a:xfrm>
+            <a:off x="1661802" y="297636"/>
+            <a:ext cx="738232" cy="738232"/>
+          </a:xfrm>
+          <a:prstGeom prst="ellipse">
+            <a:avLst/>
+          </a:prstGeom>
+          <a:solidFill>
+            <a:srgbClr val="FFC000"/>
+          </a:solidFill>
+          <a:ln w="25400">
+            <a:solidFill>
+              <a:srgbClr val="F1A116"/>
+            </a:solidFill>
+          </a:ln>
+        </p:spPr>
+        <p:style>
+          <a:lnRef idx="2">
+            <a:schemeClr val="accent1">
+              <a:shade val="50000"/>
+            </a:schemeClr>
+          </a:lnRef>
+          <a:fillRef idx="1">
+            <a:schemeClr val="accent1"/>
+          </a:fillRef>
+          <a:effectRef idx="0">
+            <a:schemeClr val="accent1"/>
+          </a:effectRef>
+          <a:fontRef idx="minor">
+            <a:schemeClr val="lt1"/>
+          </a:fontRef>
+        </p:style>
+        <p:txBody>
+          <a:bodyPr rtlCol="0" anchor="ctr"/>
+          <a:lstStyle/>
+          <a:p>
+            <a:pPr algn="ctr"/>
+            <a:r>
+              <a:rPr lang="en-US" altLang="ko-KR" b="1" dirty="0">
+                <a:solidFill>
+                  <a:schemeClr val="tx1"/>
+                </a:solidFill>
+              </a:rPr>
+              <a:t>1</a:t>
+            </a:r>
+            <a:endParaRPr lang="ko-KR" altLang="en-US" b="1" dirty="0">
+              <a:solidFill>
+                <a:schemeClr val="tx1"/>
+              </a:solidFill>
+            </a:endParaRPr>
+          </a:p>
+        </p:txBody>
+      </p:sp>
+      <p:sp>
+        <p:nvSpPr>
+          <p:cNvPr id="34" name="타원 33">
+            <a:extLst>
+              <a:ext uri="{FF2B5EF4-FFF2-40B4-BE49-F238E27FC236}">
+                <a16:creationId xmlns:a16="http://schemas.microsoft.com/office/drawing/2014/main" id="{DBC9E705-3ED6-4500-8579-C453C1939792}"/>
+              </a:ext>
+            </a:extLst>
+          </p:cNvPr>
+          <p:cNvSpPr/>
+          <p:nvPr/>
+        </p:nvSpPr>
+        <p:spPr>
+          <a:xfrm>
+            <a:off x="7262120" y="472362"/>
+            <a:ext cx="738232" cy="738232"/>
+          </a:xfrm>
+          <a:prstGeom prst="ellipse">
+            <a:avLst/>
+          </a:prstGeom>
+          <a:solidFill>
+            <a:srgbClr val="FFC000"/>
+          </a:solidFill>
+          <a:ln w="25400">
+            <a:solidFill>
+              <a:srgbClr val="F1A116"/>
+            </a:solidFill>
+          </a:ln>
+        </p:spPr>
+        <p:style>
+          <a:lnRef idx="2">
+            <a:schemeClr val="accent1">
+              <a:shade val="50000"/>
+            </a:schemeClr>
+          </a:lnRef>
+          <a:fillRef idx="1">
+            <a:schemeClr val="accent1"/>
+          </a:fillRef>
+          <a:effectRef idx="0">
+            <a:schemeClr val="accent1"/>
+          </a:effectRef>
+          <a:fontRef idx="minor">
+            <a:schemeClr val="lt1"/>
+          </a:fontRef>
+        </p:style>
+        <p:txBody>
+          <a:bodyPr rtlCol="0" anchor="ctr"/>
+          <a:lstStyle/>
+          <a:p>
+            <a:pPr algn="ctr"/>
+            <a:r>
+              <a:rPr lang="en-US" altLang="ko-KR" b="1" dirty="0">
+                <a:solidFill>
+                  <a:schemeClr val="tx1"/>
+                </a:solidFill>
+              </a:rPr>
+              <a:t>2</a:t>
+            </a:r>
+            <a:endParaRPr lang="ko-KR" altLang="en-US" b="1" dirty="0">
+              <a:solidFill>
+                <a:schemeClr val="tx1"/>
+              </a:solidFill>
+            </a:endParaRPr>
+          </a:p>
+        </p:txBody>
+      </p:sp>
+      <p:sp>
+        <p:nvSpPr>
+          <p:cNvPr id="37" name="타원 36">
+            <a:extLst>
+              <a:ext uri="{FF2B5EF4-FFF2-40B4-BE49-F238E27FC236}">
+                <a16:creationId xmlns:a16="http://schemas.microsoft.com/office/drawing/2014/main" id="{36CB0A15-720D-4719-80F8-BCA83F9328F6}"/>
+              </a:ext>
+            </a:extLst>
+          </p:cNvPr>
+          <p:cNvSpPr/>
+          <p:nvPr/>
+        </p:nvSpPr>
+        <p:spPr>
+          <a:xfrm>
+            <a:off x="5158789" y="5484653"/>
+            <a:ext cx="738232" cy="738232"/>
+          </a:xfrm>
+          <a:prstGeom prst="ellipse">
+            <a:avLst/>
+          </a:prstGeom>
+          <a:solidFill>
+            <a:srgbClr val="FFC000"/>
+          </a:solidFill>
+          <a:ln w="25400">
+            <a:solidFill>
+              <a:srgbClr val="F1A116"/>
+            </a:solidFill>
+          </a:ln>
+        </p:spPr>
+        <p:style>
+          <a:lnRef idx="2">
+            <a:schemeClr val="accent1">
+              <a:shade val="50000"/>
+            </a:schemeClr>
+          </a:lnRef>
+          <a:fillRef idx="1">
+            <a:schemeClr val="accent1"/>
+          </a:fillRef>
+          <a:effectRef idx="0">
+            <a:schemeClr val="accent1"/>
+          </a:effectRef>
+          <a:fontRef idx="minor">
+            <a:schemeClr val="lt1"/>
+          </a:fontRef>
+        </p:style>
+        <p:txBody>
+          <a:bodyPr rtlCol="0" anchor="ctr"/>
+          <a:lstStyle/>
+          <a:p>
+            <a:pPr algn="ctr"/>
+            <a:r>
+              <a:rPr lang="en-US" altLang="ko-KR" b="1" dirty="0">
+                <a:solidFill>
+                  <a:schemeClr val="tx1"/>
+                </a:solidFill>
+              </a:rPr>
+              <a:t>7</a:t>
+            </a:r>
+            <a:endParaRPr lang="ko-KR" altLang="en-US" b="1" dirty="0">
+              <a:solidFill>
+                <a:schemeClr val="tx1"/>
+              </a:solidFill>
+            </a:endParaRPr>
+          </a:p>
+        </p:txBody>
+      </p:sp>
+      <p:sp>
+        <p:nvSpPr>
+          <p:cNvPr id="38" name="타원 37">
+            <a:extLst>
+              <a:ext uri="{FF2B5EF4-FFF2-40B4-BE49-F238E27FC236}">
+                <a16:creationId xmlns:a16="http://schemas.microsoft.com/office/drawing/2014/main" id="{48239B09-15FE-4F9C-86D2-F27A9DEE0851}"/>
+              </a:ext>
+            </a:extLst>
+          </p:cNvPr>
+          <p:cNvSpPr/>
+          <p:nvPr/>
+        </p:nvSpPr>
+        <p:spPr>
+          <a:xfrm>
+            <a:off x="2636687" y="5687160"/>
+            <a:ext cx="738232" cy="738232"/>
+          </a:xfrm>
+          <a:prstGeom prst="ellipse">
+            <a:avLst/>
+          </a:prstGeom>
+          <a:solidFill>
+            <a:srgbClr val="FFC000"/>
+          </a:solidFill>
+          <a:ln w="25400">
+            <a:solidFill>
+              <a:srgbClr val="F1A116"/>
+            </a:solidFill>
+          </a:ln>
+        </p:spPr>
+        <p:style>
+          <a:lnRef idx="2">
+            <a:schemeClr val="accent1">
+              <a:shade val="50000"/>
+            </a:schemeClr>
+          </a:lnRef>
+          <a:fillRef idx="1">
+            <a:schemeClr val="accent1"/>
+          </a:fillRef>
+          <a:effectRef idx="0">
+            <a:schemeClr val="accent1"/>
+          </a:effectRef>
+          <a:fontRef idx="minor">
+            <a:schemeClr val="lt1"/>
+          </a:fontRef>
+        </p:style>
+        <p:txBody>
+          <a:bodyPr rtlCol="0" anchor="ctr"/>
+          <a:lstStyle/>
+          <a:p>
+            <a:pPr algn="ctr"/>
+            <a:r>
+              <a:rPr lang="en-US" altLang="ko-KR" b="1" dirty="0">
+                <a:solidFill>
+                  <a:schemeClr val="tx1"/>
+                </a:solidFill>
+              </a:rPr>
+              <a:t>10</a:t>
+            </a:r>
+            <a:endParaRPr lang="ko-KR" altLang="en-US" b="1" dirty="0">
+              <a:solidFill>
+                <a:schemeClr val="tx1"/>
+              </a:solidFill>
+            </a:endParaRPr>
+          </a:p>
+        </p:txBody>
+      </p:sp>
+      <p:sp>
+        <p:nvSpPr>
+          <p:cNvPr id="39" name="타원 38">
+            <a:extLst>
+              <a:ext uri="{FF2B5EF4-FFF2-40B4-BE49-F238E27FC236}">
+                <a16:creationId xmlns:a16="http://schemas.microsoft.com/office/drawing/2014/main" id="{AE6F69FD-0EB2-407D-922C-70908DD5F305}"/>
+              </a:ext>
+            </a:extLst>
+          </p:cNvPr>
+          <p:cNvSpPr/>
+          <p:nvPr/>
+        </p:nvSpPr>
+        <p:spPr>
+          <a:xfrm>
+            <a:off x="7631236" y="3347892"/>
+            <a:ext cx="738232" cy="738232"/>
+          </a:xfrm>
+          <a:prstGeom prst="ellipse">
+            <a:avLst/>
+          </a:prstGeom>
+          <a:solidFill>
+            <a:srgbClr val="FFC000"/>
+          </a:solidFill>
+          <a:ln w="25400">
+            <a:solidFill>
+              <a:srgbClr val="F1A116"/>
+            </a:solidFill>
+          </a:ln>
+        </p:spPr>
+        <p:style>
+          <a:lnRef idx="2">
+            <a:schemeClr val="accent1">
+              <a:shade val="50000"/>
+            </a:schemeClr>
+          </a:lnRef>
+          <a:fillRef idx="1">
+            <a:schemeClr val="accent1"/>
+          </a:fillRef>
+          <a:effectRef idx="0">
+            <a:schemeClr val="accent1"/>
+          </a:effectRef>
+          <a:fontRef idx="minor">
+            <a:schemeClr val="lt1"/>
+          </a:fontRef>
+        </p:style>
+        <p:txBody>
+          <a:bodyPr rtlCol="0" anchor="ctr"/>
+          <a:lstStyle/>
+          <a:p>
+            <a:pPr algn="ctr"/>
+            <a:r>
+              <a:rPr lang="en-US" altLang="ko-KR" b="1" dirty="0">
+                <a:solidFill>
+                  <a:schemeClr val="tx1"/>
+                </a:solidFill>
+              </a:rPr>
+              <a:t>6</a:t>
+            </a:r>
+            <a:endParaRPr lang="ko-KR" altLang="en-US" b="1" dirty="0">
+              <a:solidFill>
+                <a:schemeClr val="tx1"/>
+              </a:solidFill>
+            </a:endParaRPr>
+          </a:p>
+        </p:txBody>
+      </p:sp>
+      <p:sp>
+        <p:nvSpPr>
+          <p:cNvPr id="40" name="타원 39">
+            <a:extLst>
+              <a:ext uri="{FF2B5EF4-FFF2-40B4-BE49-F238E27FC236}">
+                <a16:creationId xmlns:a16="http://schemas.microsoft.com/office/drawing/2014/main" id="{69670782-BB50-4D8C-8600-39DFB07D914A}"/>
+              </a:ext>
+            </a:extLst>
+          </p:cNvPr>
+          <p:cNvSpPr/>
+          <p:nvPr/>
+        </p:nvSpPr>
+        <p:spPr>
+          <a:xfrm>
+            <a:off x="3709731" y="3717008"/>
+            <a:ext cx="738232" cy="738232"/>
+          </a:xfrm>
+          <a:prstGeom prst="ellipse">
+            <a:avLst/>
+          </a:prstGeom>
+          <a:solidFill>
+            <a:srgbClr val="FFC000"/>
+          </a:solidFill>
+          <a:ln w="25400">
+            <a:solidFill>
+              <a:srgbClr val="F1A116"/>
+            </a:solidFill>
+          </a:ln>
+        </p:spPr>
+        <p:style>
+          <a:lnRef idx="2">
+            <a:schemeClr val="accent1">
+              <a:shade val="50000"/>
+            </a:schemeClr>
+          </a:lnRef>
+          <a:fillRef idx="1">
+            <a:schemeClr val="accent1"/>
+          </a:fillRef>
+          <a:effectRef idx="0">
+            <a:schemeClr val="accent1"/>
+          </a:effectRef>
+          <a:fontRef idx="minor">
+            <a:schemeClr val="lt1"/>
+          </a:fontRef>
+        </p:style>
+        <p:txBody>
+          <a:bodyPr rtlCol="0" anchor="ctr"/>
+          <a:lstStyle/>
+          <a:p>
+            <a:pPr algn="ctr"/>
+            <a:r>
+              <a:rPr lang="en-US" altLang="ko-KR" b="1" dirty="0">
+                <a:solidFill>
+                  <a:schemeClr val="tx1"/>
+                </a:solidFill>
+              </a:rPr>
+              <a:t>5</a:t>
+            </a:r>
+            <a:endParaRPr lang="ko-KR" altLang="en-US" b="1" dirty="0">
+              <a:solidFill>
+                <a:schemeClr val="tx1"/>
+              </a:solidFill>
+            </a:endParaRPr>
+          </a:p>
+        </p:txBody>
+      </p:sp>
+      <p:sp>
+        <p:nvSpPr>
+          <p:cNvPr id="41" name="타원 40">
+            <a:extLst>
+              <a:ext uri="{FF2B5EF4-FFF2-40B4-BE49-F238E27FC236}">
+                <a16:creationId xmlns:a16="http://schemas.microsoft.com/office/drawing/2014/main" id="{F5D94D76-4C86-46AA-A13A-61C347C4311B}"/>
+              </a:ext>
+            </a:extLst>
+          </p:cNvPr>
+          <p:cNvSpPr/>
+          <p:nvPr/>
+        </p:nvSpPr>
+        <p:spPr>
+          <a:xfrm>
+            <a:off x="533028" y="2274440"/>
+            <a:ext cx="738232" cy="738232"/>
+          </a:xfrm>
+          <a:prstGeom prst="ellipse">
+            <a:avLst/>
+          </a:prstGeom>
+          <a:solidFill>
+            <a:srgbClr val="FFC000"/>
+          </a:solidFill>
+          <a:ln w="25400">
+            <a:solidFill>
+              <a:srgbClr val="F1A116"/>
+            </a:solidFill>
+          </a:ln>
+        </p:spPr>
+        <p:style>
+          <a:lnRef idx="2">
+            <a:schemeClr val="accent1">
+              <a:shade val="50000"/>
+            </a:schemeClr>
+          </a:lnRef>
+          <a:fillRef idx="1">
+            <a:schemeClr val="accent1"/>
+          </a:fillRef>
+          <a:effectRef idx="0">
+            <a:schemeClr val="accent1"/>
+          </a:effectRef>
+          <a:fontRef idx="minor">
+            <a:schemeClr val="lt1"/>
+          </a:fontRef>
+        </p:style>
+        <p:txBody>
+          <a:bodyPr rtlCol="0" anchor="ctr"/>
+          <a:lstStyle/>
+          <a:p>
+            <a:pPr algn="ctr"/>
+            <a:r>
+              <a:rPr lang="en-US" altLang="ko-KR" b="1" dirty="0">
+                <a:solidFill>
+                  <a:schemeClr val="tx1"/>
+                </a:solidFill>
+              </a:rPr>
+              <a:t>4</a:t>
+            </a:r>
+            <a:endParaRPr lang="ko-KR" altLang="en-US" b="1" dirty="0">
+              <a:solidFill>
+                <a:schemeClr val="tx1"/>
+              </a:solidFill>
+            </a:endParaRPr>
+          </a:p>
+        </p:txBody>
+      </p:sp>
+      <p:sp>
+        <p:nvSpPr>
+          <p:cNvPr id="60" name="TextBox 59">
+            <a:extLst>
+              <a:ext uri="{FF2B5EF4-FFF2-40B4-BE49-F238E27FC236}">
+                <a16:creationId xmlns:a16="http://schemas.microsoft.com/office/drawing/2014/main" id="{4428D8E9-775F-4C05-AAD0-82CFEBB57F7B}"/>
+              </a:ext>
+            </a:extLst>
+          </p:cNvPr>
+          <p:cNvSpPr txBox="1"/>
+          <p:nvPr/>
+        </p:nvSpPr>
+        <p:spPr>
+          <a:xfrm>
+            <a:off x="1063775" y="1211423"/>
+            <a:ext cx="272254" cy="400110"/>
+          </a:xfrm>
+          <a:prstGeom prst="rect">
+            <a:avLst/>
+          </a:prstGeom>
+          <a:noFill/>
+        </p:spPr>
+        <p:txBody>
+          <a:bodyPr wrap="square" rtlCol="0">
+            <a:spAutoFit/>
+          </a:bodyPr>
+          <a:lstStyle/>
+          <a:p>
+            <a:r>
+              <a:rPr lang="en-US" altLang="ko-KR" sz="2000" b="1" dirty="0"/>
+              <a:t>5</a:t>
+            </a:r>
+            <a:endParaRPr lang="ko-KR" altLang="en-US" sz="2000" b="1" dirty="0"/>
+          </a:p>
+        </p:txBody>
+      </p:sp>
+      <p:cxnSp>
+        <p:nvCxnSpPr>
+          <p:cNvPr id="67" name="직선 연결선 66">
+            <a:extLst>
+              <a:ext uri="{FF2B5EF4-FFF2-40B4-BE49-F238E27FC236}">
+                <a16:creationId xmlns:a16="http://schemas.microsoft.com/office/drawing/2014/main" id="{58F2E6A4-7E8D-4B3D-9AF7-2EE1D2D50664}"/>
+              </a:ext>
+            </a:extLst>
+          </p:cNvPr>
+          <p:cNvCxnSpPr>
+            <a:cxnSpLocks/>
+            <a:stCxn id="41" idx="0"/>
+            <a:endCxn id="33" idx="3"/>
+          </p:cNvCxnSpPr>
+          <p:nvPr/>
+        </p:nvCxnSpPr>
+        <p:spPr>
+          <a:xfrm flipV="1">
+            <a:off x="902144" y="927756"/>
+            <a:ext cx="867770" cy="1346684"/>
+          </a:xfrm>
+          <a:prstGeom prst="line">
+            <a:avLst/>
+          </a:prstGeom>
+          <a:ln w="19050">
+            <a:solidFill>
+              <a:srgbClr val="FF0000"/>
+            </a:solidFill>
+          </a:ln>
+        </p:spPr>
+        <p:style>
+          <a:lnRef idx="1">
+            <a:schemeClr val="dk1"/>
+          </a:lnRef>
+          <a:fillRef idx="0">
+            <a:schemeClr val="dk1"/>
+          </a:fillRef>
+          <a:effectRef idx="0">
+            <a:schemeClr val="dk1"/>
+          </a:effectRef>
+          <a:fontRef idx="minor">
+            <a:schemeClr val="tx1"/>
+          </a:fontRef>
+        </p:style>
+      </p:cxnSp>
+      <p:sp>
+        <p:nvSpPr>
+          <p:cNvPr id="42" name="타원 41">
+            <a:extLst>
+              <a:ext uri="{FF2B5EF4-FFF2-40B4-BE49-F238E27FC236}">
+                <a16:creationId xmlns:a16="http://schemas.microsoft.com/office/drawing/2014/main" id="{738FEBA6-A17F-4C1F-9775-6C777C5B5FCC}"/>
+              </a:ext>
+            </a:extLst>
+          </p:cNvPr>
+          <p:cNvSpPr/>
+          <p:nvPr/>
+        </p:nvSpPr>
+        <p:spPr>
+          <a:xfrm>
+            <a:off x="830786" y="4592857"/>
+            <a:ext cx="738232" cy="738232"/>
+          </a:xfrm>
+          <a:prstGeom prst="ellipse">
+            <a:avLst/>
+          </a:prstGeom>
+          <a:solidFill>
+            <a:srgbClr val="FFC000"/>
+          </a:solidFill>
+          <a:ln w="25400">
+            <a:solidFill>
+              <a:srgbClr val="F1A116"/>
+            </a:solidFill>
+          </a:ln>
+        </p:spPr>
+        <p:style>
+          <a:lnRef idx="2">
+            <a:schemeClr val="accent1">
+              <a:shade val="50000"/>
+            </a:schemeClr>
+          </a:lnRef>
+          <a:fillRef idx="1">
+            <a:schemeClr val="accent1"/>
+          </a:fillRef>
+          <a:effectRef idx="0">
+            <a:schemeClr val="accent1"/>
+          </a:effectRef>
+          <a:fontRef idx="minor">
+            <a:schemeClr val="lt1"/>
+          </a:fontRef>
+        </p:style>
+        <p:txBody>
+          <a:bodyPr rtlCol="0" anchor="ctr"/>
+          <a:lstStyle/>
+          <a:p>
+            <a:pPr algn="ctr"/>
+            <a:r>
+              <a:rPr lang="en-US" altLang="ko-KR" b="1" dirty="0">
+                <a:solidFill>
+                  <a:schemeClr val="tx1"/>
+                </a:solidFill>
+              </a:rPr>
+              <a:t>8</a:t>
+            </a:r>
+            <a:endParaRPr lang="ko-KR" altLang="en-US" b="1" dirty="0">
+              <a:solidFill>
+                <a:schemeClr val="tx1"/>
+              </a:solidFill>
+            </a:endParaRPr>
+          </a:p>
+        </p:txBody>
+      </p:sp>
+      <p:sp>
+        <p:nvSpPr>
+          <p:cNvPr id="71" name="타원 70">
+            <a:extLst>
+              <a:ext uri="{FF2B5EF4-FFF2-40B4-BE49-F238E27FC236}">
+                <a16:creationId xmlns:a16="http://schemas.microsoft.com/office/drawing/2014/main" id="{D990A2ED-C8CC-418E-B2CA-6BB3169AB3E2}"/>
+              </a:ext>
+            </a:extLst>
+          </p:cNvPr>
+          <p:cNvSpPr/>
+          <p:nvPr/>
+        </p:nvSpPr>
+        <p:spPr>
+          <a:xfrm>
+            <a:off x="7454476" y="5370342"/>
+            <a:ext cx="738232" cy="738232"/>
+          </a:xfrm>
+          <a:prstGeom prst="ellipse">
+            <a:avLst/>
+          </a:prstGeom>
+          <a:solidFill>
             <a:srgbClr val="FFC000"/>
           </a:solidFill>
           <a:ln w="25400">
@@ -8492,7 +11668,7 @@
 </p:sld>
 </file>
 
-<file path=ppt/slides/slide11.xml><?xml version="1.0" encoding="utf-8"?>
+<file path=ppt/slides/slide12.xml><?xml version="1.0" encoding="utf-8"?>
 <p:sld xmlns:a="http://schemas.openxmlformats.org/drawingml/2006/main" xmlns:r="http://schemas.openxmlformats.org/officeDocument/2006/relationships" xmlns:p="http://schemas.openxmlformats.org/presentationml/2006/main">
   <p:cSld>
     <p:spTree>
@@ -30300,6 +33476,3219 @@
             <a:avLst/>
           </a:prstGeom>
           <a:solidFill>
+            <a:schemeClr val="bg1"/>
+          </a:solidFill>
+          <a:ln w="25400">
+            <a:solidFill>
+              <a:srgbClr val="F1A116"/>
+            </a:solidFill>
+          </a:ln>
+        </p:spPr>
+        <p:style>
+          <a:lnRef idx="2">
+            <a:schemeClr val="accent1">
+              <a:shade val="50000"/>
+            </a:schemeClr>
+          </a:lnRef>
+          <a:fillRef idx="1">
+            <a:schemeClr val="accent1"/>
+          </a:fillRef>
+          <a:effectRef idx="0">
+            <a:schemeClr val="accent1"/>
+          </a:effectRef>
+          <a:fontRef idx="minor">
+            <a:schemeClr val="lt1"/>
+          </a:fontRef>
+        </p:style>
+        <p:txBody>
+          <a:bodyPr rtlCol="0" anchor="ctr"/>
+          <a:lstStyle/>
+          <a:p>
+            <a:pPr algn="ctr"/>
+            <a:r>
+              <a:rPr lang="en-US" altLang="ko-KR" b="1" dirty="0">
+                <a:solidFill>
+                  <a:schemeClr val="tx1"/>
+                </a:solidFill>
+              </a:rPr>
+              <a:t>7</a:t>
+            </a:r>
+            <a:endParaRPr lang="ko-KR" altLang="en-US" b="1" dirty="0">
+              <a:solidFill>
+                <a:schemeClr val="tx1"/>
+              </a:solidFill>
+            </a:endParaRPr>
+          </a:p>
+        </p:txBody>
+      </p:sp>
+      <p:sp>
+        <p:nvSpPr>
+          <p:cNvPr id="38" name="타원 37">
+            <a:extLst>
+              <a:ext uri="{FF2B5EF4-FFF2-40B4-BE49-F238E27FC236}">
+                <a16:creationId xmlns:a16="http://schemas.microsoft.com/office/drawing/2014/main" id="{48239B09-15FE-4F9C-86D2-F27A9DEE0851}"/>
+              </a:ext>
+            </a:extLst>
+          </p:cNvPr>
+          <p:cNvSpPr/>
+          <p:nvPr/>
+        </p:nvSpPr>
+        <p:spPr>
+          <a:xfrm>
+            <a:off x="2636687" y="5687160"/>
+            <a:ext cx="738232" cy="738232"/>
+          </a:xfrm>
+          <a:prstGeom prst="ellipse">
+            <a:avLst/>
+          </a:prstGeom>
+          <a:solidFill>
+            <a:schemeClr val="bg1"/>
+          </a:solidFill>
+          <a:ln w="25400">
+            <a:solidFill>
+              <a:srgbClr val="F1A116"/>
+            </a:solidFill>
+          </a:ln>
+        </p:spPr>
+        <p:style>
+          <a:lnRef idx="2">
+            <a:schemeClr val="accent1">
+              <a:shade val="50000"/>
+            </a:schemeClr>
+          </a:lnRef>
+          <a:fillRef idx="1">
+            <a:schemeClr val="accent1"/>
+          </a:fillRef>
+          <a:effectRef idx="0">
+            <a:schemeClr val="accent1"/>
+          </a:effectRef>
+          <a:fontRef idx="minor">
+            <a:schemeClr val="lt1"/>
+          </a:fontRef>
+        </p:style>
+        <p:txBody>
+          <a:bodyPr rtlCol="0" anchor="ctr"/>
+          <a:lstStyle/>
+          <a:p>
+            <a:pPr algn="ctr"/>
+            <a:r>
+              <a:rPr lang="en-US" altLang="ko-KR" b="1" dirty="0">
+                <a:solidFill>
+                  <a:schemeClr val="tx1"/>
+                </a:solidFill>
+              </a:rPr>
+              <a:t>10</a:t>
+            </a:r>
+            <a:endParaRPr lang="ko-KR" altLang="en-US" b="1" dirty="0">
+              <a:solidFill>
+                <a:schemeClr val="tx1"/>
+              </a:solidFill>
+            </a:endParaRPr>
+          </a:p>
+        </p:txBody>
+      </p:sp>
+      <p:sp>
+        <p:nvSpPr>
+          <p:cNvPr id="39" name="타원 38">
+            <a:extLst>
+              <a:ext uri="{FF2B5EF4-FFF2-40B4-BE49-F238E27FC236}">
+                <a16:creationId xmlns:a16="http://schemas.microsoft.com/office/drawing/2014/main" id="{AE6F69FD-0EB2-407D-922C-70908DD5F305}"/>
+              </a:ext>
+            </a:extLst>
+          </p:cNvPr>
+          <p:cNvSpPr/>
+          <p:nvPr/>
+        </p:nvSpPr>
+        <p:spPr>
+          <a:xfrm>
+            <a:off x="7631236" y="3347892"/>
+            <a:ext cx="738232" cy="738232"/>
+          </a:xfrm>
+          <a:prstGeom prst="ellipse">
+            <a:avLst/>
+          </a:prstGeom>
+          <a:solidFill>
+            <a:srgbClr val="FFC000"/>
+          </a:solidFill>
+          <a:ln w="25400">
+            <a:solidFill>
+              <a:srgbClr val="F1A116"/>
+            </a:solidFill>
+          </a:ln>
+        </p:spPr>
+        <p:style>
+          <a:lnRef idx="2">
+            <a:schemeClr val="accent1">
+              <a:shade val="50000"/>
+            </a:schemeClr>
+          </a:lnRef>
+          <a:fillRef idx="1">
+            <a:schemeClr val="accent1"/>
+          </a:fillRef>
+          <a:effectRef idx="0">
+            <a:schemeClr val="accent1"/>
+          </a:effectRef>
+          <a:fontRef idx="minor">
+            <a:schemeClr val="lt1"/>
+          </a:fontRef>
+        </p:style>
+        <p:txBody>
+          <a:bodyPr rtlCol="0" anchor="ctr"/>
+          <a:lstStyle/>
+          <a:p>
+            <a:pPr algn="ctr"/>
+            <a:r>
+              <a:rPr lang="en-US" altLang="ko-KR" b="1" dirty="0">
+                <a:solidFill>
+                  <a:schemeClr val="tx1"/>
+                </a:solidFill>
+              </a:rPr>
+              <a:t>6</a:t>
+            </a:r>
+            <a:endParaRPr lang="ko-KR" altLang="en-US" b="1" dirty="0">
+              <a:solidFill>
+                <a:schemeClr val="tx1"/>
+              </a:solidFill>
+            </a:endParaRPr>
+          </a:p>
+        </p:txBody>
+      </p:sp>
+      <p:sp>
+        <p:nvSpPr>
+          <p:cNvPr id="40" name="타원 39">
+            <a:extLst>
+              <a:ext uri="{FF2B5EF4-FFF2-40B4-BE49-F238E27FC236}">
+                <a16:creationId xmlns:a16="http://schemas.microsoft.com/office/drawing/2014/main" id="{69670782-BB50-4D8C-8600-39DFB07D914A}"/>
+              </a:ext>
+            </a:extLst>
+          </p:cNvPr>
+          <p:cNvSpPr/>
+          <p:nvPr/>
+        </p:nvSpPr>
+        <p:spPr>
+          <a:xfrm>
+            <a:off x="3709731" y="3717008"/>
+            <a:ext cx="738232" cy="738232"/>
+          </a:xfrm>
+          <a:prstGeom prst="ellipse">
+            <a:avLst/>
+          </a:prstGeom>
+          <a:solidFill>
+            <a:srgbClr val="FFC000"/>
+          </a:solidFill>
+          <a:ln w="25400">
+            <a:solidFill>
+              <a:srgbClr val="F1A116"/>
+            </a:solidFill>
+          </a:ln>
+        </p:spPr>
+        <p:style>
+          <a:lnRef idx="2">
+            <a:schemeClr val="accent1">
+              <a:shade val="50000"/>
+            </a:schemeClr>
+          </a:lnRef>
+          <a:fillRef idx="1">
+            <a:schemeClr val="accent1"/>
+          </a:fillRef>
+          <a:effectRef idx="0">
+            <a:schemeClr val="accent1"/>
+          </a:effectRef>
+          <a:fontRef idx="minor">
+            <a:schemeClr val="lt1"/>
+          </a:fontRef>
+        </p:style>
+        <p:txBody>
+          <a:bodyPr rtlCol="0" anchor="ctr"/>
+          <a:lstStyle/>
+          <a:p>
+            <a:pPr algn="ctr"/>
+            <a:r>
+              <a:rPr lang="en-US" altLang="ko-KR" b="1" dirty="0">
+                <a:solidFill>
+                  <a:schemeClr val="tx1"/>
+                </a:solidFill>
+              </a:rPr>
+              <a:t>5</a:t>
+            </a:r>
+            <a:endParaRPr lang="ko-KR" altLang="en-US" b="1" dirty="0">
+              <a:solidFill>
+                <a:schemeClr val="tx1"/>
+              </a:solidFill>
+            </a:endParaRPr>
+          </a:p>
+        </p:txBody>
+      </p:sp>
+      <p:sp>
+        <p:nvSpPr>
+          <p:cNvPr id="41" name="타원 40">
+            <a:extLst>
+              <a:ext uri="{FF2B5EF4-FFF2-40B4-BE49-F238E27FC236}">
+                <a16:creationId xmlns:a16="http://schemas.microsoft.com/office/drawing/2014/main" id="{F5D94D76-4C86-46AA-A13A-61C347C4311B}"/>
+              </a:ext>
+            </a:extLst>
+          </p:cNvPr>
+          <p:cNvSpPr/>
+          <p:nvPr/>
+        </p:nvSpPr>
+        <p:spPr>
+          <a:xfrm>
+            <a:off x="533028" y="2274440"/>
+            <a:ext cx="738232" cy="738232"/>
+          </a:xfrm>
+          <a:prstGeom prst="ellipse">
+            <a:avLst/>
+          </a:prstGeom>
+          <a:solidFill>
+            <a:srgbClr val="FFC000"/>
+          </a:solidFill>
+          <a:ln w="25400">
+            <a:solidFill>
+              <a:srgbClr val="F1A116"/>
+            </a:solidFill>
+          </a:ln>
+        </p:spPr>
+        <p:style>
+          <a:lnRef idx="2">
+            <a:schemeClr val="accent1">
+              <a:shade val="50000"/>
+            </a:schemeClr>
+          </a:lnRef>
+          <a:fillRef idx="1">
+            <a:schemeClr val="accent1"/>
+          </a:fillRef>
+          <a:effectRef idx="0">
+            <a:schemeClr val="accent1"/>
+          </a:effectRef>
+          <a:fontRef idx="minor">
+            <a:schemeClr val="lt1"/>
+          </a:fontRef>
+        </p:style>
+        <p:txBody>
+          <a:bodyPr rtlCol="0" anchor="ctr"/>
+          <a:lstStyle/>
+          <a:p>
+            <a:pPr algn="ctr"/>
+            <a:r>
+              <a:rPr lang="en-US" altLang="ko-KR" b="1" dirty="0">
+                <a:solidFill>
+                  <a:schemeClr val="tx1"/>
+                </a:solidFill>
+              </a:rPr>
+              <a:t>4</a:t>
+            </a:r>
+            <a:endParaRPr lang="ko-KR" altLang="en-US" b="1" dirty="0">
+              <a:solidFill>
+                <a:schemeClr val="tx1"/>
+              </a:solidFill>
+            </a:endParaRPr>
+          </a:p>
+        </p:txBody>
+      </p:sp>
+      <p:sp>
+        <p:nvSpPr>
+          <p:cNvPr id="60" name="TextBox 59">
+            <a:extLst>
+              <a:ext uri="{FF2B5EF4-FFF2-40B4-BE49-F238E27FC236}">
+                <a16:creationId xmlns:a16="http://schemas.microsoft.com/office/drawing/2014/main" id="{4428D8E9-775F-4C05-AAD0-82CFEBB57F7B}"/>
+              </a:ext>
+            </a:extLst>
+          </p:cNvPr>
+          <p:cNvSpPr txBox="1"/>
+          <p:nvPr/>
+        </p:nvSpPr>
+        <p:spPr>
+          <a:xfrm>
+            <a:off x="1063775" y="1211423"/>
+            <a:ext cx="272254" cy="400110"/>
+          </a:xfrm>
+          <a:prstGeom prst="rect">
+            <a:avLst/>
+          </a:prstGeom>
+          <a:noFill/>
+        </p:spPr>
+        <p:txBody>
+          <a:bodyPr wrap="square" rtlCol="0">
+            <a:spAutoFit/>
+          </a:bodyPr>
+          <a:lstStyle/>
+          <a:p>
+            <a:r>
+              <a:rPr lang="en-US" altLang="ko-KR" sz="2000" b="1" dirty="0"/>
+              <a:t>5</a:t>
+            </a:r>
+            <a:endParaRPr lang="ko-KR" altLang="en-US" sz="2000" b="1" dirty="0"/>
+          </a:p>
+        </p:txBody>
+      </p:sp>
+      <p:cxnSp>
+        <p:nvCxnSpPr>
+          <p:cNvPr id="67" name="직선 연결선 66">
+            <a:extLst>
+              <a:ext uri="{FF2B5EF4-FFF2-40B4-BE49-F238E27FC236}">
+                <a16:creationId xmlns:a16="http://schemas.microsoft.com/office/drawing/2014/main" id="{58F2E6A4-7E8D-4B3D-9AF7-2EE1D2D50664}"/>
+              </a:ext>
+            </a:extLst>
+          </p:cNvPr>
+          <p:cNvCxnSpPr>
+            <a:cxnSpLocks/>
+            <a:stCxn id="41" idx="0"/>
+            <a:endCxn id="33" idx="3"/>
+          </p:cNvCxnSpPr>
+          <p:nvPr/>
+        </p:nvCxnSpPr>
+        <p:spPr>
+          <a:xfrm flipV="1">
+            <a:off x="902144" y="927756"/>
+            <a:ext cx="867770" cy="1346684"/>
+          </a:xfrm>
+          <a:prstGeom prst="line">
+            <a:avLst/>
+          </a:prstGeom>
+          <a:ln w="19050">
+            <a:solidFill>
+              <a:srgbClr val="FF0000"/>
+            </a:solidFill>
+          </a:ln>
+        </p:spPr>
+        <p:style>
+          <a:lnRef idx="1">
+            <a:schemeClr val="dk1"/>
+          </a:lnRef>
+          <a:fillRef idx="0">
+            <a:schemeClr val="dk1"/>
+          </a:fillRef>
+          <a:effectRef idx="0">
+            <a:schemeClr val="dk1"/>
+          </a:effectRef>
+          <a:fontRef idx="minor">
+            <a:schemeClr val="tx1"/>
+          </a:fontRef>
+        </p:style>
+      </p:cxnSp>
+      <p:sp>
+        <p:nvSpPr>
+          <p:cNvPr id="42" name="타원 41">
+            <a:extLst>
+              <a:ext uri="{FF2B5EF4-FFF2-40B4-BE49-F238E27FC236}">
+                <a16:creationId xmlns:a16="http://schemas.microsoft.com/office/drawing/2014/main" id="{738FEBA6-A17F-4C1F-9775-6C777C5B5FCC}"/>
+              </a:ext>
+            </a:extLst>
+          </p:cNvPr>
+          <p:cNvSpPr/>
+          <p:nvPr/>
+        </p:nvSpPr>
+        <p:spPr>
+          <a:xfrm>
+            <a:off x="830786" y="4592857"/>
+            <a:ext cx="738232" cy="738232"/>
+          </a:xfrm>
+          <a:prstGeom prst="ellipse">
+            <a:avLst/>
+          </a:prstGeom>
+          <a:solidFill>
+            <a:srgbClr val="FFC000"/>
+          </a:solidFill>
+          <a:ln w="25400">
+            <a:solidFill>
+              <a:srgbClr val="F1A116"/>
+            </a:solidFill>
+          </a:ln>
+        </p:spPr>
+        <p:style>
+          <a:lnRef idx="2">
+            <a:schemeClr val="accent1">
+              <a:shade val="50000"/>
+            </a:schemeClr>
+          </a:lnRef>
+          <a:fillRef idx="1">
+            <a:schemeClr val="accent1"/>
+          </a:fillRef>
+          <a:effectRef idx="0">
+            <a:schemeClr val="accent1"/>
+          </a:effectRef>
+          <a:fontRef idx="minor">
+            <a:schemeClr val="lt1"/>
+          </a:fontRef>
+        </p:style>
+        <p:txBody>
+          <a:bodyPr rtlCol="0" anchor="ctr"/>
+          <a:lstStyle/>
+          <a:p>
+            <a:pPr algn="ctr"/>
+            <a:r>
+              <a:rPr lang="en-US" altLang="ko-KR" b="1" dirty="0">
+                <a:solidFill>
+                  <a:schemeClr val="tx1"/>
+                </a:solidFill>
+              </a:rPr>
+              <a:t>8</a:t>
+            </a:r>
+            <a:endParaRPr lang="ko-KR" altLang="en-US" b="1" dirty="0">
+              <a:solidFill>
+                <a:schemeClr val="tx1"/>
+              </a:solidFill>
+            </a:endParaRPr>
+          </a:p>
+        </p:txBody>
+      </p:sp>
+      <p:sp>
+        <p:nvSpPr>
+          <p:cNvPr id="71" name="타원 70">
+            <a:extLst>
+              <a:ext uri="{FF2B5EF4-FFF2-40B4-BE49-F238E27FC236}">
+                <a16:creationId xmlns:a16="http://schemas.microsoft.com/office/drawing/2014/main" id="{D990A2ED-C8CC-418E-B2CA-6BB3169AB3E2}"/>
+              </a:ext>
+            </a:extLst>
+          </p:cNvPr>
+          <p:cNvSpPr/>
+          <p:nvPr/>
+        </p:nvSpPr>
+        <p:spPr>
+          <a:xfrm>
+            <a:off x="7454476" y="5370342"/>
+            <a:ext cx="738232" cy="738232"/>
+          </a:xfrm>
+          <a:prstGeom prst="ellipse">
+            <a:avLst/>
+          </a:prstGeom>
+          <a:solidFill>
+            <a:schemeClr val="bg1"/>
+          </a:solidFill>
+          <a:ln w="25400">
+            <a:solidFill>
+              <a:srgbClr val="F1A116"/>
+            </a:solidFill>
+          </a:ln>
+        </p:spPr>
+        <p:style>
+          <a:lnRef idx="2">
+            <a:schemeClr val="accent1">
+              <a:shade val="50000"/>
+            </a:schemeClr>
+          </a:lnRef>
+          <a:fillRef idx="1">
+            <a:schemeClr val="accent1"/>
+          </a:fillRef>
+          <a:effectRef idx="0">
+            <a:schemeClr val="accent1"/>
+          </a:effectRef>
+          <a:fontRef idx="minor">
+            <a:schemeClr val="lt1"/>
+          </a:fontRef>
+        </p:style>
+        <p:txBody>
+          <a:bodyPr rtlCol="0" anchor="ctr"/>
+          <a:lstStyle/>
+          <a:p>
+            <a:pPr algn="ctr"/>
+            <a:r>
+              <a:rPr lang="en-US" altLang="ko-KR" b="1" dirty="0">
+                <a:solidFill>
+                  <a:schemeClr val="tx1"/>
+                </a:solidFill>
+              </a:rPr>
+              <a:t>9</a:t>
+            </a:r>
+            <a:endParaRPr lang="ko-KR" altLang="en-US" b="1" dirty="0">
+              <a:solidFill>
+                <a:schemeClr val="tx1"/>
+              </a:solidFill>
+            </a:endParaRPr>
+          </a:p>
+        </p:txBody>
+      </p:sp>
+      <p:sp>
+        <p:nvSpPr>
+          <p:cNvPr id="45" name="타원 44">
+            <a:extLst>
+              <a:ext uri="{FF2B5EF4-FFF2-40B4-BE49-F238E27FC236}">
+                <a16:creationId xmlns:a16="http://schemas.microsoft.com/office/drawing/2014/main" id="{A6A460C1-6D25-4250-82DD-45FE4916D693}"/>
+              </a:ext>
+            </a:extLst>
+          </p:cNvPr>
+          <p:cNvSpPr/>
+          <p:nvPr/>
+        </p:nvSpPr>
+        <p:spPr>
+          <a:xfrm>
+            <a:off x="4662063" y="1504926"/>
+            <a:ext cx="738232" cy="738232"/>
+          </a:xfrm>
+          <a:prstGeom prst="ellipse">
+            <a:avLst/>
+          </a:prstGeom>
+          <a:solidFill>
+            <a:srgbClr val="FFC000"/>
+          </a:solidFill>
+          <a:ln w="25400">
+            <a:solidFill>
+              <a:srgbClr val="F1A116"/>
+            </a:solidFill>
+          </a:ln>
+        </p:spPr>
+        <p:style>
+          <a:lnRef idx="2">
+            <a:schemeClr val="accent1">
+              <a:shade val="50000"/>
+            </a:schemeClr>
+          </a:lnRef>
+          <a:fillRef idx="1">
+            <a:schemeClr val="accent1"/>
+          </a:fillRef>
+          <a:effectRef idx="0">
+            <a:schemeClr val="accent1"/>
+          </a:effectRef>
+          <a:fontRef idx="minor">
+            <a:schemeClr val="lt1"/>
+          </a:fontRef>
+        </p:style>
+        <p:txBody>
+          <a:bodyPr rtlCol="0" anchor="ctr"/>
+          <a:lstStyle/>
+          <a:p>
+            <a:pPr algn="ctr"/>
+            <a:r>
+              <a:rPr lang="en-US" altLang="ko-KR" b="1" dirty="0">
+                <a:solidFill>
+                  <a:schemeClr val="tx1"/>
+                </a:solidFill>
+              </a:rPr>
+              <a:t>3</a:t>
+            </a:r>
+            <a:endParaRPr lang="ko-KR" altLang="en-US" b="1" dirty="0">
+              <a:solidFill>
+                <a:schemeClr val="tx1"/>
+              </a:solidFill>
+            </a:endParaRPr>
+          </a:p>
+        </p:txBody>
+      </p:sp>
+      <p:cxnSp>
+        <p:nvCxnSpPr>
+          <p:cNvPr id="48" name="직선 연결선 47">
+            <a:extLst>
+              <a:ext uri="{FF2B5EF4-FFF2-40B4-BE49-F238E27FC236}">
+                <a16:creationId xmlns:a16="http://schemas.microsoft.com/office/drawing/2014/main" id="{7012FE3B-F399-4D2A-B453-09E976BFC1CF}"/>
+              </a:ext>
+            </a:extLst>
+          </p:cNvPr>
+          <p:cNvCxnSpPr>
+            <a:cxnSpLocks/>
+            <a:stCxn id="45" idx="1"/>
+            <a:endCxn id="33" idx="5"/>
+          </p:cNvCxnSpPr>
+          <p:nvPr/>
+        </p:nvCxnSpPr>
+        <p:spPr>
+          <a:xfrm flipH="1" flipV="1">
+            <a:off x="2291922" y="927756"/>
+            <a:ext cx="2478253" cy="685282"/>
+          </a:xfrm>
+          <a:prstGeom prst="line">
+            <a:avLst/>
+          </a:prstGeom>
+          <a:ln w="19050">
+            <a:solidFill>
+              <a:schemeClr val="accent1"/>
+            </a:solidFill>
+          </a:ln>
+        </p:spPr>
+        <p:style>
+          <a:lnRef idx="1">
+            <a:schemeClr val="dk1"/>
+          </a:lnRef>
+          <a:fillRef idx="0">
+            <a:schemeClr val="dk1"/>
+          </a:fillRef>
+          <a:effectRef idx="0">
+            <a:schemeClr val="dk1"/>
+          </a:effectRef>
+          <a:fontRef idx="minor">
+            <a:schemeClr val="tx1"/>
+          </a:fontRef>
+        </p:style>
+      </p:cxnSp>
+      <p:sp>
+        <p:nvSpPr>
+          <p:cNvPr id="53" name="TextBox 52">
+            <a:extLst>
+              <a:ext uri="{FF2B5EF4-FFF2-40B4-BE49-F238E27FC236}">
+                <a16:creationId xmlns:a16="http://schemas.microsoft.com/office/drawing/2014/main" id="{B319EFB3-07EB-4801-93C1-EA5F9614E128}"/>
+              </a:ext>
+            </a:extLst>
+          </p:cNvPr>
+          <p:cNvSpPr txBox="1"/>
+          <p:nvPr/>
+        </p:nvSpPr>
+        <p:spPr>
+          <a:xfrm>
+            <a:off x="3604505" y="940577"/>
+            <a:ext cx="333746" cy="400110"/>
+          </a:xfrm>
+          <a:prstGeom prst="rect">
+            <a:avLst/>
+          </a:prstGeom>
+          <a:noFill/>
+        </p:spPr>
+        <p:txBody>
+          <a:bodyPr wrap="none" rtlCol="0">
+            <a:spAutoFit/>
+          </a:bodyPr>
+          <a:lstStyle/>
+          <a:p>
+            <a:r>
+              <a:rPr lang="en-US" altLang="ko-KR" sz="2000" b="1" dirty="0"/>
+              <a:t>3</a:t>
+            </a:r>
+            <a:endParaRPr lang="ko-KR" altLang="en-US" sz="2000" b="1" dirty="0"/>
+          </a:p>
+        </p:txBody>
+      </p:sp>
+      <p:cxnSp>
+        <p:nvCxnSpPr>
+          <p:cNvPr id="55" name="직선 연결선 54">
+            <a:extLst>
+              <a:ext uri="{FF2B5EF4-FFF2-40B4-BE49-F238E27FC236}">
+                <a16:creationId xmlns:a16="http://schemas.microsoft.com/office/drawing/2014/main" id="{4A70E982-D56F-47E9-9502-A0DED833901D}"/>
+              </a:ext>
+            </a:extLst>
+          </p:cNvPr>
+          <p:cNvCxnSpPr>
+            <a:cxnSpLocks/>
+            <a:stCxn id="34" idx="2"/>
+            <a:endCxn id="33" idx="6"/>
+          </p:cNvCxnSpPr>
+          <p:nvPr/>
+        </p:nvCxnSpPr>
+        <p:spPr>
+          <a:xfrm flipH="1" flipV="1">
+            <a:off x="2400034" y="666752"/>
+            <a:ext cx="4862086" cy="174726"/>
+          </a:xfrm>
+          <a:prstGeom prst="line">
+            <a:avLst/>
+          </a:prstGeom>
+          <a:ln w="19050">
+            <a:solidFill>
+              <a:schemeClr val="accent1"/>
+            </a:solidFill>
+          </a:ln>
+        </p:spPr>
+        <p:style>
+          <a:lnRef idx="1">
+            <a:schemeClr val="dk1"/>
+          </a:lnRef>
+          <a:fillRef idx="0">
+            <a:schemeClr val="dk1"/>
+          </a:fillRef>
+          <a:effectRef idx="0">
+            <a:schemeClr val="dk1"/>
+          </a:effectRef>
+          <a:fontRef idx="minor">
+            <a:schemeClr val="tx1"/>
+          </a:fontRef>
+        </p:style>
+      </p:cxnSp>
+      <p:sp>
+        <p:nvSpPr>
+          <p:cNvPr id="61" name="TextBox 60">
+            <a:extLst>
+              <a:ext uri="{FF2B5EF4-FFF2-40B4-BE49-F238E27FC236}">
+                <a16:creationId xmlns:a16="http://schemas.microsoft.com/office/drawing/2014/main" id="{2979CCE6-6D81-4A58-A6CC-8CE67B77A808}"/>
+              </a:ext>
+            </a:extLst>
+          </p:cNvPr>
+          <p:cNvSpPr txBox="1"/>
+          <p:nvPr/>
+        </p:nvSpPr>
+        <p:spPr>
+          <a:xfrm>
+            <a:off x="4281090" y="376577"/>
+            <a:ext cx="333746" cy="400110"/>
+          </a:xfrm>
+          <a:prstGeom prst="rect">
+            <a:avLst/>
+          </a:prstGeom>
+          <a:noFill/>
+        </p:spPr>
+        <p:txBody>
+          <a:bodyPr wrap="none" rtlCol="0">
+            <a:spAutoFit/>
+          </a:bodyPr>
+          <a:lstStyle/>
+          <a:p>
+            <a:r>
+              <a:rPr lang="en-US" altLang="ko-KR" sz="2000" b="1" dirty="0"/>
+              <a:t>2</a:t>
+            </a:r>
+            <a:endParaRPr lang="ko-KR" altLang="en-US" sz="2000" b="1" dirty="0"/>
+          </a:p>
+        </p:txBody>
+      </p:sp>
+      <p:cxnSp>
+        <p:nvCxnSpPr>
+          <p:cNvPr id="64" name="직선 연결선 63">
+            <a:extLst>
+              <a:ext uri="{FF2B5EF4-FFF2-40B4-BE49-F238E27FC236}">
+                <a16:creationId xmlns:a16="http://schemas.microsoft.com/office/drawing/2014/main" id="{641DF93C-EAC8-4F4D-9BF0-CD16350A932B}"/>
+              </a:ext>
+            </a:extLst>
+          </p:cNvPr>
+          <p:cNvCxnSpPr>
+            <a:cxnSpLocks/>
+            <a:stCxn id="34" idx="4"/>
+            <a:endCxn id="39" idx="0"/>
+          </p:cNvCxnSpPr>
+          <p:nvPr/>
+        </p:nvCxnSpPr>
+        <p:spPr>
+          <a:xfrm>
+            <a:off x="7631236" y="1210594"/>
+            <a:ext cx="369116" cy="2137298"/>
+          </a:xfrm>
+          <a:prstGeom prst="line">
+            <a:avLst/>
+          </a:prstGeom>
+          <a:ln w="19050">
+            <a:solidFill>
+              <a:srgbClr val="FF0000"/>
+            </a:solidFill>
+          </a:ln>
+        </p:spPr>
+        <p:style>
+          <a:lnRef idx="1">
+            <a:schemeClr val="dk1"/>
+          </a:lnRef>
+          <a:fillRef idx="0">
+            <a:schemeClr val="dk1"/>
+          </a:fillRef>
+          <a:effectRef idx="0">
+            <a:schemeClr val="dk1"/>
+          </a:effectRef>
+          <a:fontRef idx="minor">
+            <a:schemeClr val="tx1"/>
+          </a:fontRef>
+        </p:style>
+      </p:cxnSp>
+      <p:cxnSp>
+        <p:nvCxnSpPr>
+          <p:cNvPr id="65" name="직선 연결선 64">
+            <a:extLst>
+              <a:ext uri="{FF2B5EF4-FFF2-40B4-BE49-F238E27FC236}">
+                <a16:creationId xmlns:a16="http://schemas.microsoft.com/office/drawing/2014/main" id="{53D996D7-CD3D-4075-852E-B56718894718}"/>
+              </a:ext>
+            </a:extLst>
+          </p:cNvPr>
+          <p:cNvCxnSpPr>
+            <a:cxnSpLocks/>
+            <a:stCxn id="34" idx="3"/>
+            <a:endCxn id="40" idx="7"/>
+          </p:cNvCxnSpPr>
+          <p:nvPr/>
+        </p:nvCxnSpPr>
+        <p:spPr>
+          <a:xfrm flipH="1">
+            <a:off x="4339851" y="1102482"/>
+            <a:ext cx="3030381" cy="2722638"/>
+          </a:xfrm>
+          <a:prstGeom prst="line">
+            <a:avLst/>
+          </a:prstGeom>
+          <a:ln w="19050">
+            <a:solidFill>
+              <a:srgbClr val="FF0000"/>
+            </a:solidFill>
+          </a:ln>
+        </p:spPr>
+        <p:style>
+          <a:lnRef idx="1">
+            <a:schemeClr val="dk1"/>
+          </a:lnRef>
+          <a:fillRef idx="0">
+            <a:schemeClr val="dk1"/>
+          </a:fillRef>
+          <a:effectRef idx="0">
+            <a:schemeClr val="dk1"/>
+          </a:effectRef>
+          <a:fontRef idx="minor">
+            <a:schemeClr val="tx1"/>
+          </a:fontRef>
+        </p:style>
+      </p:cxnSp>
+      <p:sp>
+        <p:nvSpPr>
+          <p:cNvPr id="76" name="TextBox 75">
+            <a:extLst>
+              <a:ext uri="{FF2B5EF4-FFF2-40B4-BE49-F238E27FC236}">
+                <a16:creationId xmlns:a16="http://schemas.microsoft.com/office/drawing/2014/main" id="{F5CBC9E4-9F91-4284-8D7A-54D4417A1F33}"/>
+              </a:ext>
+            </a:extLst>
+          </p:cNvPr>
+          <p:cNvSpPr txBox="1"/>
+          <p:nvPr/>
+        </p:nvSpPr>
+        <p:spPr>
+          <a:xfrm>
+            <a:off x="7851164" y="1950954"/>
+            <a:ext cx="333746" cy="400110"/>
+          </a:xfrm>
+          <a:prstGeom prst="rect">
+            <a:avLst/>
+          </a:prstGeom>
+          <a:noFill/>
+        </p:spPr>
+        <p:txBody>
+          <a:bodyPr wrap="none" rtlCol="0">
+            <a:spAutoFit/>
+          </a:bodyPr>
+          <a:lstStyle/>
+          <a:p>
+            <a:r>
+              <a:rPr lang="en-US" altLang="ko-KR" sz="2000" b="1" dirty="0"/>
+              <a:t>7</a:t>
+            </a:r>
+            <a:endParaRPr lang="ko-KR" altLang="en-US" sz="2000" b="1" dirty="0"/>
+          </a:p>
+        </p:txBody>
+      </p:sp>
+      <p:sp>
+        <p:nvSpPr>
+          <p:cNvPr id="77" name="TextBox 76">
+            <a:extLst>
+              <a:ext uri="{FF2B5EF4-FFF2-40B4-BE49-F238E27FC236}">
+                <a16:creationId xmlns:a16="http://schemas.microsoft.com/office/drawing/2014/main" id="{024B6CE4-97A1-4D53-9CB4-021FA34861CE}"/>
+              </a:ext>
+            </a:extLst>
+          </p:cNvPr>
+          <p:cNvSpPr txBox="1"/>
+          <p:nvPr/>
+        </p:nvSpPr>
+        <p:spPr>
+          <a:xfrm>
+            <a:off x="5598088" y="2063691"/>
+            <a:ext cx="333746" cy="400110"/>
+          </a:xfrm>
+          <a:prstGeom prst="rect">
+            <a:avLst/>
+          </a:prstGeom>
+          <a:noFill/>
+        </p:spPr>
+        <p:txBody>
+          <a:bodyPr wrap="none" rtlCol="0">
+            <a:spAutoFit/>
+          </a:bodyPr>
+          <a:lstStyle/>
+          <a:p>
+            <a:r>
+              <a:rPr lang="en-US" altLang="ko-KR" sz="2000" b="1" dirty="0"/>
+              <a:t>5</a:t>
+            </a:r>
+            <a:endParaRPr lang="ko-KR" altLang="en-US" sz="2000" b="1" dirty="0"/>
+          </a:p>
+        </p:txBody>
+      </p:sp>
+      <p:cxnSp>
+        <p:nvCxnSpPr>
+          <p:cNvPr id="79" name="직선 연결선 78">
+            <a:extLst>
+              <a:ext uri="{FF2B5EF4-FFF2-40B4-BE49-F238E27FC236}">
+                <a16:creationId xmlns:a16="http://schemas.microsoft.com/office/drawing/2014/main" id="{42A24F04-AC2E-46B0-AB70-062A8A27924D}"/>
+              </a:ext>
+            </a:extLst>
+          </p:cNvPr>
+          <p:cNvCxnSpPr>
+            <a:cxnSpLocks/>
+            <a:stCxn id="45" idx="4"/>
+            <a:endCxn id="40" idx="0"/>
+          </p:cNvCxnSpPr>
+          <p:nvPr/>
+        </p:nvCxnSpPr>
+        <p:spPr>
+          <a:xfrm flipH="1">
+            <a:off x="4078847" y="2243158"/>
+            <a:ext cx="952332" cy="1473850"/>
+          </a:xfrm>
+          <a:prstGeom prst="line">
+            <a:avLst/>
+          </a:prstGeom>
+          <a:ln w="19050">
+            <a:solidFill>
+              <a:schemeClr val="accent1"/>
+            </a:solidFill>
+          </a:ln>
+        </p:spPr>
+        <p:style>
+          <a:lnRef idx="1">
+            <a:schemeClr val="dk1"/>
+          </a:lnRef>
+          <a:fillRef idx="0">
+            <a:schemeClr val="dk1"/>
+          </a:fillRef>
+          <a:effectRef idx="0">
+            <a:schemeClr val="dk1"/>
+          </a:effectRef>
+          <a:fontRef idx="minor">
+            <a:schemeClr val="tx1"/>
+          </a:fontRef>
+        </p:style>
+      </p:cxnSp>
+      <p:sp>
+        <p:nvSpPr>
+          <p:cNvPr id="80" name="TextBox 79">
+            <a:extLst>
+              <a:ext uri="{FF2B5EF4-FFF2-40B4-BE49-F238E27FC236}">
+                <a16:creationId xmlns:a16="http://schemas.microsoft.com/office/drawing/2014/main" id="{11674934-5386-4C27-95C9-0220AA1E0173}"/>
+              </a:ext>
+            </a:extLst>
+          </p:cNvPr>
+          <p:cNvSpPr txBox="1"/>
+          <p:nvPr/>
+        </p:nvSpPr>
+        <p:spPr>
+          <a:xfrm>
+            <a:off x="4281090" y="2553290"/>
+            <a:ext cx="333746" cy="400110"/>
+          </a:xfrm>
+          <a:prstGeom prst="rect">
+            <a:avLst/>
+          </a:prstGeom>
+          <a:noFill/>
+        </p:spPr>
+        <p:txBody>
+          <a:bodyPr wrap="none" rtlCol="0">
+            <a:spAutoFit/>
+          </a:bodyPr>
+          <a:lstStyle/>
+          <a:p>
+            <a:r>
+              <a:rPr lang="en-US" altLang="ko-KR" sz="2000" b="1" dirty="0"/>
+              <a:t>1</a:t>
+            </a:r>
+            <a:endParaRPr lang="ko-KR" altLang="en-US" sz="2000" b="1" dirty="0"/>
+          </a:p>
+        </p:txBody>
+      </p:sp>
+      <p:cxnSp>
+        <p:nvCxnSpPr>
+          <p:cNvPr id="82" name="직선 연결선 81">
+            <a:extLst>
+              <a:ext uri="{FF2B5EF4-FFF2-40B4-BE49-F238E27FC236}">
+                <a16:creationId xmlns:a16="http://schemas.microsoft.com/office/drawing/2014/main" id="{5E813276-54C2-4118-B8BF-B52054892B48}"/>
+              </a:ext>
+            </a:extLst>
+          </p:cNvPr>
+          <p:cNvCxnSpPr>
+            <a:cxnSpLocks/>
+            <a:stCxn id="45" idx="2"/>
+            <a:endCxn id="41" idx="6"/>
+          </p:cNvCxnSpPr>
+          <p:nvPr/>
+        </p:nvCxnSpPr>
+        <p:spPr>
+          <a:xfrm flipH="1">
+            <a:off x="1271260" y="1874042"/>
+            <a:ext cx="3390803" cy="769514"/>
+          </a:xfrm>
+          <a:prstGeom prst="line">
+            <a:avLst/>
+          </a:prstGeom>
+          <a:ln w="19050">
+            <a:solidFill>
+              <a:schemeClr val="accent1"/>
+            </a:solidFill>
+          </a:ln>
+        </p:spPr>
+        <p:style>
+          <a:lnRef idx="1">
+            <a:schemeClr val="dk1"/>
+          </a:lnRef>
+          <a:fillRef idx="0">
+            <a:schemeClr val="dk1"/>
+          </a:fillRef>
+          <a:effectRef idx="0">
+            <a:schemeClr val="dk1"/>
+          </a:effectRef>
+          <a:fontRef idx="minor">
+            <a:schemeClr val="tx1"/>
+          </a:fontRef>
+        </p:style>
+      </p:cxnSp>
+      <p:sp>
+        <p:nvSpPr>
+          <p:cNvPr id="84" name="TextBox 83">
+            <a:extLst>
+              <a:ext uri="{FF2B5EF4-FFF2-40B4-BE49-F238E27FC236}">
+                <a16:creationId xmlns:a16="http://schemas.microsoft.com/office/drawing/2014/main" id="{947987B9-EFB3-469B-A17F-AC1FD0E6189F}"/>
+              </a:ext>
+            </a:extLst>
+          </p:cNvPr>
+          <p:cNvSpPr txBox="1"/>
+          <p:nvPr/>
+        </p:nvSpPr>
+        <p:spPr>
+          <a:xfrm>
+            <a:off x="2188255" y="2079558"/>
+            <a:ext cx="333746" cy="400110"/>
+          </a:xfrm>
+          <a:prstGeom prst="rect">
+            <a:avLst/>
+          </a:prstGeom>
+          <a:noFill/>
+        </p:spPr>
+        <p:txBody>
+          <a:bodyPr wrap="none" rtlCol="0">
+            <a:spAutoFit/>
+          </a:bodyPr>
+          <a:lstStyle/>
+          <a:p>
+            <a:r>
+              <a:rPr lang="en-US" altLang="ko-KR" sz="2000" b="1" dirty="0"/>
+              <a:t>1</a:t>
+            </a:r>
+            <a:endParaRPr lang="ko-KR" altLang="en-US" sz="2000" b="1" dirty="0"/>
+          </a:p>
+        </p:txBody>
+      </p:sp>
+      <p:cxnSp>
+        <p:nvCxnSpPr>
+          <p:cNvPr id="87" name="직선 연결선 86">
+            <a:extLst>
+              <a:ext uri="{FF2B5EF4-FFF2-40B4-BE49-F238E27FC236}">
+                <a16:creationId xmlns:a16="http://schemas.microsoft.com/office/drawing/2014/main" id="{9AE74C1F-823E-425A-BB5F-D3AF7AB3E0C3}"/>
+              </a:ext>
+            </a:extLst>
+          </p:cNvPr>
+          <p:cNvCxnSpPr>
+            <a:cxnSpLocks/>
+            <a:stCxn id="41" idx="4"/>
+            <a:endCxn id="42" idx="0"/>
+          </p:cNvCxnSpPr>
+          <p:nvPr/>
+        </p:nvCxnSpPr>
+        <p:spPr>
+          <a:xfrm>
+            <a:off x="902144" y="3012672"/>
+            <a:ext cx="297758" cy="1580185"/>
+          </a:xfrm>
+          <a:prstGeom prst="line">
+            <a:avLst/>
+          </a:prstGeom>
+          <a:ln w="19050">
+            <a:solidFill>
+              <a:srgbClr val="FF0000"/>
+            </a:solidFill>
+          </a:ln>
+        </p:spPr>
+        <p:style>
+          <a:lnRef idx="1">
+            <a:schemeClr val="dk1"/>
+          </a:lnRef>
+          <a:fillRef idx="0">
+            <a:schemeClr val="dk1"/>
+          </a:fillRef>
+          <a:effectRef idx="0">
+            <a:schemeClr val="dk1"/>
+          </a:effectRef>
+          <a:fontRef idx="minor">
+            <a:schemeClr val="tx1"/>
+          </a:fontRef>
+        </p:style>
+      </p:cxnSp>
+      <p:sp>
+        <p:nvSpPr>
+          <p:cNvPr id="90" name="TextBox 89">
+            <a:extLst>
+              <a:ext uri="{FF2B5EF4-FFF2-40B4-BE49-F238E27FC236}">
+                <a16:creationId xmlns:a16="http://schemas.microsoft.com/office/drawing/2014/main" id="{E724D7C4-36F3-4EFF-8964-F50A08488635}"/>
+              </a:ext>
+            </a:extLst>
+          </p:cNvPr>
+          <p:cNvSpPr txBox="1"/>
+          <p:nvPr/>
+        </p:nvSpPr>
+        <p:spPr>
+          <a:xfrm>
+            <a:off x="730029" y="3550849"/>
+            <a:ext cx="333746" cy="400110"/>
+          </a:xfrm>
+          <a:prstGeom prst="rect">
+            <a:avLst/>
+          </a:prstGeom>
+          <a:noFill/>
+        </p:spPr>
+        <p:txBody>
+          <a:bodyPr wrap="none" rtlCol="0">
+            <a:spAutoFit/>
+          </a:bodyPr>
+          <a:lstStyle/>
+          <a:p>
+            <a:r>
+              <a:rPr lang="en-US" altLang="ko-KR" sz="2000" b="1" dirty="0"/>
+              <a:t>7</a:t>
+            </a:r>
+            <a:endParaRPr lang="ko-KR" altLang="en-US" sz="2000" b="1" dirty="0"/>
+          </a:p>
+        </p:txBody>
+      </p:sp>
+      <p:cxnSp>
+        <p:nvCxnSpPr>
+          <p:cNvPr id="91" name="직선 연결선 90">
+            <a:extLst>
+              <a:ext uri="{FF2B5EF4-FFF2-40B4-BE49-F238E27FC236}">
+                <a16:creationId xmlns:a16="http://schemas.microsoft.com/office/drawing/2014/main" id="{DE208261-0993-47FA-A256-6E2F84BAB948}"/>
+              </a:ext>
+            </a:extLst>
+          </p:cNvPr>
+          <p:cNvCxnSpPr>
+            <a:cxnSpLocks/>
+            <a:stCxn id="40" idx="2"/>
+            <a:endCxn id="42" idx="6"/>
+          </p:cNvCxnSpPr>
+          <p:nvPr/>
+        </p:nvCxnSpPr>
+        <p:spPr>
+          <a:xfrm flipH="1">
+            <a:off x="1569018" y="4086124"/>
+            <a:ext cx="2140713" cy="875849"/>
+          </a:xfrm>
+          <a:prstGeom prst="line">
+            <a:avLst/>
+          </a:prstGeom>
+          <a:ln w="19050">
+            <a:solidFill>
+              <a:schemeClr val="accent1"/>
+            </a:solidFill>
+          </a:ln>
+        </p:spPr>
+        <p:style>
+          <a:lnRef idx="1">
+            <a:schemeClr val="dk1"/>
+          </a:lnRef>
+          <a:fillRef idx="0">
+            <a:schemeClr val="dk1"/>
+          </a:fillRef>
+          <a:effectRef idx="0">
+            <a:schemeClr val="dk1"/>
+          </a:effectRef>
+          <a:fontRef idx="minor">
+            <a:schemeClr val="tx1"/>
+          </a:fontRef>
+        </p:style>
+      </p:cxnSp>
+      <p:sp>
+        <p:nvSpPr>
+          <p:cNvPr id="94" name="TextBox 93">
+            <a:extLst>
+              <a:ext uri="{FF2B5EF4-FFF2-40B4-BE49-F238E27FC236}">
+                <a16:creationId xmlns:a16="http://schemas.microsoft.com/office/drawing/2014/main" id="{ED30EDBE-0EC9-4DC0-B116-9256590DF3D8}"/>
+              </a:ext>
+            </a:extLst>
+          </p:cNvPr>
+          <p:cNvSpPr txBox="1"/>
+          <p:nvPr/>
+        </p:nvSpPr>
+        <p:spPr>
+          <a:xfrm>
+            <a:off x="2636687" y="4546366"/>
+            <a:ext cx="333746" cy="400110"/>
+          </a:xfrm>
+          <a:prstGeom prst="rect">
+            <a:avLst/>
+          </a:prstGeom>
+          <a:noFill/>
+        </p:spPr>
+        <p:txBody>
+          <a:bodyPr wrap="none" rtlCol="0">
+            <a:spAutoFit/>
+          </a:bodyPr>
+          <a:lstStyle/>
+          <a:p>
+            <a:r>
+              <a:rPr lang="en-US" altLang="ko-KR" sz="2000" b="1" dirty="0"/>
+              <a:t>3</a:t>
+            </a:r>
+            <a:endParaRPr lang="ko-KR" altLang="en-US" sz="2000" b="1" dirty="0"/>
+          </a:p>
+        </p:txBody>
+      </p:sp>
+      <p:cxnSp>
+        <p:nvCxnSpPr>
+          <p:cNvPr id="95" name="직선 연결선 94">
+            <a:extLst>
+              <a:ext uri="{FF2B5EF4-FFF2-40B4-BE49-F238E27FC236}">
+                <a16:creationId xmlns:a16="http://schemas.microsoft.com/office/drawing/2014/main" id="{5BF3D6FF-6111-4E58-B48B-A778DB0B89B6}"/>
+              </a:ext>
+            </a:extLst>
+          </p:cNvPr>
+          <p:cNvCxnSpPr>
+            <a:cxnSpLocks/>
+            <a:stCxn id="40" idx="1"/>
+            <a:endCxn id="41" idx="5"/>
+          </p:cNvCxnSpPr>
+          <p:nvPr/>
+        </p:nvCxnSpPr>
+        <p:spPr>
+          <a:xfrm flipH="1" flipV="1">
+            <a:off x="1163148" y="2904560"/>
+            <a:ext cx="2654695" cy="920560"/>
+          </a:xfrm>
+          <a:prstGeom prst="line">
+            <a:avLst/>
+          </a:prstGeom>
+          <a:ln w="19050">
+            <a:solidFill>
+              <a:srgbClr val="FF0000"/>
+            </a:solidFill>
+          </a:ln>
+        </p:spPr>
+        <p:style>
+          <a:lnRef idx="1">
+            <a:schemeClr val="dk1"/>
+          </a:lnRef>
+          <a:fillRef idx="0">
+            <a:schemeClr val="dk1"/>
+          </a:fillRef>
+          <a:effectRef idx="0">
+            <a:schemeClr val="dk1"/>
+          </a:effectRef>
+          <a:fontRef idx="minor">
+            <a:schemeClr val="tx1"/>
+          </a:fontRef>
+        </p:style>
+      </p:cxnSp>
+      <p:sp>
+        <p:nvSpPr>
+          <p:cNvPr id="98" name="TextBox 97">
+            <a:extLst>
+              <a:ext uri="{FF2B5EF4-FFF2-40B4-BE49-F238E27FC236}">
+                <a16:creationId xmlns:a16="http://schemas.microsoft.com/office/drawing/2014/main" id="{C310A4B6-60B1-4084-8854-2B811AD69C9A}"/>
+              </a:ext>
+            </a:extLst>
+          </p:cNvPr>
+          <p:cNvSpPr txBox="1"/>
+          <p:nvPr/>
+        </p:nvSpPr>
+        <p:spPr>
+          <a:xfrm>
+            <a:off x="2456977" y="3028890"/>
+            <a:ext cx="333746" cy="400110"/>
+          </a:xfrm>
+          <a:prstGeom prst="rect">
+            <a:avLst/>
+          </a:prstGeom>
+          <a:noFill/>
+        </p:spPr>
+        <p:txBody>
+          <a:bodyPr wrap="none" rtlCol="0">
+            <a:spAutoFit/>
+          </a:bodyPr>
+          <a:lstStyle/>
+          <a:p>
+            <a:r>
+              <a:rPr lang="en-US" altLang="ko-KR" sz="2000" b="1" dirty="0"/>
+              <a:t>6</a:t>
+            </a:r>
+            <a:endParaRPr lang="ko-KR" altLang="en-US" sz="2000" b="1" dirty="0"/>
+          </a:p>
+        </p:txBody>
+      </p:sp>
+      <p:cxnSp>
+        <p:nvCxnSpPr>
+          <p:cNvPr id="99" name="직선 연결선 98">
+            <a:extLst>
+              <a:ext uri="{FF2B5EF4-FFF2-40B4-BE49-F238E27FC236}">
+                <a16:creationId xmlns:a16="http://schemas.microsoft.com/office/drawing/2014/main" id="{A2BEAC9E-2F8C-4B9F-8610-AD389EBBA6B0}"/>
+              </a:ext>
+            </a:extLst>
+          </p:cNvPr>
+          <p:cNvCxnSpPr>
+            <a:cxnSpLocks/>
+            <a:stCxn id="40" idx="5"/>
+            <a:endCxn id="37" idx="1"/>
+          </p:cNvCxnSpPr>
+          <p:nvPr/>
+        </p:nvCxnSpPr>
+        <p:spPr>
+          <a:xfrm>
+            <a:off x="4339851" y="4347128"/>
+            <a:ext cx="927050" cy="1245637"/>
+          </a:xfrm>
+          <a:prstGeom prst="line">
+            <a:avLst/>
+          </a:prstGeom>
+          <a:ln w="19050">
+            <a:solidFill>
+              <a:srgbClr val="FF0000"/>
+            </a:solidFill>
+          </a:ln>
+        </p:spPr>
+        <p:style>
+          <a:lnRef idx="1">
+            <a:schemeClr val="dk1"/>
+          </a:lnRef>
+          <a:fillRef idx="0">
+            <a:schemeClr val="dk1"/>
+          </a:fillRef>
+          <a:effectRef idx="0">
+            <a:schemeClr val="dk1"/>
+          </a:effectRef>
+          <a:fontRef idx="minor">
+            <a:schemeClr val="tx1"/>
+          </a:fontRef>
+        </p:style>
+      </p:cxnSp>
+      <p:sp>
+        <p:nvSpPr>
+          <p:cNvPr id="106" name="TextBox 105">
+            <a:extLst>
+              <a:ext uri="{FF2B5EF4-FFF2-40B4-BE49-F238E27FC236}">
+                <a16:creationId xmlns:a16="http://schemas.microsoft.com/office/drawing/2014/main" id="{97AAF8C7-8CED-442F-93B6-368F7AFFDE4F}"/>
+              </a:ext>
+            </a:extLst>
+          </p:cNvPr>
+          <p:cNvSpPr txBox="1"/>
+          <p:nvPr/>
+        </p:nvSpPr>
+        <p:spPr>
+          <a:xfrm>
+            <a:off x="4910872" y="4814555"/>
+            <a:ext cx="333746" cy="400110"/>
+          </a:xfrm>
+          <a:prstGeom prst="rect">
+            <a:avLst/>
+          </a:prstGeom>
+          <a:noFill/>
+        </p:spPr>
+        <p:txBody>
+          <a:bodyPr wrap="none" rtlCol="0">
+            <a:spAutoFit/>
+          </a:bodyPr>
+          <a:lstStyle/>
+          <a:p>
+            <a:r>
+              <a:rPr lang="en-US" altLang="ko-KR" sz="2000" b="1" dirty="0"/>
+              <a:t>8</a:t>
+            </a:r>
+            <a:endParaRPr lang="ko-KR" altLang="en-US" sz="2000" b="1" dirty="0"/>
+          </a:p>
+        </p:txBody>
+      </p:sp>
+      <p:cxnSp>
+        <p:nvCxnSpPr>
+          <p:cNvPr id="107" name="직선 연결선 106">
+            <a:extLst>
+              <a:ext uri="{FF2B5EF4-FFF2-40B4-BE49-F238E27FC236}">
+                <a16:creationId xmlns:a16="http://schemas.microsoft.com/office/drawing/2014/main" id="{F7F71FE2-29DC-4815-A0A4-074C506BB4EC}"/>
+              </a:ext>
+            </a:extLst>
+          </p:cNvPr>
+          <p:cNvCxnSpPr>
+            <a:cxnSpLocks/>
+            <a:stCxn id="39" idx="2"/>
+            <a:endCxn id="40" idx="6"/>
+          </p:cNvCxnSpPr>
+          <p:nvPr/>
+        </p:nvCxnSpPr>
+        <p:spPr>
+          <a:xfrm flipH="1">
+            <a:off x="4447963" y="3717008"/>
+            <a:ext cx="3183273" cy="369116"/>
+          </a:xfrm>
+          <a:prstGeom prst="line">
+            <a:avLst/>
+          </a:prstGeom>
+          <a:ln w="19050">
+            <a:solidFill>
+              <a:schemeClr val="accent1"/>
+            </a:solidFill>
+          </a:ln>
+        </p:spPr>
+        <p:style>
+          <a:lnRef idx="1">
+            <a:schemeClr val="dk1"/>
+          </a:lnRef>
+          <a:fillRef idx="0">
+            <a:schemeClr val="dk1"/>
+          </a:fillRef>
+          <a:effectRef idx="0">
+            <a:schemeClr val="dk1"/>
+          </a:effectRef>
+          <a:fontRef idx="minor">
+            <a:schemeClr val="tx1"/>
+          </a:fontRef>
+        </p:style>
+      </p:cxnSp>
+      <p:sp>
+        <p:nvSpPr>
+          <p:cNvPr id="109" name="TextBox 108">
+            <a:extLst>
+              <a:ext uri="{FF2B5EF4-FFF2-40B4-BE49-F238E27FC236}">
+                <a16:creationId xmlns:a16="http://schemas.microsoft.com/office/drawing/2014/main" id="{E2036754-03A8-46BC-BAE5-7085058DBF8F}"/>
+              </a:ext>
+            </a:extLst>
+          </p:cNvPr>
+          <p:cNvSpPr txBox="1"/>
+          <p:nvPr/>
+        </p:nvSpPr>
+        <p:spPr>
+          <a:xfrm>
+            <a:off x="6090197" y="3516953"/>
+            <a:ext cx="333746" cy="400110"/>
+          </a:xfrm>
+          <a:prstGeom prst="rect">
+            <a:avLst/>
+          </a:prstGeom>
+          <a:noFill/>
+        </p:spPr>
+        <p:txBody>
+          <a:bodyPr wrap="none" rtlCol="0">
+            <a:spAutoFit/>
+          </a:bodyPr>
+          <a:lstStyle/>
+          <a:p>
+            <a:r>
+              <a:rPr lang="en-US" altLang="ko-KR" sz="2000" b="1" dirty="0"/>
+              <a:t>4</a:t>
+            </a:r>
+            <a:endParaRPr lang="ko-KR" altLang="en-US" sz="2000" b="1" dirty="0"/>
+          </a:p>
+        </p:txBody>
+      </p:sp>
+      <p:cxnSp>
+        <p:nvCxnSpPr>
+          <p:cNvPr id="111" name="직선 연결선 110">
+            <a:extLst>
+              <a:ext uri="{FF2B5EF4-FFF2-40B4-BE49-F238E27FC236}">
+                <a16:creationId xmlns:a16="http://schemas.microsoft.com/office/drawing/2014/main" id="{56A2A278-FBDB-434D-AA02-204C985702E3}"/>
+              </a:ext>
+            </a:extLst>
+          </p:cNvPr>
+          <p:cNvCxnSpPr>
+            <a:cxnSpLocks/>
+            <a:endCxn id="39" idx="4"/>
+          </p:cNvCxnSpPr>
+          <p:nvPr/>
+        </p:nvCxnSpPr>
+        <p:spPr>
+          <a:xfrm flipV="1">
+            <a:off x="7850312" y="4086124"/>
+            <a:ext cx="150040" cy="1244965"/>
+          </a:xfrm>
+          <a:prstGeom prst="line">
+            <a:avLst/>
+          </a:prstGeom>
+          <a:ln w="19050">
+            <a:solidFill>
+              <a:schemeClr val="accent1"/>
+            </a:solidFill>
+          </a:ln>
+        </p:spPr>
+        <p:style>
+          <a:lnRef idx="1">
+            <a:schemeClr val="dk1"/>
+          </a:lnRef>
+          <a:fillRef idx="0">
+            <a:schemeClr val="dk1"/>
+          </a:fillRef>
+          <a:effectRef idx="0">
+            <a:schemeClr val="dk1"/>
+          </a:effectRef>
+          <a:fontRef idx="minor">
+            <a:schemeClr val="tx1"/>
+          </a:fontRef>
+        </p:style>
+      </p:cxnSp>
+      <p:sp>
+        <p:nvSpPr>
+          <p:cNvPr id="114" name="TextBox 113">
+            <a:extLst>
+              <a:ext uri="{FF2B5EF4-FFF2-40B4-BE49-F238E27FC236}">
+                <a16:creationId xmlns:a16="http://schemas.microsoft.com/office/drawing/2014/main" id="{E19B70C5-FEA4-48AA-A99C-94C3CD6EC260}"/>
+              </a:ext>
+            </a:extLst>
+          </p:cNvPr>
+          <p:cNvSpPr txBox="1"/>
+          <p:nvPr/>
+        </p:nvSpPr>
+        <p:spPr>
+          <a:xfrm>
+            <a:off x="7925332" y="4424246"/>
+            <a:ext cx="333746" cy="400110"/>
+          </a:xfrm>
+          <a:prstGeom prst="rect">
+            <a:avLst/>
+          </a:prstGeom>
+          <a:noFill/>
+        </p:spPr>
+        <p:txBody>
+          <a:bodyPr wrap="none" rtlCol="0">
+            <a:spAutoFit/>
+          </a:bodyPr>
+          <a:lstStyle/>
+          <a:p>
+            <a:r>
+              <a:rPr lang="en-US" altLang="ko-KR" sz="2000" b="1" dirty="0"/>
+              <a:t>6</a:t>
+            </a:r>
+            <a:endParaRPr lang="ko-KR" altLang="en-US" sz="2000" b="1" dirty="0"/>
+          </a:p>
+        </p:txBody>
+      </p:sp>
+      <p:cxnSp>
+        <p:nvCxnSpPr>
+          <p:cNvPr id="115" name="직선 연결선 114">
+            <a:extLst>
+              <a:ext uri="{FF2B5EF4-FFF2-40B4-BE49-F238E27FC236}">
+                <a16:creationId xmlns:a16="http://schemas.microsoft.com/office/drawing/2014/main" id="{E0AA0AED-CE95-4BFB-B94D-09ECFFD0DA3F}"/>
+              </a:ext>
+            </a:extLst>
+          </p:cNvPr>
+          <p:cNvCxnSpPr>
+            <a:cxnSpLocks/>
+            <a:stCxn id="39" idx="3"/>
+            <a:endCxn id="37" idx="7"/>
+          </p:cNvCxnSpPr>
+          <p:nvPr/>
+        </p:nvCxnSpPr>
+        <p:spPr>
+          <a:xfrm flipH="1">
+            <a:off x="5788909" y="3978012"/>
+            <a:ext cx="1950439" cy="1614753"/>
+          </a:xfrm>
+          <a:prstGeom prst="line">
+            <a:avLst/>
+          </a:prstGeom>
+          <a:ln w="19050">
+            <a:solidFill>
+              <a:schemeClr val="accent1"/>
+            </a:solidFill>
+          </a:ln>
+        </p:spPr>
+        <p:style>
+          <a:lnRef idx="1">
+            <a:schemeClr val="dk1"/>
+          </a:lnRef>
+          <a:fillRef idx="0">
+            <a:schemeClr val="dk1"/>
+          </a:fillRef>
+          <a:effectRef idx="0">
+            <a:schemeClr val="dk1"/>
+          </a:effectRef>
+          <a:fontRef idx="minor">
+            <a:schemeClr val="tx1"/>
+          </a:fontRef>
+        </p:style>
+      </p:cxnSp>
+      <p:sp>
+        <p:nvSpPr>
+          <p:cNvPr id="118" name="TextBox 117">
+            <a:extLst>
+              <a:ext uri="{FF2B5EF4-FFF2-40B4-BE49-F238E27FC236}">
+                <a16:creationId xmlns:a16="http://schemas.microsoft.com/office/drawing/2014/main" id="{88CAF66B-A2AD-45F1-BFB9-835672B84F9C}"/>
+              </a:ext>
+            </a:extLst>
+          </p:cNvPr>
+          <p:cNvSpPr txBox="1"/>
+          <p:nvPr/>
+        </p:nvSpPr>
+        <p:spPr>
+          <a:xfrm>
+            <a:off x="6639482" y="4347128"/>
+            <a:ext cx="333746" cy="400110"/>
+          </a:xfrm>
+          <a:prstGeom prst="rect">
+            <a:avLst/>
+          </a:prstGeom>
+          <a:noFill/>
+        </p:spPr>
+        <p:txBody>
+          <a:bodyPr wrap="none" rtlCol="0">
+            <a:spAutoFit/>
+          </a:bodyPr>
+          <a:lstStyle/>
+          <a:p>
+            <a:r>
+              <a:rPr lang="en-US" altLang="ko-KR" sz="2000" b="1" dirty="0"/>
+              <a:t>2</a:t>
+            </a:r>
+            <a:endParaRPr lang="ko-KR" altLang="en-US" sz="2000" b="1" dirty="0"/>
+          </a:p>
+        </p:txBody>
+      </p:sp>
+      <p:cxnSp>
+        <p:nvCxnSpPr>
+          <p:cNvPr id="119" name="직선 연결선 118">
+            <a:extLst>
+              <a:ext uri="{FF2B5EF4-FFF2-40B4-BE49-F238E27FC236}">
+                <a16:creationId xmlns:a16="http://schemas.microsoft.com/office/drawing/2014/main" id="{57E86028-0815-4B9C-9CAE-3A07CCBB97DE}"/>
+              </a:ext>
+            </a:extLst>
+          </p:cNvPr>
+          <p:cNvCxnSpPr>
+            <a:cxnSpLocks/>
+            <a:stCxn id="38" idx="6"/>
+            <a:endCxn id="37" idx="2"/>
+          </p:cNvCxnSpPr>
+          <p:nvPr/>
+        </p:nvCxnSpPr>
+        <p:spPr>
+          <a:xfrm flipV="1">
+            <a:off x="3374919" y="5853769"/>
+            <a:ext cx="1783870" cy="202507"/>
+          </a:xfrm>
+          <a:prstGeom prst="line">
+            <a:avLst/>
+          </a:prstGeom>
+          <a:ln w="19050"/>
+        </p:spPr>
+        <p:style>
+          <a:lnRef idx="1">
+            <a:schemeClr val="dk1"/>
+          </a:lnRef>
+          <a:fillRef idx="0">
+            <a:schemeClr val="dk1"/>
+          </a:fillRef>
+          <a:effectRef idx="0">
+            <a:schemeClr val="dk1"/>
+          </a:effectRef>
+          <a:fontRef idx="minor">
+            <a:schemeClr val="tx1"/>
+          </a:fontRef>
+        </p:style>
+      </p:cxnSp>
+      <p:sp>
+        <p:nvSpPr>
+          <p:cNvPr id="122" name="TextBox 121">
+            <a:extLst>
+              <a:ext uri="{FF2B5EF4-FFF2-40B4-BE49-F238E27FC236}">
+                <a16:creationId xmlns:a16="http://schemas.microsoft.com/office/drawing/2014/main" id="{66A7EE28-B665-4789-B841-D35DC33CF81D}"/>
+              </a:ext>
+            </a:extLst>
+          </p:cNvPr>
+          <p:cNvSpPr txBox="1"/>
+          <p:nvPr/>
+        </p:nvSpPr>
+        <p:spPr>
+          <a:xfrm>
+            <a:off x="4046316" y="5584792"/>
+            <a:ext cx="333746" cy="400110"/>
+          </a:xfrm>
+          <a:prstGeom prst="rect">
+            <a:avLst/>
+          </a:prstGeom>
+          <a:noFill/>
+        </p:spPr>
+        <p:txBody>
+          <a:bodyPr wrap="none" rtlCol="0">
+            <a:spAutoFit/>
+          </a:bodyPr>
+          <a:lstStyle/>
+          <a:p>
+            <a:r>
+              <a:rPr lang="en-US" altLang="ko-KR" sz="2000" b="1" dirty="0"/>
+              <a:t>4</a:t>
+            </a:r>
+            <a:endParaRPr lang="ko-KR" altLang="en-US" sz="2000" b="1" dirty="0"/>
+          </a:p>
+        </p:txBody>
+      </p:sp>
+      <p:cxnSp>
+        <p:nvCxnSpPr>
+          <p:cNvPr id="123" name="직선 연결선 122">
+            <a:extLst>
+              <a:ext uri="{FF2B5EF4-FFF2-40B4-BE49-F238E27FC236}">
+                <a16:creationId xmlns:a16="http://schemas.microsoft.com/office/drawing/2014/main" id="{07B2BE3B-3757-4C7F-BD1C-3C9795866A1C}"/>
+              </a:ext>
+            </a:extLst>
+          </p:cNvPr>
+          <p:cNvCxnSpPr>
+            <a:cxnSpLocks/>
+            <a:stCxn id="38" idx="2"/>
+            <a:endCxn id="42" idx="5"/>
+          </p:cNvCxnSpPr>
+          <p:nvPr/>
+        </p:nvCxnSpPr>
+        <p:spPr>
+          <a:xfrm flipH="1" flipV="1">
+            <a:off x="1460906" y="5222977"/>
+            <a:ext cx="1175781" cy="833299"/>
+          </a:xfrm>
+          <a:prstGeom prst="line">
+            <a:avLst/>
+          </a:prstGeom>
+          <a:ln w="19050">
+            <a:solidFill>
+              <a:schemeClr val="accent1"/>
+            </a:solidFill>
+          </a:ln>
+        </p:spPr>
+        <p:style>
+          <a:lnRef idx="1">
+            <a:schemeClr val="dk1"/>
+          </a:lnRef>
+          <a:fillRef idx="0">
+            <a:schemeClr val="dk1"/>
+          </a:fillRef>
+          <a:effectRef idx="0">
+            <a:schemeClr val="dk1"/>
+          </a:effectRef>
+          <a:fontRef idx="minor">
+            <a:schemeClr val="tx1"/>
+          </a:fontRef>
+        </p:style>
+      </p:cxnSp>
+      <p:sp>
+        <p:nvSpPr>
+          <p:cNvPr id="126" name="TextBox 125">
+            <a:extLst>
+              <a:ext uri="{FF2B5EF4-FFF2-40B4-BE49-F238E27FC236}">
+                <a16:creationId xmlns:a16="http://schemas.microsoft.com/office/drawing/2014/main" id="{CF8D4DD4-F707-4B02-8171-DB786718DB83}"/>
+              </a:ext>
+            </a:extLst>
+          </p:cNvPr>
+          <p:cNvSpPr txBox="1"/>
+          <p:nvPr/>
+        </p:nvSpPr>
+        <p:spPr>
+          <a:xfrm>
+            <a:off x="2166513" y="5439571"/>
+            <a:ext cx="333746" cy="400110"/>
+          </a:xfrm>
+          <a:prstGeom prst="rect">
+            <a:avLst/>
+          </a:prstGeom>
+          <a:noFill/>
+        </p:spPr>
+        <p:txBody>
+          <a:bodyPr wrap="none" rtlCol="0">
+            <a:spAutoFit/>
+          </a:bodyPr>
+          <a:lstStyle/>
+          <a:p>
+            <a:r>
+              <a:rPr lang="en-US" altLang="ko-KR" sz="2000" b="1" dirty="0"/>
+              <a:t>5</a:t>
+            </a:r>
+            <a:endParaRPr lang="ko-KR" altLang="en-US" sz="2000" b="1" dirty="0"/>
+          </a:p>
+        </p:txBody>
+      </p:sp>
+      <p:cxnSp>
+        <p:nvCxnSpPr>
+          <p:cNvPr id="127" name="직선 연결선 126">
+            <a:extLst>
+              <a:ext uri="{FF2B5EF4-FFF2-40B4-BE49-F238E27FC236}">
+                <a16:creationId xmlns:a16="http://schemas.microsoft.com/office/drawing/2014/main" id="{0E84CF61-A3BE-4A07-AB83-A27E1B41BAD9}"/>
+              </a:ext>
+            </a:extLst>
+          </p:cNvPr>
+          <p:cNvCxnSpPr>
+            <a:cxnSpLocks/>
+            <a:stCxn id="71" idx="2"/>
+            <a:endCxn id="37" idx="6"/>
+          </p:cNvCxnSpPr>
+          <p:nvPr/>
+        </p:nvCxnSpPr>
+        <p:spPr>
+          <a:xfrm flipH="1">
+            <a:off x="5897021" y="5739458"/>
+            <a:ext cx="1557455" cy="114311"/>
+          </a:xfrm>
+          <a:prstGeom prst="line">
+            <a:avLst/>
+          </a:prstGeom>
+          <a:ln w="19050"/>
+        </p:spPr>
+        <p:style>
+          <a:lnRef idx="1">
+            <a:schemeClr val="dk1"/>
+          </a:lnRef>
+          <a:fillRef idx="0">
+            <a:schemeClr val="dk1"/>
+          </a:fillRef>
+          <a:effectRef idx="0">
+            <a:schemeClr val="dk1"/>
+          </a:effectRef>
+          <a:fontRef idx="minor">
+            <a:schemeClr val="tx1"/>
+          </a:fontRef>
+        </p:style>
+      </p:cxnSp>
+      <p:sp>
+        <p:nvSpPr>
+          <p:cNvPr id="130" name="TextBox 129">
+            <a:extLst>
+              <a:ext uri="{FF2B5EF4-FFF2-40B4-BE49-F238E27FC236}">
+                <a16:creationId xmlns:a16="http://schemas.microsoft.com/office/drawing/2014/main" id="{B7BEFB64-B258-4431-9419-C880C285D728}"/>
+              </a:ext>
+            </a:extLst>
+          </p:cNvPr>
+          <p:cNvSpPr txBox="1"/>
+          <p:nvPr/>
+        </p:nvSpPr>
+        <p:spPr>
+          <a:xfrm>
+            <a:off x="6635253" y="5397524"/>
+            <a:ext cx="333746" cy="400110"/>
+          </a:xfrm>
+          <a:prstGeom prst="rect">
+            <a:avLst/>
+          </a:prstGeom>
+          <a:noFill/>
+        </p:spPr>
+        <p:txBody>
+          <a:bodyPr wrap="none" rtlCol="0">
+            <a:spAutoFit/>
+          </a:bodyPr>
+          <a:lstStyle/>
+          <a:p>
+            <a:r>
+              <a:rPr lang="en-US" altLang="ko-KR" sz="2000" b="1" dirty="0"/>
+              <a:t>3</a:t>
+            </a:r>
+            <a:endParaRPr lang="ko-KR" altLang="en-US" sz="2000" b="1" dirty="0"/>
+          </a:p>
+        </p:txBody>
+      </p:sp>
+      <p:graphicFrame>
+        <p:nvGraphicFramePr>
+          <p:cNvPr id="47" name="표 10">
+            <a:extLst>
+              <a:ext uri="{FF2B5EF4-FFF2-40B4-BE49-F238E27FC236}">
+                <a16:creationId xmlns:a16="http://schemas.microsoft.com/office/drawing/2014/main" id="{A4E7BC27-AFED-4CE6-81D9-A1D650601123}"/>
+              </a:ext>
+            </a:extLst>
+          </p:cNvPr>
+          <p:cNvGraphicFramePr>
+            <a:graphicFrameLocks noGrp="1"/>
+          </p:cNvGraphicFramePr>
+          <p:nvPr>
+            <p:extLst>
+              <p:ext uri="{D42A27DB-BD31-4B8C-83A1-F6EECF244321}">
+                <p14:modId xmlns:p14="http://schemas.microsoft.com/office/powerpoint/2010/main" val="714607079"/>
+              </p:ext>
+            </p:extLst>
+          </p:nvPr>
+        </p:nvGraphicFramePr>
+        <p:xfrm>
+          <a:off x="9011931" y="268101"/>
+          <a:ext cx="2808057" cy="6002644"/>
+        </p:xfrm>
+        <a:graphic>
+          <a:graphicData uri="http://schemas.openxmlformats.org/drawingml/2006/table">
+            <a:tbl>
+              <a:tblPr firstRow="1" bandRow="1">
+                <a:tableStyleId>{5FD0F851-EC5A-4D38-B0AD-8093EC10F338}</a:tableStyleId>
+              </a:tblPr>
+              <a:tblGrid>
+                <a:gridCol w="1123547">
+                  <a:extLst>
+                    <a:ext uri="{9D8B030D-6E8A-4147-A177-3AD203B41FA5}">
+                      <a16:colId xmlns:a16="http://schemas.microsoft.com/office/drawing/2014/main" val="1883004635"/>
+                    </a:ext>
+                  </a:extLst>
+                </a:gridCol>
+                <a:gridCol w="842255">
+                  <a:extLst>
+                    <a:ext uri="{9D8B030D-6E8A-4147-A177-3AD203B41FA5}">
+                      <a16:colId xmlns:a16="http://schemas.microsoft.com/office/drawing/2014/main" val="108779926"/>
+                    </a:ext>
+                  </a:extLst>
+                </a:gridCol>
+                <a:gridCol w="842255">
+                  <a:extLst>
+                    <a:ext uri="{9D8B030D-6E8A-4147-A177-3AD203B41FA5}">
+                      <a16:colId xmlns:a16="http://schemas.microsoft.com/office/drawing/2014/main" val="1346243882"/>
+                    </a:ext>
+                  </a:extLst>
+                </a:gridCol>
+              </a:tblGrid>
+              <a:tr h="512524">
+                <a:tc>
+                  <a:txBody>
+                    <a:bodyPr/>
+                    <a:lstStyle/>
+                    <a:p>
+                      <a:pPr algn="ctr" latinLnBrk="1"/>
+                      <a:r>
+                        <a:rPr lang="ko-KR" altLang="en-US" dirty="0"/>
+                        <a:t>정점</a:t>
+                      </a:r>
+                    </a:p>
+                  </a:txBody>
+                  <a:tcPr anchor="ctr"/>
+                </a:tc>
+                <a:tc>
+                  <a:txBody>
+                    <a:bodyPr/>
+                    <a:lstStyle/>
+                    <a:p>
+                      <a:pPr algn="ctr"/>
+                      <a:r>
+                        <a:rPr lang="ko-KR" altLang="en-US" dirty="0"/>
+                        <a:t>거리</a:t>
+                      </a:r>
+                    </a:p>
+                  </a:txBody>
+                  <a:tcPr anchor="ctr"/>
+                </a:tc>
+                <a:tc>
+                  <a:txBody>
+                    <a:bodyPr/>
+                    <a:lstStyle/>
+                    <a:p>
+                      <a:pPr algn="ctr"/>
+                      <a:r>
+                        <a:rPr lang="ko-KR" altLang="en-US" dirty="0"/>
+                        <a:t>방문</a:t>
+                      </a:r>
+                    </a:p>
+                  </a:txBody>
+                  <a:tcPr anchor="ctr"/>
+                </a:tc>
+                <a:extLst>
+                  <a:ext uri="{0D108BD9-81ED-4DB2-BD59-A6C34878D82A}">
+                    <a16:rowId xmlns:a16="http://schemas.microsoft.com/office/drawing/2014/main" val="385464858"/>
+                  </a:ext>
+                </a:extLst>
+              </a:tr>
+              <a:tr h="549012">
+                <a:tc>
+                  <a:txBody>
+                    <a:bodyPr/>
+                    <a:lstStyle/>
+                    <a:p>
+                      <a:pPr algn="ctr"/>
+                      <a:r>
+                        <a:rPr lang="en-US" altLang="ko-KR" dirty="0"/>
+                        <a:t>10</a:t>
+                      </a:r>
+                      <a:endParaRPr lang="ko-KR" altLang="en-US" dirty="0"/>
+                    </a:p>
+                  </a:txBody>
+                  <a:tcPr anchor="ctr"/>
+                </a:tc>
+                <a:tc>
+                  <a:txBody>
+                    <a:bodyPr/>
+                    <a:lstStyle/>
+                    <a:p>
+                      <a:pPr marL="0" marR="0" lvl="0" indent="0" algn="ctr" defTabSz="914400" rtl="0" eaLnBrk="1" fontAlgn="auto" latinLnBrk="1" hangingPunct="1">
+                        <a:lnSpc>
+                          <a:spcPct val="100000"/>
+                        </a:lnSpc>
+                        <a:spcBef>
+                          <a:spcPts val="0"/>
+                        </a:spcBef>
+                        <a:spcAft>
+                          <a:spcPts val="0"/>
+                        </a:spcAft>
+                        <a:buClrTx/>
+                        <a:buSzTx/>
+                        <a:buFontTx/>
+                        <a:buNone/>
+                        <a:tabLst/>
+                        <a:defRPr/>
+                      </a:pPr>
+                      <a:r>
+                        <a:rPr lang="en-US" altLang="ko-KR" dirty="0">
+                          <a:solidFill>
+                            <a:schemeClr val="tx1"/>
+                          </a:solidFill>
+                        </a:rPr>
+                        <a:t>10</a:t>
+                      </a:r>
+                      <a:endParaRPr lang="ko-KR" altLang="en-US" dirty="0">
+                        <a:solidFill>
+                          <a:schemeClr val="tx1"/>
+                        </a:solidFill>
+                      </a:endParaRPr>
+                    </a:p>
+                  </a:txBody>
+                  <a:tcPr anchor="ctr"/>
+                </a:tc>
+                <a:tc>
+                  <a:txBody>
+                    <a:bodyPr/>
+                    <a:lstStyle/>
+                    <a:p>
+                      <a:pPr marL="0" marR="0" lvl="0" indent="0" algn="ctr" defTabSz="914400" rtl="0" eaLnBrk="1" fontAlgn="auto" latinLnBrk="1" hangingPunct="1">
+                        <a:lnSpc>
+                          <a:spcPct val="100000"/>
+                        </a:lnSpc>
+                        <a:spcBef>
+                          <a:spcPts val="0"/>
+                        </a:spcBef>
+                        <a:spcAft>
+                          <a:spcPts val="0"/>
+                        </a:spcAft>
+                        <a:buClrTx/>
+                        <a:buSzTx/>
+                        <a:buFontTx/>
+                        <a:buNone/>
+                        <a:tabLst/>
+                        <a:defRPr/>
+                      </a:pPr>
+                      <a:r>
+                        <a:rPr kumimoji="0" lang="en-US" altLang="ko-KR" sz="1800" b="0" i="0" u="none" strike="noStrike" kern="1200" cap="none" spc="0" normalizeH="0" baseline="0" noProof="0">
+                          <a:ln>
+                            <a:noFill/>
+                          </a:ln>
+                          <a:solidFill>
+                            <a:prstClr val="black"/>
+                          </a:solidFill>
+                          <a:effectLst/>
+                          <a:uLnTx/>
+                          <a:uFillTx/>
+                          <a:latin typeface="맑은 고딕" panose="020F0502020204030204"/>
+                          <a:ea typeface="맑은 고딕" panose="020B0503020000020004" pitchFamily="50" charset="-127"/>
+                          <a:cs typeface="+mn-cs"/>
+                        </a:rPr>
+                        <a:t>X</a:t>
+                      </a:r>
+                      <a:endParaRPr kumimoji="0" lang="ko-KR" altLang="en-US" sz="1800" b="0" i="0" u="none" strike="noStrike" kern="1200" cap="none" spc="0" normalizeH="0" baseline="0" noProof="0" dirty="0">
+                        <a:ln>
+                          <a:noFill/>
+                        </a:ln>
+                        <a:solidFill>
+                          <a:prstClr val="black"/>
+                        </a:solidFill>
+                        <a:effectLst/>
+                        <a:uLnTx/>
+                        <a:uFillTx/>
+                        <a:latin typeface="맑은 고딕" panose="020F0502020204030204"/>
+                        <a:ea typeface="맑은 고딕" panose="020B0503020000020004" pitchFamily="50" charset="-127"/>
+                        <a:cs typeface="+mn-cs"/>
+                      </a:endParaRPr>
+                    </a:p>
+                  </a:txBody>
+                  <a:tcPr anchor="ctr"/>
+                </a:tc>
+                <a:extLst>
+                  <a:ext uri="{0D108BD9-81ED-4DB2-BD59-A6C34878D82A}">
+                    <a16:rowId xmlns:a16="http://schemas.microsoft.com/office/drawing/2014/main" val="774453374"/>
+                  </a:ext>
+                </a:extLst>
+              </a:tr>
+              <a:tr h="549012">
+                <a:tc>
+                  <a:txBody>
+                    <a:bodyPr/>
+                    <a:lstStyle/>
+                    <a:p>
+                      <a:pPr algn="ctr" latinLnBrk="1"/>
+                      <a:r>
+                        <a:rPr lang="en-US" altLang="ko-KR" dirty="0"/>
+                        <a:t>9</a:t>
+                      </a:r>
+                      <a:endParaRPr lang="ko-KR" altLang="en-US" dirty="0"/>
+                    </a:p>
+                  </a:txBody>
+                  <a:tcPr anchor="ctr"/>
+                </a:tc>
+                <a:tc>
+                  <a:txBody>
+                    <a:bodyPr/>
+                    <a:lstStyle/>
+                    <a:p>
+                      <a:pPr marL="0" marR="0" lvl="0" indent="0" algn="ctr" defTabSz="914400" rtl="0" eaLnBrk="1" fontAlgn="auto" latinLnBrk="1" hangingPunct="1">
+                        <a:lnSpc>
+                          <a:spcPct val="100000"/>
+                        </a:lnSpc>
+                        <a:spcBef>
+                          <a:spcPts val="0"/>
+                        </a:spcBef>
+                        <a:spcAft>
+                          <a:spcPts val="0"/>
+                        </a:spcAft>
+                        <a:buClrTx/>
+                        <a:buSzTx/>
+                        <a:buFontTx/>
+                        <a:buNone/>
+                        <a:tabLst/>
+                        <a:defRPr/>
+                      </a:pPr>
+                      <a:r>
+                        <a:rPr lang="en-US" altLang="ko-KR" dirty="0">
+                          <a:solidFill>
+                            <a:schemeClr val="tx1"/>
+                          </a:solidFill>
+                        </a:rPr>
+                        <a:t>12</a:t>
+                      </a:r>
+                      <a:endParaRPr lang="ko-KR" altLang="en-US" dirty="0">
+                        <a:solidFill>
+                          <a:schemeClr val="tx1"/>
+                        </a:solidFill>
+                      </a:endParaRPr>
+                    </a:p>
+                  </a:txBody>
+                  <a:tcPr anchor="ctr"/>
+                </a:tc>
+                <a:tc>
+                  <a:txBody>
+                    <a:bodyPr/>
+                    <a:lstStyle/>
+                    <a:p>
+                      <a:pPr marL="0" marR="0" lvl="0" indent="0" algn="ctr" defTabSz="914400" rtl="0" eaLnBrk="1" fontAlgn="auto" latinLnBrk="1" hangingPunct="1">
+                        <a:lnSpc>
+                          <a:spcPct val="100000"/>
+                        </a:lnSpc>
+                        <a:spcBef>
+                          <a:spcPts val="0"/>
+                        </a:spcBef>
+                        <a:spcAft>
+                          <a:spcPts val="0"/>
+                        </a:spcAft>
+                        <a:buClrTx/>
+                        <a:buSzTx/>
+                        <a:buFontTx/>
+                        <a:buNone/>
+                        <a:tabLst/>
+                        <a:defRPr/>
+                      </a:pPr>
+                      <a:r>
+                        <a:rPr kumimoji="0" lang="en-US" altLang="ko-KR" sz="1800" b="0" i="0" u="none" strike="noStrike" kern="1200" cap="none" spc="0" normalizeH="0" baseline="0" noProof="0" dirty="0">
+                          <a:ln>
+                            <a:noFill/>
+                          </a:ln>
+                          <a:solidFill>
+                            <a:prstClr val="black"/>
+                          </a:solidFill>
+                          <a:effectLst/>
+                          <a:uLnTx/>
+                          <a:uFillTx/>
+                          <a:latin typeface="맑은 고딕" panose="020F0502020204030204"/>
+                          <a:ea typeface="맑은 고딕" panose="020B0503020000020004" pitchFamily="50" charset="-127"/>
+                          <a:cs typeface="+mn-cs"/>
+                        </a:rPr>
+                        <a:t>X</a:t>
+                      </a:r>
+                      <a:endParaRPr kumimoji="0" lang="ko-KR" altLang="en-US" sz="1800" b="0" i="0" u="none" strike="noStrike" kern="1200" cap="none" spc="0" normalizeH="0" baseline="0" noProof="0" dirty="0">
+                        <a:ln>
+                          <a:noFill/>
+                        </a:ln>
+                        <a:solidFill>
+                          <a:prstClr val="black"/>
+                        </a:solidFill>
+                        <a:effectLst/>
+                        <a:uLnTx/>
+                        <a:uFillTx/>
+                        <a:latin typeface="맑은 고딕" panose="020F0502020204030204"/>
+                        <a:ea typeface="맑은 고딕" panose="020B0503020000020004" pitchFamily="50" charset="-127"/>
+                        <a:cs typeface="+mn-cs"/>
+                      </a:endParaRPr>
+                    </a:p>
+                  </a:txBody>
+                  <a:tcPr anchor="ctr"/>
+                </a:tc>
+                <a:extLst>
+                  <a:ext uri="{0D108BD9-81ED-4DB2-BD59-A6C34878D82A}">
+                    <a16:rowId xmlns:a16="http://schemas.microsoft.com/office/drawing/2014/main" val="1566788184"/>
+                  </a:ext>
+                </a:extLst>
+              </a:tr>
+              <a:tr h="549012">
+                <a:tc>
+                  <a:txBody>
+                    <a:bodyPr/>
+                    <a:lstStyle/>
+                    <a:p>
+                      <a:pPr algn="ctr" latinLnBrk="1"/>
+                      <a:r>
+                        <a:rPr lang="en-US" altLang="ko-KR" dirty="0">
+                          <a:solidFill>
+                            <a:schemeClr val="tx1"/>
+                          </a:solidFill>
+                        </a:rPr>
+                        <a:t>8</a:t>
+                      </a:r>
+                      <a:endParaRPr lang="ko-KR" altLang="en-US" dirty="0">
+                        <a:solidFill>
+                          <a:schemeClr val="tx1"/>
+                        </a:solidFill>
+                      </a:endParaRPr>
+                    </a:p>
+                  </a:txBody>
+                  <a:tcPr anchor="ctr"/>
+                </a:tc>
+                <a:tc>
+                  <a:txBody>
+                    <a:bodyPr/>
+                    <a:lstStyle/>
+                    <a:p>
+                      <a:pPr marL="0" marR="0" lvl="0" indent="0" algn="ctr" defTabSz="914400" rtl="0" eaLnBrk="1" fontAlgn="auto" latinLnBrk="1" hangingPunct="1">
+                        <a:lnSpc>
+                          <a:spcPct val="100000"/>
+                        </a:lnSpc>
+                        <a:spcBef>
+                          <a:spcPts val="0"/>
+                        </a:spcBef>
+                        <a:spcAft>
+                          <a:spcPts val="0"/>
+                        </a:spcAft>
+                        <a:buClrTx/>
+                        <a:buSzTx/>
+                        <a:buFontTx/>
+                        <a:buNone/>
+                        <a:tabLst/>
+                        <a:defRPr/>
+                      </a:pPr>
+                      <a:r>
+                        <a:rPr lang="en-US" altLang="ko-KR" dirty="0">
+                          <a:solidFill>
+                            <a:schemeClr val="tx1"/>
+                          </a:solidFill>
+                        </a:rPr>
+                        <a:t>5</a:t>
+                      </a:r>
+                      <a:endParaRPr lang="ko-KR" altLang="en-US" dirty="0">
+                        <a:solidFill>
+                          <a:schemeClr val="tx1"/>
+                        </a:solidFill>
+                      </a:endParaRPr>
+                    </a:p>
+                  </a:txBody>
+                  <a:tcPr anchor="ctr"/>
+                </a:tc>
+                <a:tc>
+                  <a:txBody>
+                    <a:bodyPr/>
+                    <a:lstStyle/>
+                    <a:p>
+                      <a:pPr marL="0" marR="0" lvl="0" indent="0" algn="ctr" defTabSz="914400" rtl="0" eaLnBrk="1" fontAlgn="auto" latinLnBrk="1" hangingPunct="1">
+                        <a:lnSpc>
+                          <a:spcPct val="100000"/>
+                        </a:lnSpc>
+                        <a:spcBef>
+                          <a:spcPts val="0"/>
+                        </a:spcBef>
+                        <a:spcAft>
+                          <a:spcPts val="0"/>
+                        </a:spcAft>
+                        <a:buClrTx/>
+                        <a:buSzTx/>
+                        <a:buFontTx/>
+                        <a:buNone/>
+                        <a:tabLst/>
+                        <a:defRPr/>
+                      </a:pPr>
+                      <a:r>
+                        <a:rPr lang="ko-KR" altLang="en-US" dirty="0">
+                          <a:solidFill>
+                            <a:schemeClr val="tx1"/>
+                          </a:solidFill>
+                        </a:rPr>
+                        <a:t>○</a:t>
+                      </a:r>
+                    </a:p>
+                  </a:txBody>
+                  <a:tcPr anchor="ctr"/>
+                </a:tc>
+                <a:extLst>
+                  <a:ext uri="{0D108BD9-81ED-4DB2-BD59-A6C34878D82A}">
+                    <a16:rowId xmlns:a16="http://schemas.microsoft.com/office/drawing/2014/main" val="2771893285"/>
+                  </a:ext>
+                </a:extLst>
+              </a:tr>
+              <a:tr h="549012">
+                <a:tc>
+                  <a:txBody>
+                    <a:bodyPr/>
+                    <a:lstStyle/>
+                    <a:p>
+                      <a:pPr algn="ctr" latinLnBrk="1"/>
+                      <a:r>
+                        <a:rPr lang="en-US" altLang="ko-KR" dirty="0">
+                          <a:solidFill>
+                            <a:schemeClr val="tx1"/>
+                          </a:solidFill>
+                        </a:rPr>
+                        <a:t>7</a:t>
+                      </a:r>
+                      <a:endParaRPr lang="ko-KR" altLang="en-US" dirty="0">
+                        <a:solidFill>
+                          <a:schemeClr val="tx1"/>
+                        </a:solidFill>
+                      </a:endParaRPr>
+                    </a:p>
+                  </a:txBody>
+                  <a:tcPr anchor="ctr"/>
+                </a:tc>
+                <a:tc>
+                  <a:txBody>
+                    <a:bodyPr/>
+                    <a:lstStyle/>
+                    <a:p>
+                      <a:pPr marL="0" marR="0" lvl="0" indent="0" algn="ctr" defTabSz="914400" rtl="0" eaLnBrk="1" fontAlgn="auto" latinLnBrk="1" hangingPunct="1">
+                        <a:lnSpc>
+                          <a:spcPct val="100000"/>
+                        </a:lnSpc>
+                        <a:spcBef>
+                          <a:spcPts val="0"/>
+                        </a:spcBef>
+                        <a:spcAft>
+                          <a:spcPts val="0"/>
+                        </a:spcAft>
+                        <a:buClrTx/>
+                        <a:buSzTx/>
+                        <a:buFontTx/>
+                        <a:buNone/>
+                        <a:tabLst/>
+                        <a:defRPr/>
+                      </a:pPr>
+                      <a:r>
+                        <a:rPr lang="en-US" altLang="ko-KR" dirty="0">
+                          <a:solidFill>
+                            <a:schemeClr val="tx1"/>
+                          </a:solidFill>
+                        </a:rPr>
+                        <a:t>8</a:t>
+                      </a:r>
+                      <a:endParaRPr lang="ko-KR" altLang="en-US" dirty="0">
+                        <a:solidFill>
+                          <a:schemeClr val="tx1"/>
+                        </a:solidFill>
+                      </a:endParaRPr>
+                    </a:p>
+                  </a:txBody>
+                  <a:tcPr anchor="ctr"/>
+                </a:tc>
+                <a:tc>
+                  <a:txBody>
+                    <a:bodyPr/>
+                    <a:lstStyle/>
+                    <a:p>
+                      <a:pPr marL="0" marR="0" lvl="0" indent="0" algn="ctr" defTabSz="914400" rtl="0" eaLnBrk="1" fontAlgn="auto" latinLnBrk="1" hangingPunct="1">
+                        <a:lnSpc>
+                          <a:spcPct val="100000"/>
+                        </a:lnSpc>
+                        <a:spcBef>
+                          <a:spcPts val="0"/>
+                        </a:spcBef>
+                        <a:spcAft>
+                          <a:spcPts val="0"/>
+                        </a:spcAft>
+                        <a:buClrTx/>
+                        <a:buSzTx/>
+                        <a:buFontTx/>
+                        <a:buNone/>
+                        <a:tabLst/>
+                        <a:defRPr/>
+                      </a:pPr>
+                      <a:r>
+                        <a:rPr lang="en-US" altLang="ko-KR" dirty="0">
+                          <a:solidFill>
+                            <a:schemeClr val="tx1"/>
+                          </a:solidFill>
+                        </a:rPr>
+                        <a:t>X</a:t>
+                      </a:r>
+                      <a:endParaRPr lang="ko-KR" altLang="en-US" dirty="0">
+                        <a:solidFill>
+                          <a:schemeClr val="tx1"/>
+                        </a:solidFill>
+                      </a:endParaRPr>
+                    </a:p>
+                  </a:txBody>
+                  <a:tcPr anchor="ctr"/>
+                </a:tc>
+                <a:extLst>
+                  <a:ext uri="{0D108BD9-81ED-4DB2-BD59-A6C34878D82A}">
+                    <a16:rowId xmlns:a16="http://schemas.microsoft.com/office/drawing/2014/main" val="1281882095"/>
+                  </a:ext>
+                </a:extLst>
+              </a:tr>
+              <a:tr h="549012">
+                <a:tc>
+                  <a:txBody>
+                    <a:bodyPr/>
+                    <a:lstStyle/>
+                    <a:p>
+                      <a:pPr algn="ctr" latinLnBrk="1"/>
+                      <a:r>
+                        <a:rPr lang="en-US" altLang="ko-KR" dirty="0">
+                          <a:solidFill>
+                            <a:schemeClr val="tx1"/>
+                          </a:solidFill>
+                        </a:rPr>
+                        <a:t>6</a:t>
+                      </a:r>
+                      <a:endParaRPr lang="ko-KR" altLang="en-US" dirty="0">
+                        <a:solidFill>
+                          <a:schemeClr val="tx1"/>
+                        </a:solidFill>
+                      </a:endParaRPr>
+                    </a:p>
+                  </a:txBody>
+                  <a:tcPr anchor="ctr"/>
+                </a:tc>
+                <a:tc>
+                  <a:txBody>
+                    <a:bodyPr/>
+                    <a:lstStyle/>
+                    <a:p>
+                      <a:pPr marL="0" marR="0" lvl="0" indent="0" algn="ctr" defTabSz="914400" rtl="0" eaLnBrk="1" fontAlgn="auto" latinLnBrk="1" hangingPunct="1">
+                        <a:lnSpc>
+                          <a:spcPct val="100000"/>
+                        </a:lnSpc>
+                        <a:spcBef>
+                          <a:spcPts val="0"/>
+                        </a:spcBef>
+                        <a:spcAft>
+                          <a:spcPts val="0"/>
+                        </a:spcAft>
+                        <a:buClrTx/>
+                        <a:buSzTx/>
+                        <a:buFontTx/>
+                        <a:buNone/>
+                        <a:tabLst/>
+                        <a:defRPr/>
+                      </a:pPr>
+                      <a:r>
+                        <a:rPr lang="en-US" altLang="ko-KR" dirty="0">
+                          <a:solidFill>
+                            <a:schemeClr val="tx1"/>
+                          </a:solidFill>
+                        </a:rPr>
+                        <a:t>6</a:t>
+                      </a:r>
+                      <a:endParaRPr lang="ko-KR" altLang="en-US" dirty="0">
+                        <a:solidFill>
+                          <a:schemeClr val="tx1"/>
+                        </a:solidFill>
+                      </a:endParaRPr>
+                    </a:p>
+                  </a:txBody>
+                  <a:tcPr anchor="ctr"/>
+                </a:tc>
+                <a:tc>
+                  <a:txBody>
+                    <a:bodyPr/>
+                    <a:lstStyle/>
+                    <a:p>
+                      <a:pPr marL="0" marR="0" lvl="0" indent="0" algn="ctr" defTabSz="914400" rtl="0" eaLnBrk="1" fontAlgn="auto" latinLnBrk="1" hangingPunct="1">
+                        <a:lnSpc>
+                          <a:spcPct val="100000"/>
+                        </a:lnSpc>
+                        <a:spcBef>
+                          <a:spcPts val="0"/>
+                        </a:spcBef>
+                        <a:spcAft>
+                          <a:spcPts val="0"/>
+                        </a:spcAft>
+                        <a:buClrTx/>
+                        <a:buSzTx/>
+                        <a:buFontTx/>
+                        <a:buNone/>
+                        <a:tabLst/>
+                        <a:defRPr/>
+                      </a:pPr>
+                      <a:r>
+                        <a:rPr lang="ko-KR" altLang="en-US" dirty="0">
+                          <a:solidFill>
+                            <a:schemeClr val="tx1"/>
+                          </a:solidFill>
+                        </a:rPr>
+                        <a:t>○</a:t>
+                      </a:r>
+                    </a:p>
+                  </a:txBody>
+                  <a:tcPr anchor="ctr"/>
+                </a:tc>
+                <a:extLst>
+                  <a:ext uri="{0D108BD9-81ED-4DB2-BD59-A6C34878D82A}">
+                    <a16:rowId xmlns:a16="http://schemas.microsoft.com/office/drawing/2014/main" val="3908667003"/>
+                  </a:ext>
+                </a:extLst>
+              </a:tr>
+              <a:tr h="549012">
+                <a:tc>
+                  <a:txBody>
+                    <a:bodyPr/>
+                    <a:lstStyle/>
+                    <a:p>
+                      <a:pPr algn="ctr" latinLnBrk="1"/>
+                      <a:r>
+                        <a:rPr lang="en-US" altLang="ko-KR" dirty="0">
+                          <a:solidFill>
+                            <a:schemeClr val="tx1"/>
+                          </a:solidFill>
+                        </a:rPr>
+                        <a:t>5</a:t>
+                      </a:r>
+                      <a:endParaRPr lang="ko-KR" altLang="en-US" dirty="0">
+                        <a:solidFill>
+                          <a:schemeClr val="tx1"/>
+                        </a:solidFill>
+                      </a:endParaRPr>
+                    </a:p>
+                  </a:txBody>
+                  <a:tcPr anchor="ctr"/>
+                </a:tc>
+                <a:tc>
+                  <a:txBody>
+                    <a:bodyPr/>
+                    <a:lstStyle/>
+                    <a:p>
+                      <a:pPr marL="0" marR="0" lvl="0" indent="0" algn="ctr" defTabSz="914400" rtl="0" eaLnBrk="1" fontAlgn="auto" latinLnBrk="1" hangingPunct="1">
+                        <a:lnSpc>
+                          <a:spcPct val="100000"/>
+                        </a:lnSpc>
+                        <a:spcBef>
+                          <a:spcPts val="0"/>
+                        </a:spcBef>
+                        <a:spcAft>
+                          <a:spcPts val="0"/>
+                        </a:spcAft>
+                        <a:buClrTx/>
+                        <a:buSzTx/>
+                        <a:buFontTx/>
+                        <a:buNone/>
+                        <a:tabLst/>
+                        <a:defRPr/>
+                      </a:pPr>
+                      <a:r>
+                        <a:rPr lang="en-US" altLang="ko-KR" dirty="0">
+                          <a:solidFill>
+                            <a:schemeClr val="tx1"/>
+                          </a:solidFill>
+                        </a:rPr>
+                        <a:t>2</a:t>
+                      </a:r>
+                      <a:endParaRPr lang="ko-KR" altLang="en-US" dirty="0">
+                        <a:solidFill>
+                          <a:schemeClr val="tx1"/>
+                        </a:solidFill>
+                      </a:endParaRPr>
+                    </a:p>
+                  </a:txBody>
+                  <a:tcPr anchor="ctr"/>
+                </a:tc>
+                <a:tc>
+                  <a:txBody>
+                    <a:bodyPr/>
+                    <a:lstStyle/>
+                    <a:p>
+                      <a:pPr marL="0" marR="0" lvl="0" indent="0" algn="ctr" defTabSz="914400" rtl="0" eaLnBrk="1" fontAlgn="auto" latinLnBrk="1" hangingPunct="1">
+                        <a:lnSpc>
+                          <a:spcPct val="100000"/>
+                        </a:lnSpc>
+                        <a:spcBef>
+                          <a:spcPts val="0"/>
+                        </a:spcBef>
+                        <a:spcAft>
+                          <a:spcPts val="0"/>
+                        </a:spcAft>
+                        <a:buClrTx/>
+                        <a:buSzTx/>
+                        <a:buFontTx/>
+                        <a:buNone/>
+                        <a:tabLst/>
+                        <a:defRPr/>
+                      </a:pPr>
+                      <a:r>
+                        <a:rPr lang="ko-KR" altLang="en-US" dirty="0">
+                          <a:solidFill>
+                            <a:schemeClr val="tx1"/>
+                          </a:solidFill>
+                        </a:rPr>
+                        <a:t>○</a:t>
+                      </a:r>
+                    </a:p>
+                  </a:txBody>
+                  <a:tcPr anchor="ctr"/>
+                </a:tc>
+                <a:extLst>
+                  <a:ext uri="{0D108BD9-81ED-4DB2-BD59-A6C34878D82A}">
+                    <a16:rowId xmlns:a16="http://schemas.microsoft.com/office/drawing/2014/main" val="1928668170"/>
+                  </a:ext>
+                </a:extLst>
+              </a:tr>
+              <a:tr h="549012">
+                <a:tc>
+                  <a:txBody>
+                    <a:bodyPr/>
+                    <a:lstStyle/>
+                    <a:p>
+                      <a:pPr algn="ctr" latinLnBrk="1"/>
+                      <a:r>
+                        <a:rPr lang="en-US" altLang="ko-KR" dirty="0">
+                          <a:solidFill>
+                            <a:schemeClr val="tx1"/>
+                          </a:solidFill>
+                        </a:rPr>
+                        <a:t>4</a:t>
+                      </a:r>
+                      <a:endParaRPr lang="ko-KR" altLang="en-US" dirty="0">
+                        <a:solidFill>
+                          <a:schemeClr val="tx1"/>
+                        </a:solidFill>
+                      </a:endParaRPr>
+                    </a:p>
+                  </a:txBody>
+                  <a:tcPr anchor="ctr"/>
+                </a:tc>
+                <a:tc>
+                  <a:txBody>
+                    <a:bodyPr/>
+                    <a:lstStyle/>
+                    <a:p>
+                      <a:pPr algn="ctr" latinLnBrk="1"/>
+                      <a:r>
+                        <a:rPr lang="en-US" altLang="ko-KR" dirty="0">
+                          <a:solidFill>
+                            <a:schemeClr val="tx1"/>
+                          </a:solidFill>
+                        </a:rPr>
+                        <a:t>0</a:t>
+                      </a:r>
+                      <a:endParaRPr lang="ko-KR" altLang="en-US" dirty="0">
+                        <a:solidFill>
+                          <a:schemeClr val="tx1"/>
+                        </a:solidFill>
+                      </a:endParaRPr>
+                    </a:p>
+                  </a:txBody>
+                  <a:tcPr anchor="ctr"/>
+                </a:tc>
+                <a:tc>
+                  <a:txBody>
+                    <a:bodyPr/>
+                    <a:lstStyle/>
+                    <a:p>
+                      <a:pPr marL="0" marR="0" lvl="0" indent="0" algn="ctr" defTabSz="914400" rtl="0" eaLnBrk="1" fontAlgn="auto" latinLnBrk="1" hangingPunct="1">
+                        <a:lnSpc>
+                          <a:spcPct val="100000"/>
+                        </a:lnSpc>
+                        <a:spcBef>
+                          <a:spcPts val="0"/>
+                        </a:spcBef>
+                        <a:spcAft>
+                          <a:spcPts val="0"/>
+                        </a:spcAft>
+                        <a:buClrTx/>
+                        <a:buSzTx/>
+                        <a:buFontTx/>
+                        <a:buNone/>
+                        <a:tabLst/>
+                        <a:defRPr/>
+                      </a:pPr>
+                      <a:r>
+                        <a:rPr lang="ko-KR" altLang="en-US" dirty="0">
+                          <a:solidFill>
+                            <a:schemeClr val="tx1"/>
+                          </a:solidFill>
+                        </a:rPr>
+                        <a:t>○</a:t>
+                      </a:r>
+                    </a:p>
+                  </a:txBody>
+                  <a:tcPr anchor="ctr"/>
+                </a:tc>
+                <a:extLst>
+                  <a:ext uri="{0D108BD9-81ED-4DB2-BD59-A6C34878D82A}">
+                    <a16:rowId xmlns:a16="http://schemas.microsoft.com/office/drawing/2014/main" val="624737567"/>
+                  </a:ext>
+                </a:extLst>
+              </a:tr>
+              <a:tr h="549012">
+                <a:tc>
+                  <a:txBody>
+                    <a:bodyPr/>
+                    <a:lstStyle/>
+                    <a:p>
+                      <a:pPr algn="ctr" latinLnBrk="1"/>
+                      <a:r>
+                        <a:rPr lang="en-US" altLang="ko-KR" dirty="0">
+                          <a:solidFill>
+                            <a:schemeClr val="tx1"/>
+                          </a:solidFill>
+                        </a:rPr>
+                        <a:t>3</a:t>
+                      </a:r>
+                      <a:endParaRPr lang="ko-KR" altLang="en-US" dirty="0">
+                        <a:solidFill>
+                          <a:schemeClr val="tx1"/>
+                        </a:solidFill>
+                      </a:endParaRPr>
+                    </a:p>
+                  </a:txBody>
+                  <a:tcPr anchor="ctr"/>
+                </a:tc>
+                <a:tc>
+                  <a:txBody>
+                    <a:bodyPr/>
+                    <a:lstStyle/>
+                    <a:p>
+                      <a:pPr marL="0" marR="0" lvl="0" indent="0" algn="ctr" defTabSz="914400" rtl="0" eaLnBrk="1" fontAlgn="auto" latinLnBrk="1" hangingPunct="1">
+                        <a:lnSpc>
+                          <a:spcPct val="100000"/>
+                        </a:lnSpc>
+                        <a:spcBef>
+                          <a:spcPts val="0"/>
+                        </a:spcBef>
+                        <a:spcAft>
+                          <a:spcPts val="0"/>
+                        </a:spcAft>
+                        <a:buClrTx/>
+                        <a:buSzTx/>
+                        <a:buFontTx/>
+                        <a:buNone/>
+                        <a:tabLst/>
+                        <a:defRPr/>
+                      </a:pPr>
+                      <a:r>
+                        <a:rPr lang="en-US" altLang="ko-KR" dirty="0">
+                          <a:solidFill>
+                            <a:schemeClr val="tx1"/>
+                          </a:solidFill>
+                        </a:rPr>
+                        <a:t>1</a:t>
+                      </a:r>
+                      <a:endParaRPr lang="ko-KR" altLang="en-US" dirty="0">
+                        <a:solidFill>
+                          <a:schemeClr val="tx1"/>
+                        </a:solidFill>
+                      </a:endParaRPr>
+                    </a:p>
+                  </a:txBody>
+                  <a:tcPr anchor="ctr"/>
+                </a:tc>
+                <a:tc>
+                  <a:txBody>
+                    <a:bodyPr/>
+                    <a:lstStyle/>
+                    <a:p>
+                      <a:pPr marL="0" marR="0" lvl="0" indent="0" algn="ctr" defTabSz="914400" rtl="0" eaLnBrk="1" fontAlgn="auto" latinLnBrk="1" hangingPunct="1">
+                        <a:lnSpc>
+                          <a:spcPct val="100000"/>
+                        </a:lnSpc>
+                        <a:spcBef>
+                          <a:spcPts val="0"/>
+                        </a:spcBef>
+                        <a:spcAft>
+                          <a:spcPts val="0"/>
+                        </a:spcAft>
+                        <a:buClrTx/>
+                        <a:buSzTx/>
+                        <a:buFontTx/>
+                        <a:buNone/>
+                        <a:tabLst/>
+                        <a:defRPr/>
+                      </a:pPr>
+                      <a:r>
+                        <a:rPr lang="ko-KR" altLang="en-US" dirty="0">
+                          <a:solidFill>
+                            <a:schemeClr val="tx1"/>
+                          </a:solidFill>
+                        </a:rPr>
+                        <a:t>○</a:t>
+                      </a:r>
+                    </a:p>
+                  </a:txBody>
+                  <a:tcPr anchor="ctr"/>
+                </a:tc>
+                <a:extLst>
+                  <a:ext uri="{0D108BD9-81ED-4DB2-BD59-A6C34878D82A}">
+                    <a16:rowId xmlns:a16="http://schemas.microsoft.com/office/drawing/2014/main" val="4211862219"/>
+                  </a:ext>
+                </a:extLst>
+              </a:tr>
+              <a:tr h="549012">
+                <a:tc>
+                  <a:txBody>
+                    <a:bodyPr/>
+                    <a:lstStyle/>
+                    <a:p>
+                      <a:pPr algn="ctr" latinLnBrk="1"/>
+                      <a:r>
+                        <a:rPr lang="en-US" altLang="ko-KR" dirty="0">
+                          <a:solidFill>
+                            <a:schemeClr val="tx1"/>
+                          </a:solidFill>
+                        </a:rPr>
+                        <a:t>2</a:t>
+                      </a:r>
+                      <a:endParaRPr lang="ko-KR" altLang="en-US" dirty="0">
+                        <a:solidFill>
+                          <a:schemeClr val="tx1"/>
+                        </a:solidFill>
+                      </a:endParaRPr>
+                    </a:p>
+                  </a:txBody>
+                  <a:tcPr anchor="ctr"/>
+                </a:tc>
+                <a:tc>
+                  <a:txBody>
+                    <a:bodyPr/>
+                    <a:lstStyle/>
+                    <a:p>
+                      <a:pPr marL="0" marR="0" lvl="0" indent="0" algn="ctr" defTabSz="914400" rtl="0" eaLnBrk="1" fontAlgn="auto" latinLnBrk="1" hangingPunct="1">
+                        <a:lnSpc>
+                          <a:spcPct val="100000"/>
+                        </a:lnSpc>
+                        <a:spcBef>
+                          <a:spcPts val="0"/>
+                        </a:spcBef>
+                        <a:spcAft>
+                          <a:spcPts val="0"/>
+                        </a:spcAft>
+                        <a:buClrTx/>
+                        <a:buSzTx/>
+                        <a:buFontTx/>
+                        <a:buNone/>
+                        <a:tabLst/>
+                        <a:defRPr/>
+                      </a:pPr>
+                      <a:r>
+                        <a:rPr lang="en-US" altLang="ko-KR" dirty="0">
+                          <a:solidFill>
+                            <a:schemeClr val="tx1"/>
+                          </a:solidFill>
+                        </a:rPr>
+                        <a:t>6</a:t>
+                      </a:r>
+                      <a:endParaRPr lang="ko-KR" altLang="en-US" dirty="0">
+                        <a:solidFill>
+                          <a:schemeClr val="tx1"/>
+                        </a:solidFill>
+                      </a:endParaRPr>
+                    </a:p>
+                  </a:txBody>
+                  <a:tcPr anchor="ctr"/>
+                </a:tc>
+                <a:tc>
+                  <a:txBody>
+                    <a:bodyPr/>
+                    <a:lstStyle/>
+                    <a:p>
+                      <a:pPr marL="0" marR="0" lvl="0" indent="0" algn="ctr" defTabSz="914400" rtl="0" eaLnBrk="1" fontAlgn="auto" latinLnBrk="1" hangingPunct="1">
+                        <a:lnSpc>
+                          <a:spcPct val="100000"/>
+                        </a:lnSpc>
+                        <a:spcBef>
+                          <a:spcPts val="0"/>
+                        </a:spcBef>
+                        <a:spcAft>
+                          <a:spcPts val="0"/>
+                        </a:spcAft>
+                        <a:buClrTx/>
+                        <a:buSzTx/>
+                        <a:buFontTx/>
+                        <a:buNone/>
+                        <a:tabLst/>
+                        <a:defRPr/>
+                      </a:pPr>
+                      <a:r>
+                        <a:rPr lang="ko-KR" altLang="en-US" dirty="0">
+                          <a:solidFill>
+                            <a:schemeClr val="tx1"/>
+                          </a:solidFill>
+                        </a:rPr>
+                        <a:t>○</a:t>
+                      </a:r>
+                    </a:p>
+                  </a:txBody>
+                  <a:tcPr anchor="ctr"/>
+                </a:tc>
+                <a:extLst>
+                  <a:ext uri="{0D108BD9-81ED-4DB2-BD59-A6C34878D82A}">
+                    <a16:rowId xmlns:a16="http://schemas.microsoft.com/office/drawing/2014/main" val="569742551"/>
+                  </a:ext>
+                </a:extLst>
+              </a:tr>
+              <a:tr h="549012">
+                <a:tc>
+                  <a:txBody>
+                    <a:bodyPr/>
+                    <a:lstStyle/>
+                    <a:p>
+                      <a:pPr algn="ctr" latinLnBrk="1"/>
+                      <a:r>
+                        <a:rPr lang="en-US" altLang="ko-KR" dirty="0">
+                          <a:solidFill>
+                            <a:schemeClr val="tx1"/>
+                          </a:solidFill>
+                        </a:rPr>
+                        <a:t>1</a:t>
+                      </a:r>
+                      <a:endParaRPr lang="ko-KR" altLang="en-US" dirty="0">
+                        <a:solidFill>
+                          <a:schemeClr val="tx1"/>
+                        </a:solidFill>
+                      </a:endParaRPr>
+                    </a:p>
+                  </a:txBody>
+                  <a:tcPr anchor="ctr"/>
+                </a:tc>
+                <a:tc>
+                  <a:txBody>
+                    <a:bodyPr/>
+                    <a:lstStyle/>
+                    <a:p>
+                      <a:pPr marL="0" marR="0" lvl="0" indent="0" algn="ctr" defTabSz="914400" rtl="0" eaLnBrk="1" fontAlgn="auto" latinLnBrk="1" hangingPunct="1">
+                        <a:lnSpc>
+                          <a:spcPct val="100000"/>
+                        </a:lnSpc>
+                        <a:spcBef>
+                          <a:spcPts val="0"/>
+                        </a:spcBef>
+                        <a:spcAft>
+                          <a:spcPts val="0"/>
+                        </a:spcAft>
+                        <a:buClrTx/>
+                        <a:buSzTx/>
+                        <a:buFontTx/>
+                        <a:buNone/>
+                        <a:tabLst/>
+                        <a:defRPr/>
+                      </a:pPr>
+                      <a:r>
+                        <a:rPr lang="en-US" altLang="ko-KR" dirty="0">
+                          <a:solidFill>
+                            <a:schemeClr val="tx1"/>
+                          </a:solidFill>
+                        </a:rPr>
+                        <a:t>4</a:t>
+                      </a:r>
+                      <a:endParaRPr lang="ko-KR" altLang="en-US" dirty="0">
+                        <a:solidFill>
+                          <a:schemeClr val="tx1"/>
+                        </a:solidFill>
+                      </a:endParaRPr>
+                    </a:p>
+                  </a:txBody>
+                  <a:tcPr anchor="ctr"/>
+                </a:tc>
+                <a:tc>
+                  <a:txBody>
+                    <a:bodyPr/>
+                    <a:lstStyle/>
+                    <a:p>
+                      <a:pPr marL="0" marR="0" lvl="0" indent="0" algn="ctr" defTabSz="914400" rtl="0" eaLnBrk="1" fontAlgn="auto" latinLnBrk="1" hangingPunct="1">
+                        <a:lnSpc>
+                          <a:spcPct val="100000"/>
+                        </a:lnSpc>
+                        <a:spcBef>
+                          <a:spcPts val="0"/>
+                        </a:spcBef>
+                        <a:spcAft>
+                          <a:spcPts val="0"/>
+                        </a:spcAft>
+                        <a:buClrTx/>
+                        <a:buSzTx/>
+                        <a:buFontTx/>
+                        <a:buNone/>
+                        <a:tabLst/>
+                        <a:defRPr/>
+                      </a:pPr>
+                      <a:r>
+                        <a:rPr lang="ko-KR" altLang="en-US" dirty="0">
+                          <a:solidFill>
+                            <a:schemeClr val="tx1"/>
+                          </a:solidFill>
+                        </a:rPr>
+                        <a:t>○</a:t>
+                      </a:r>
+                    </a:p>
+                  </a:txBody>
+                  <a:tcPr anchor="ctr"/>
+                </a:tc>
+                <a:extLst>
+                  <a:ext uri="{0D108BD9-81ED-4DB2-BD59-A6C34878D82A}">
+                    <a16:rowId xmlns:a16="http://schemas.microsoft.com/office/drawing/2014/main" val="1846374400"/>
+                  </a:ext>
+                </a:extLst>
+              </a:tr>
+            </a:tbl>
+          </a:graphicData>
+        </a:graphic>
+      </p:graphicFrame>
+    </p:spTree>
+    <p:extLst>
+      <p:ext uri="{BB962C8B-B14F-4D97-AF65-F5344CB8AC3E}">
+        <p14:creationId xmlns:p14="http://schemas.microsoft.com/office/powerpoint/2010/main" val="4143520381"/>
+      </p:ext>
+    </p:extLst>
+  </p:cSld>
+  <p:clrMapOvr>
+    <a:masterClrMapping/>
+  </p:clrMapOvr>
+</p:sld>
+</file>
+
+<file path=ppt/slides/slide9.xml><?xml version="1.0" encoding="utf-8"?>
+<p:sld xmlns:a="http://schemas.openxmlformats.org/drawingml/2006/main" xmlns:r="http://schemas.openxmlformats.org/officeDocument/2006/relationships" xmlns:p="http://schemas.openxmlformats.org/presentationml/2006/main">
+  <p:cSld>
+    <p:spTree>
+      <p:nvGrpSpPr>
+        <p:cNvPr id="1" name=""/>
+        <p:cNvGrpSpPr/>
+        <p:nvPr/>
+      </p:nvGrpSpPr>
+      <p:grpSpPr>
+        <a:xfrm>
+          <a:off x="0" y="0"/>
+          <a:ext cx="0" cy="0"/>
+          <a:chOff x="0" y="0"/>
+          <a:chExt cx="0" cy="0"/>
+        </a:xfrm>
+      </p:grpSpPr>
+      <p:sp>
+        <p:nvSpPr>
+          <p:cNvPr id="33" name="타원 32">
+            <a:extLst>
+              <a:ext uri="{FF2B5EF4-FFF2-40B4-BE49-F238E27FC236}">
+                <a16:creationId xmlns:a16="http://schemas.microsoft.com/office/drawing/2014/main" id="{5A6CE72D-51F3-4FB4-A311-A18F7C15820D}"/>
+              </a:ext>
+            </a:extLst>
+          </p:cNvPr>
+          <p:cNvSpPr/>
+          <p:nvPr/>
+        </p:nvSpPr>
+        <p:spPr>
+          <a:xfrm>
+            <a:off x="1661802" y="297636"/>
+            <a:ext cx="738232" cy="738232"/>
+          </a:xfrm>
+          <a:prstGeom prst="ellipse">
+            <a:avLst/>
+          </a:prstGeom>
+          <a:solidFill>
+            <a:srgbClr val="FFC000"/>
+          </a:solidFill>
+          <a:ln w="25400">
+            <a:solidFill>
+              <a:srgbClr val="F1A116"/>
+            </a:solidFill>
+          </a:ln>
+        </p:spPr>
+        <p:style>
+          <a:lnRef idx="2">
+            <a:schemeClr val="accent1">
+              <a:shade val="50000"/>
+            </a:schemeClr>
+          </a:lnRef>
+          <a:fillRef idx="1">
+            <a:schemeClr val="accent1"/>
+          </a:fillRef>
+          <a:effectRef idx="0">
+            <a:schemeClr val="accent1"/>
+          </a:effectRef>
+          <a:fontRef idx="minor">
+            <a:schemeClr val="lt1"/>
+          </a:fontRef>
+        </p:style>
+        <p:txBody>
+          <a:bodyPr rtlCol="0" anchor="ctr"/>
+          <a:lstStyle/>
+          <a:p>
+            <a:pPr algn="ctr"/>
+            <a:r>
+              <a:rPr lang="en-US" altLang="ko-KR" b="1" dirty="0">
+                <a:solidFill>
+                  <a:schemeClr val="tx1"/>
+                </a:solidFill>
+              </a:rPr>
+              <a:t>1</a:t>
+            </a:r>
+            <a:endParaRPr lang="ko-KR" altLang="en-US" b="1" dirty="0">
+              <a:solidFill>
+                <a:schemeClr val="tx1"/>
+              </a:solidFill>
+            </a:endParaRPr>
+          </a:p>
+        </p:txBody>
+      </p:sp>
+      <p:sp>
+        <p:nvSpPr>
+          <p:cNvPr id="34" name="타원 33">
+            <a:extLst>
+              <a:ext uri="{FF2B5EF4-FFF2-40B4-BE49-F238E27FC236}">
+                <a16:creationId xmlns:a16="http://schemas.microsoft.com/office/drawing/2014/main" id="{DBC9E705-3ED6-4500-8579-C453C1939792}"/>
+              </a:ext>
+            </a:extLst>
+          </p:cNvPr>
+          <p:cNvSpPr/>
+          <p:nvPr/>
+        </p:nvSpPr>
+        <p:spPr>
+          <a:xfrm>
+            <a:off x="7262120" y="472362"/>
+            <a:ext cx="738232" cy="738232"/>
+          </a:xfrm>
+          <a:prstGeom prst="ellipse">
+            <a:avLst/>
+          </a:prstGeom>
+          <a:solidFill>
+            <a:srgbClr val="FFC000"/>
+          </a:solidFill>
+          <a:ln w="25400">
+            <a:solidFill>
+              <a:srgbClr val="F1A116"/>
+            </a:solidFill>
+          </a:ln>
+        </p:spPr>
+        <p:style>
+          <a:lnRef idx="2">
+            <a:schemeClr val="accent1">
+              <a:shade val="50000"/>
+            </a:schemeClr>
+          </a:lnRef>
+          <a:fillRef idx="1">
+            <a:schemeClr val="accent1"/>
+          </a:fillRef>
+          <a:effectRef idx="0">
+            <a:schemeClr val="accent1"/>
+          </a:effectRef>
+          <a:fontRef idx="minor">
+            <a:schemeClr val="lt1"/>
+          </a:fontRef>
+        </p:style>
+        <p:txBody>
+          <a:bodyPr rtlCol="0" anchor="ctr"/>
+          <a:lstStyle/>
+          <a:p>
+            <a:pPr algn="ctr"/>
+            <a:r>
+              <a:rPr lang="en-US" altLang="ko-KR" b="1" dirty="0">
+                <a:solidFill>
+                  <a:schemeClr val="tx1"/>
+                </a:solidFill>
+              </a:rPr>
+              <a:t>2</a:t>
+            </a:r>
+            <a:endParaRPr lang="ko-KR" altLang="en-US" b="1" dirty="0">
+              <a:solidFill>
+                <a:schemeClr val="tx1"/>
+              </a:solidFill>
+            </a:endParaRPr>
+          </a:p>
+        </p:txBody>
+      </p:sp>
+      <p:sp>
+        <p:nvSpPr>
+          <p:cNvPr id="37" name="타원 36">
+            <a:extLst>
+              <a:ext uri="{FF2B5EF4-FFF2-40B4-BE49-F238E27FC236}">
+                <a16:creationId xmlns:a16="http://schemas.microsoft.com/office/drawing/2014/main" id="{36CB0A15-720D-4719-80F8-BCA83F9328F6}"/>
+              </a:ext>
+            </a:extLst>
+          </p:cNvPr>
+          <p:cNvSpPr/>
+          <p:nvPr/>
+        </p:nvSpPr>
+        <p:spPr>
+          <a:xfrm>
+            <a:off x="5158789" y="5484653"/>
+            <a:ext cx="738232" cy="738232"/>
+          </a:xfrm>
+          <a:prstGeom prst="ellipse">
+            <a:avLst/>
+          </a:prstGeom>
+          <a:solidFill>
             <a:srgbClr val="FFC000"/>
           </a:solidFill>
           <a:ln w="25400">
@@ -33313,3181 +39702,6 @@
     <p:extLst>
       <p:ext uri="{BB962C8B-B14F-4D97-AF65-F5344CB8AC3E}">
         <p14:creationId xmlns:p14="http://schemas.microsoft.com/office/powerpoint/2010/main" val="220799262"/>
-      </p:ext>
-    </p:extLst>
-  </p:cSld>
-  <p:clrMapOvr>
-    <a:masterClrMapping/>
-  </p:clrMapOvr>
-</p:sld>
-</file>
-
-<file path=ppt/slides/slide9.xml><?xml version="1.0" encoding="utf-8"?>
-<p:sld xmlns:a="http://schemas.openxmlformats.org/drawingml/2006/main" xmlns:r="http://schemas.openxmlformats.org/officeDocument/2006/relationships" xmlns:p="http://schemas.openxmlformats.org/presentationml/2006/main">
-  <p:cSld>
-    <p:spTree>
-      <p:nvGrpSpPr>
-        <p:cNvPr id="1" name=""/>
-        <p:cNvGrpSpPr/>
-        <p:nvPr/>
-      </p:nvGrpSpPr>
-      <p:grpSpPr>
-        <a:xfrm>
-          <a:off x="0" y="0"/>
-          <a:ext cx="0" cy="0"/>
-          <a:chOff x="0" y="0"/>
-          <a:chExt cx="0" cy="0"/>
-        </a:xfrm>
-      </p:grpSpPr>
-      <p:sp>
-        <p:nvSpPr>
-          <p:cNvPr id="33" name="타원 32">
-            <a:extLst>
-              <a:ext uri="{FF2B5EF4-FFF2-40B4-BE49-F238E27FC236}">
-                <a16:creationId xmlns:a16="http://schemas.microsoft.com/office/drawing/2014/main" id="{5A6CE72D-51F3-4FB4-A311-A18F7C15820D}"/>
-              </a:ext>
-            </a:extLst>
-          </p:cNvPr>
-          <p:cNvSpPr/>
-          <p:nvPr/>
-        </p:nvSpPr>
-        <p:spPr>
-          <a:xfrm>
-            <a:off x="1661802" y="297636"/>
-            <a:ext cx="738232" cy="738232"/>
-          </a:xfrm>
-          <a:prstGeom prst="ellipse">
-            <a:avLst/>
-          </a:prstGeom>
-          <a:solidFill>
-            <a:srgbClr val="FFC000"/>
-          </a:solidFill>
-          <a:ln w="25400">
-            <a:solidFill>
-              <a:srgbClr val="F1A116"/>
-            </a:solidFill>
-          </a:ln>
-        </p:spPr>
-        <p:style>
-          <a:lnRef idx="2">
-            <a:schemeClr val="accent1">
-              <a:shade val="50000"/>
-            </a:schemeClr>
-          </a:lnRef>
-          <a:fillRef idx="1">
-            <a:schemeClr val="accent1"/>
-          </a:fillRef>
-          <a:effectRef idx="0">
-            <a:schemeClr val="accent1"/>
-          </a:effectRef>
-          <a:fontRef idx="minor">
-            <a:schemeClr val="lt1"/>
-          </a:fontRef>
-        </p:style>
-        <p:txBody>
-          <a:bodyPr rtlCol="0" anchor="ctr"/>
-          <a:lstStyle/>
-          <a:p>
-            <a:pPr algn="ctr"/>
-            <a:r>
-              <a:rPr lang="en-US" altLang="ko-KR" b="1" dirty="0">
-                <a:solidFill>
-                  <a:schemeClr val="tx1"/>
-                </a:solidFill>
-              </a:rPr>
-              <a:t>1</a:t>
-            </a:r>
-            <a:endParaRPr lang="ko-KR" altLang="en-US" b="1" dirty="0">
-              <a:solidFill>
-                <a:schemeClr val="tx1"/>
-              </a:solidFill>
-            </a:endParaRPr>
-          </a:p>
-        </p:txBody>
-      </p:sp>
-      <p:sp>
-        <p:nvSpPr>
-          <p:cNvPr id="34" name="타원 33">
-            <a:extLst>
-              <a:ext uri="{FF2B5EF4-FFF2-40B4-BE49-F238E27FC236}">
-                <a16:creationId xmlns:a16="http://schemas.microsoft.com/office/drawing/2014/main" id="{DBC9E705-3ED6-4500-8579-C453C1939792}"/>
-              </a:ext>
-            </a:extLst>
-          </p:cNvPr>
-          <p:cNvSpPr/>
-          <p:nvPr/>
-        </p:nvSpPr>
-        <p:spPr>
-          <a:xfrm>
-            <a:off x="7262120" y="472362"/>
-            <a:ext cx="738232" cy="738232"/>
-          </a:xfrm>
-          <a:prstGeom prst="ellipse">
-            <a:avLst/>
-          </a:prstGeom>
-          <a:solidFill>
-            <a:srgbClr val="FFC000"/>
-          </a:solidFill>
-          <a:ln w="25400">
-            <a:solidFill>
-              <a:srgbClr val="F1A116"/>
-            </a:solidFill>
-          </a:ln>
-        </p:spPr>
-        <p:style>
-          <a:lnRef idx="2">
-            <a:schemeClr val="accent1">
-              <a:shade val="50000"/>
-            </a:schemeClr>
-          </a:lnRef>
-          <a:fillRef idx="1">
-            <a:schemeClr val="accent1"/>
-          </a:fillRef>
-          <a:effectRef idx="0">
-            <a:schemeClr val="accent1"/>
-          </a:effectRef>
-          <a:fontRef idx="minor">
-            <a:schemeClr val="lt1"/>
-          </a:fontRef>
-        </p:style>
-        <p:txBody>
-          <a:bodyPr rtlCol="0" anchor="ctr"/>
-          <a:lstStyle/>
-          <a:p>
-            <a:pPr algn="ctr"/>
-            <a:r>
-              <a:rPr lang="en-US" altLang="ko-KR" b="1" dirty="0">
-                <a:solidFill>
-                  <a:schemeClr val="tx1"/>
-                </a:solidFill>
-              </a:rPr>
-              <a:t>2</a:t>
-            </a:r>
-            <a:endParaRPr lang="ko-KR" altLang="en-US" b="1" dirty="0">
-              <a:solidFill>
-                <a:schemeClr val="tx1"/>
-              </a:solidFill>
-            </a:endParaRPr>
-          </a:p>
-        </p:txBody>
-      </p:sp>
-      <p:sp>
-        <p:nvSpPr>
-          <p:cNvPr id="37" name="타원 36">
-            <a:extLst>
-              <a:ext uri="{FF2B5EF4-FFF2-40B4-BE49-F238E27FC236}">
-                <a16:creationId xmlns:a16="http://schemas.microsoft.com/office/drawing/2014/main" id="{36CB0A15-720D-4719-80F8-BCA83F9328F6}"/>
-              </a:ext>
-            </a:extLst>
-          </p:cNvPr>
-          <p:cNvSpPr/>
-          <p:nvPr/>
-        </p:nvSpPr>
-        <p:spPr>
-          <a:xfrm>
-            <a:off x="5158789" y="5484653"/>
-            <a:ext cx="738232" cy="738232"/>
-          </a:xfrm>
-          <a:prstGeom prst="ellipse">
-            <a:avLst/>
-          </a:prstGeom>
-          <a:solidFill>
-            <a:srgbClr val="FFC000"/>
-          </a:solidFill>
-          <a:ln w="25400">
-            <a:solidFill>
-              <a:srgbClr val="F1A116"/>
-            </a:solidFill>
-          </a:ln>
-        </p:spPr>
-        <p:style>
-          <a:lnRef idx="2">
-            <a:schemeClr val="accent1">
-              <a:shade val="50000"/>
-            </a:schemeClr>
-          </a:lnRef>
-          <a:fillRef idx="1">
-            <a:schemeClr val="accent1"/>
-          </a:fillRef>
-          <a:effectRef idx="0">
-            <a:schemeClr val="accent1"/>
-          </a:effectRef>
-          <a:fontRef idx="minor">
-            <a:schemeClr val="lt1"/>
-          </a:fontRef>
-        </p:style>
-        <p:txBody>
-          <a:bodyPr rtlCol="0" anchor="ctr"/>
-          <a:lstStyle/>
-          <a:p>
-            <a:pPr algn="ctr"/>
-            <a:r>
-              <a:rPr lang="en-US" altLang="ko-KR" b="1" dirty="0">
-                <a:solidFill>
-                  <a:schemeClr val="tx1"/>
-                </a:solidFill>
-              </a:rPr>
-              <a:t>7</a:t>
-            </a:r>
-            <a:endParaRPr lang="ko-KR" altLang="en-US" b="1" dirty="0">
-              <a:solidFill>
-                <a:schemeClr val="tx1"/>
-              </a:solidFill>
-            </a:endParaRPr>
-          </a:p>
-        </p:txBody>
-      </p:sp>
-      <p:sp>
-        <p:nvSpPr>
-          <p:cNvPr id="38" name="타원 37">
-            <a:extLst>
-              <a:ext uri="{FF2B5EF4-FFF2-40B4-BE49-F238E27FC236}">
-                <a16:creationId xmlns:a16="http://schemas.microsoft.com/office/drawing/2014/main" id="{48239B09-15FE-4F9C-86D2-F27A9DEE0851}"/>
-              </a:ext>
-            </a:extLst>
-          </p:cNvPr>
-          <p:cNvSpPr/>
-          <p:nvPr/>
-        </p:nvSpPr>
-        <p:spPr>
-          <a:xfrm>
-            <a:off x="2636687" y="5687160"/>
-            <a:ext cx="738232" cy="738232"/>
-          </a:xfrm>
-          <a:prstGeom prst="ellipse">
-            <a:avLst/>
-          </a:prstGeom>
-          <a:solidFill>
-            <a:srgbClr val="FFC000"/>
-          </a:solidFill>
-          <a:ln w="25400">
-            <a:solidFill>
-              <a:srgbClr val="F1A116"/>
-            </a:solidFill>
-          </a:ln>
-        </p:spPr>
-        <p:style>
-          <a:lnRef idx="2">
-            <a:schemeClr val="accent1">
-              <a:shade val="50000"/>
-            </a:schemeClr>
-          </a:lnRef>
-          <a:fillRef idx="1">
-            <a:schemeClr val="accent1"/>
-          </a:fillRef>
-          <a:effectRef idx="0">
-            <a:schemeClr val="accent1"/>
-          </a:effectRef>
-          <a:fontRef idx="minor">
-            <a:schemeClr val="lt1"/>
-          </a:fontRef>
-        </p:style>
-        <p:txBody>
-          <a:bodyPr rtlCol="0" anchor="ctr"/>
-          <a:lstStyle/>
-          <a:p>
-            <a:pPr algn="ctr"/>
-            <a:r>
-              <a:rPr lang="en-US" altLang="ko-KR" b="1" dirty="0">
-                <a:solidFill>
-                  <a:schemeClr val="tx1"/>
-                </a:solidFill>
-              </a:rPr>
-              <a:t>10</a:t>
-            </a:r>
-            <a:endParaRPr lang="ko-KR" altLang="en-US" b="1" dirty="0">
-              <a:solidFill>
-                <a:schemeClr val="tx1"/>
-              </a:solidFill>
-            </a:endParaRPr>
-          </a:p>
-        </p:txBody>
-      </p:sp>
-      <p:sp>
-        <p:nvSpPr>
-          <p:cNvPr id="39" name="타원 38">
-            <a:extLst>
-              <a:ext uri="{FF2B5EF4-FFF2-40B4-BE49-F238E27FC236}">
-                <a16:creationId xmlns:a16="http://schemas.microsoft.com/office/drawing/2014/main" id="{AE6F69FD-0EB2-407D-922C-70908DD5F305}"/>
-              </a:ext>
-            </a:extLst>
-          </p:cNvPr>
-          <p:cNvSpPr/>
-          <p:nvPr/>
-        </p:nvSpPr>
-        <p:spPr>
-          <a:xfrm>
-            <a:off x="7631236" y="3347892"/>
-            <a:ext cx="738232" cy="738232"/>
-          </a:xfrm>
-          <a:prstGeom prst="ellipse">
-            <a:avLst/>
-          </a:prstGeom>
-          <a:solidFill>
-            <a:srgbClr val="FFC000"/>
-          </a:solidFill>
-          <a:ln w="25400">
-            <a:solidFill>
-              <a:srgbClr val="F1A116"/>
-            </a:solidFill>
-          </a:ln>
-        </p:spPr>
-        <p:style>
-          <a:lnRef idx="2">
-            <a:schemeClr val="accent1">
-              <a:shade val="50000"/>
-            </a:schemeClr>
-          </a:lnRef>
-          <a:fillRef idx="1">
-            <a:schemeClr val="accent1"/>
-          </a:fillRef>
-          <a:effectRef idx="0">
-            <a:schemeClr val="accent1"/>
-          </a:effectRef>
-          <a:fontRef idx="minor">
-            <a:schemeClr val="lt1"/>
-          </a:fontRef>
-        </p:style>
-        <p:txBody>
-          <a:bodyPr rtlCol="0" anchor="ctr"/>
-          <a:lstStyle/>
-          <a:p>
-            <a:pPr algn="ctr"/>
-            <a:r>
-              <a:rPr lang="en-US" altLang="ko-KR" b="1" dirty="0">
-                <a:solidFill>
-                  <a:schemeClr val="tx1"/>
-                </a:solidFill>
-              </a:rPr>
-              <a:t>6</a:t>
-            </a:r>
-            <a:endParaRPr lang="ko-KR" altLang="en-US" b="1" dirty="0">
-              <a:solidFill>
-                <a:schemeClr val="tx1"/>
-              </a:solidFill>
-            </a:endParaRPr>
-          </a:p>
-        </p:txBody>
-      </p:sp>
-      <p:sp>
-        <p:nvSpPr>
-          <p:cNvPr id="40" name="타원 39">
-            <a:extLst>
-              <a:ext uri="{FF2B5EF4-FFF2-40B4-BE49-F238E27FC236}">
-                <a16:creationId xmlns:a16="http://schemas.microsoft.com/office/drawing/2014/main" id="{69670782-BB50-4D8C-8600-39DFB07D914A}"/>
-              </a:ext>
-            </a:extLst>
-          </p:cNvPr>
-          <p:cNvSpPr/>
-          <p:nvPr/>
-        </p:nvSpPr>
-        <p:spPr>
-          <a:xfrm>
-            <a:off x="3709731" y="3717008"/>
-            <a:ext cx="738232" cy="738232"/>
-          </a:xfrm>
-          <a:prstGeom prst="ellipse">
-            <a:avLst/>
-          </a:prstGeom>
-          <a:solidFill>
-            <a:srgbClr val="FFC000"/>
-          </a:solidFill>
-          <a:ln w="25400">
-            <a:solidFill>
-              <a:srgbClr val="F1A116"/>
-            </a:solidFill>
-          </a:ln>
-        </p:spPr>
-        <p:style>
-          <a:lnRef idx="2">
-            <a:schemeClr val="accent1">
-              <a:shade val="50000"/>
-            </a:schemeClr>
-          </a:lnRef>
-          <a:fillRef idx="1">
-            <a:schemeClr val="accent1"/>
-          </a:fillRef>
-          <a:effectRef idx="0">
-            <a:schemeClr val="accent1"/>
-          </a:effectRef>
-          <a:fontRef idx="minor">
-            <a:schemeClr val="lt1"/>
-          </a:fontRef>
-        </p:style>
-        <p:txBody>
-          <a:bodyPr rtlCol="0" anchor="ctr"/>
-          <a:lstStyle/>
-          <a:p>
-            <a:pPr algn="ctr"/>
-            <a:r>
-              <a:rPr lang="en-US" altLang="ko-KR" b="1" dirty="0">
-                <a:solidFill>
-                  <a:schemeClr val="tx1"/>
-                </a:solidFill>
-              </a:rPr>
-              <a:t>5</a:t>
-            </a:r>
-            <a:endParaRPr lang="ko-KR" altLang="en-US" b="1" dirty="0">
-              <a:solidFill>
-                <a:schemeClr val="tx1"/>
-              </a:solidFill>
-            </a:endParaRPr>
-          </a:p>
-        </p:txBody>
-      </p:sp>
-      <p:sp>
-        <p:nvSpPr>
-          <p:cNvPr id="41" name="타원 40">
-            <a:extLst>
-              <a:ext uri="{FF2B5EF4-FFF2-40B4-BE49-F238E27FC236}">
-                <a16:creationId xmlns:a16="http://schemas.microsoft.com/office/drawing/2014/main" id="{F5D94D76-4C86-46AA-A13A-61C347C4311B}"/>
-              </a:ext>
-            </a:extLst>
-          </p:cNvPr>
-          <p:cNvSpPr/>
-          <p:nvPr/>
-        </p:nvSpPr>
-        <p:spPr>
-          <a:xfrm>
-            <a:off x="533028" y="2274440"/>
-            <a:ext cx="738232" cy="738232"/>
-          </a:xfrm>
-          <a:prstGeom prst="ellipse">
-            <a:avLst/>
-          </a:prstGeom>
-          <a:solidFill>
-            <a:srgbClr val="FFC000"/>
-          </a:solidFill>
-          <a:ln w="25400">
-            <a:solidFill>
-              <a:srgbClr val="F1A116"/>
-            </a:solidFill>
-          </a:ln>
-        </p:spPr>
-        <p:style>
-          <a:lnRef idx="2">
-            <a:schemeClr val="accent1">
-              <a:shade val="50000"/>
-            </a:schemeClr>
-          </a:lnRef>
-          <a:fillRef idx="1">
-            <a:schemeClr val="accent1"/>
-          </a:fillRef>
-          <a:effectRef idx="0">
-            <a:schemeClr val="accent1"/>
-          </a:effectRef>
-          <a:fontRef idx="minor">
-            <a:schemeClr val="lt1"/>
-          </a:fontRef>
-        </p:style>
-        <p:txBody>
-          <a:bodyPr rtlCol="0" anchor="ctr"/>
-          <a:lstStyle/>
-          <a:p>
-            <a:pPr algn="ctr"/>
-            <a:r>
-              <a:rPr lang="en-US" altLang="ko-KR" b="1" dirty="0">
-                <a:solidFill>
-                  <a:schemeClr val="tx1"/>
-                </a:solidFill>
-              </a:rPr>
-              <a:t>4</a:t>
-            </a:r>
-            <a:endParaRPr lang="ko-KR" altLang="en-US" b="1" dirty="0">
-              <a:solidFill>
-                <a:schemeClr val="tx1"/>
-              </a:solidFill>
-            </a:endParaRPr>
-          </a:p>
-        </p:txBody>
-      </p:sp>
-      <p:sp>
-        <p:nvSpPr>
-          <p:cNvPr id="60" name="TextBox 59">
-            <a:extLst>
-              <a:ext uri="{FF2B5EF4-FFF2-40B4-BE49-F238E27FC236}">
-                <a16:creationId xmlns:a16="http://schemas.microsoft.com/office/drawing/2014/main" id="{4428D8E9-775F-4C05-AAD0-82CFEBB57F7B}"/>
-              </a:ext>
-            </a:extLst>
-          </p:cNvPr>
-          <p:cNvSpPr txBox="1"/>
-          <p:nvPr/>
-        </p:nvSpPr>
-        <p:spPr>
-          <a:xfrm>
-            <a:off x="1063775" y="1211423"/>
-            <a:ext cx="272254" cy="400110"/>
-          </a:xfrm>
-          <a:prstGeom prst="rect">
-            <a:avLst/>
-          </a:prstGeom>
-          <a:noFill/>
-        </p:spPr>
-        <p:txBody>
-          <a:bodyPr wrap="square" rtlCol="0">
-            <a:spAutoFit/>
-          </a:bodyPr>
-          <a:lstStyle/>
-          <a:p>
-            <a:r>
-              <a:rPr lang="en-US" altLang="ko-KR" sz="2000" b="1" dirty="0"/>
-              <a:t>5</a:t>
-            </a:r>
-            <a:endParaRPr lang="ko-KR" altLang="en-US" sz="2000" b="1" dirty="0"/>
-          </a:p>
-        </p:txBody>
-      </p:sp>
-      <p:cxnSp>
-        <p:nvCxnSpPr>
-          <p:cNvPr id="67" name="직선 연결선 66">
-            <a:extLst>
-              <a:ext uri="{FF2B5EF4-FFF2-40B4-BE49-F238E27FC236}">
-                <a16:creationId xmlns:a16="http://schemas.microsoft.com/office/drawing/2014/main" id="{58F2E6A4-7E8D-4B3D-9AF7-2EE1D2D50664}"/>
-              </a:ext>
-            </a:extLst>
-          </p:cNvPr>
-          <p:cNvCxnSpPr>
-            <a:cxnSpLocks/>
-            <a:stCxn id="41" idx="0"/>
-            <a:endCxn id="33" idx="3"/>
-          </p:cNvCxnSpPr>
-          <p:nvPr/>
-        </p:nvCxnSpPr>
-        <p:spPr>
-          <a:xfrm flipV="1">
-            <a:off x="902144" y="927756"/>
-            <a:ext cx="867770" cy="1346684"/>
-          </a:xfrm>
-          <a:prstGeom prst="line">
-            <a:avLst/>
-          </a:prstGeom>
-          <a:ln w="19050">
-            <a:solidFill>
-              <a:srgbClr val="FF0000"/>
-            </a:solidFill>
-          </a:ln>
-        </p:spPr>
-        <p:style>
-          <a:lnRef idx="1">
-            <a:schemeClr val="dk1"/>
-          </a:lnRef>
-          <a:fillRef idx="0">
-            <a:schemeClr val="dk1"/>
-          </a:fillRef>
-          <a:effectRef idx="0">
-            <a:schemeClr val="dk1"/>
-          </a:effectRef>
-          <a:fontRef idx="minor">
-            <a:schemeClr val="tx1"/>
-          </a:fontRef>
-        </p:style>
-      </p:cxnSp>
-      <p:sp>
-        <p:nvSpPr>
-          <p:cNvPr id="42" name="타원 41">
-            <a:extLst>
-              <a:ext uri="{FF2B5EF4-FFF2-40B4-BE49-F238E27FC236}">
-                <a16:creationId xmlns:a16="http://schemas.microsoft.com/office/drawing/2014/main" id="{738FEBA6-A17F-4C1F-9775-6C777C5B5FCC}"/>
-              </a:ext>
-            </a:extLst>
-          </p:cNvPr>
-          <p:cNvSpPr/>
-          <p:nvPr/>
-        </p:nvSpPr>
-        <p:spPr>
-          <a:xfrm>
-            <a:off x="830786" y="4592857"/>
-            <a:ext cx="738232" cy="738232"/>
-          </a:xfrm>
-          <a:prstGeom prst="ellipse">
-            <a:avLst/>
-          </a:prstGeom>
-          <a:solidFill>
-            <a:srgbClr val="FFC000"/>
-          </a:solidFill>
-          <a:ln w="25400">
-            <a:solidFill>
-              <a:srgbClr val="F1A116"/>
-            </a:solidFill>
-          </a:ln>
-        </p:spPr>
-        <p:style>
-          <a:lnRef idx="2">
-            <a:schemeClr val="accent1">
-              <a:shade val="50000"/>
-            </a:schemeClr>
-          </a:lnRef>
-          <a:fillRef idx="1">
-            <a:schemeClr val="accent1"/>
-          </a:fillRef>
-          <a:effectRef idx="0">
-            <a:schemeClr val="accent1"/>
-          </a:effectRef>
-          <a:fontRef idx="minor">
-            <a:schemeClr val="lt1"/>
-          </a:fontRef>
-        </p:style>
-        <p:txBody>
-          <a:bodyPr rtlCol="0" anchor="ctr"/>
-          <a:lstStyle/>
-          <a:p>
-            <a:pPr algn="ctr"/>
-            <a:r>
-              <a:rPr lang="en-US" altLang="ko-KR" b="1" dirty="0">
-                <a:solidFill>
-                  <a:schemeClr val="tx1"/>
-                </a:solidFill>
-              </a:rPr>
-              <a:t>8</a:t>
-            </a:r>
-            <a:endParaRPr lang="ko-KR" altLang="en-US" b="1" dirty="0">
-              <a:solidFill>
-                <a:schemeClr val="tx1"/>
-              </a:solidFill>
-            </a:endParaRPr>
-          </a:p>
-        </p:txBody>
-      </p:sp>
-      <p:sp>
-        <p:nvSpPr>
-          <p:cNvPr id="71" name="타원 70">
-            <a:extLst>
-              <a:ext uri="{FF2B5EF4-FFF2-40B4-BE49-F238E27FC236}">
-                <a16:creationId xmlns:a16="http://schemas.microsoft.com/office/drawing/2014/main" id="{D990A2ED-C8CC-418E-B2CA-6BB3169AB3E2}"/>
-              </a:ext>
-            </a:extLst>
-          </p:cNvPr>
-          <p:cNvSpPr/>
-          <p:nvPr/>
-        </p:nvSpPr>
-        <p:spPr>
-          <a:xfrm>
-            <a:off x="7454476" y="5370342"/>
-            <a:ext cx="738232" cy="738232"/>
-          </a:xfrm>
-          <a:prstGeom prst="ellipse">
-            <a:avLst/>
-          </a:prstGeom>
-          <a:solidFill>
-            <a:schemeClr val="bg1"/>
-          </a:solidFill>
-          <a:ln w="25400">
-            <a:solidFill>
-              <a:srgbClr val="F1A116"/>
-            </a:solidFill>
-          </a:ln>
-        </p:spPr>
-        <p:style>
-          <a:lnRef idx="2">
-            <a:schemeClr val="accent1">
-              <a:shade val="50000"/>
-            </a:schemeClr>
-          </a:lnRef>
-          <a:fillRef idx="1">
-            <a:schemeClr val="accent1"/>
-          </a:fillRef>
-          <a:effectRef idx="0">
-            <a:schemeClr val="accent1"/>
-          </a:effectRef>
-          <a:fontRef idx="minor">
-            <a:schemeClr val="lt1"/>
-          </a:fontRef>
-        </p:style>
-        <p:txBody>
-          <a:bodyPr rtlCol="0" anchor="ctr"/>
-          <a:lstStyle/>
-          <a:p>
-            <a:pPr algn="ctr"/>
-            <a:r>
-              <a:rPr lang="en-US" altLang="ko-KR" b="1" dirty="0">
-                <a:solidFill>
-                  <a:schemeClr val="tx1"/>
-                </a:solidFill>
-              </a:rPr>
-              <a:t>9</a:t>
-            </a:r>
-            <a:endParaRPr lang="ko-KR" altLang="en-US" b="1" dirty="0">
-              <a:solidFill>
-                <a:schemeClr val="tx1"/>
-              </a:solidFill>
-            </a:endParaRPr>
-          </a:p>
-        </p:txBody>
-      </p:sp>
-      <p:sp>
-        <p:nvSpPr>
-          <p:cNvPr id="45" name="타원 44">
-            <a:extLst>
-              <a:ext uri="{FF2B5EF4-FFF2-40B4-BE49-F238E27FC236}">
-                <a16:creationId xmlns:a16="http://schemas.microsoft.com/office/drawing/2014/main" id="{A6A460C1-6D25-4250-82DD-45FE4916D693}"/>
-              </a:ext>
-            </a:extLst>
-          </p:cNvPr>
-          <p:cNvSpPr/>
-          <p:nvPr/>
-        </p:nvSpPr>
-        <p:spPr>
-          <a:xfrm>
-            <a:off x="4662063" y="1504926"/>
-            <a:ext cx="738232" cy="738232"/>
-          </a:xfrm>
-          <a:prstGeom prst="ellipse">
-            <a:avLst/>
-          </a:prstGeom>
-          <a:solidFill>
-            <a:srgbClr val="FFC000"/>
-          </a:solidFill>
-          <a:ln w="25400">
-            <a:solidFill>
-              <a:srgbClr val="F1A116"/>
-            </a:solidFill>
-          </a:ln>
-        </p:spPr>
-        <p:style>
-          <a:lnRef idx="2">
-            <a:schemeClr val="accent1">
-              <a:shade val="50000"/>
-            </a:schemeClr>
-          </a:lnRef>
-          <a:fillRef idx="1">
-            <a:schemeClr val="accent1"/>
-          </a:fillRef>
-          <a:effectRef idx="0">
-            <a:schemeClr val="accent1"/>
-          </a:effectRef>
-          <a:fontRef idx="minor">
-            <a:schemeClr val="lt1"/>
-          </a:fontRef>
-        </p:style>
-        <p:txBody>
-          <a:bodyPr rtlCol="0" anchor="ctr"/>
-          <a:lstStyle/>
-          <a:p>
-            <a:pPr algn="ctr"/>
-            <a:r>
-              <a:rPr lang="en-US" altLang="ko-KR" b="1" dirty="0">
-                <a:solidFill>
-                  <a:schemeClr val="tx1"/>
-                </a:solidFill>
-              </a:rPr>
-              <a:t>3</a:t>
-            </a:r>
-            <a:endParaRPr lang="ko-KR" altLang="en-US" b="1" dirty="0">
-              <a:solidFill>
-                <a:schemeClr val="tx1"/>
-              </a:solidFill>
-            </a:endParaRPr>
-          </a:p>
-        </p:txBody>
-      </p:sp>
-      <p:cxnSp>
-        <p:nvCxnSpPr>
-          <p:cNvPr id="48" name="직선 연결선 47">
-            <a:extLst>
-              <a:ext uri="{FF2B5EF4-FFF2-40B4-BE49-F238E27FC236}">
-                <a16:creationId xmlns:a16="http://schemas.microsoft.com/office/drawing/2014/main" id="{7012FE3B-F399-4D2A-B453-09E976BFC1CF}"/>
-              </a:ext>
-            </a:extLst>
-          </p:cNvPr>
-          <p:cNvCxnSpPr>
-            <a:cxnSpLocks/>
-            <a:stCxn id="45" idx="1"/>
-            <a:endCxn id="33" idx="5"/>
-          </p:cNvCxnSpPr>
-          <p:nvPr/>
-        </p:nvCxnSpPr>
-        <p:spPr>
-          <a:xfrm flipH="1" flipV="1">
-            <a:off x="2291922" y="927756"/>
-            <a:ext cx="2478253" cy="685282"/>
-          </a:xfrm>
-          <a:prstGeom prst="line">
-            <a:avLst/>
-          </a:prstGeom>
-          <a:ln w="19050">
-            <a:solidFill>
-              <a:schemeClr val="accent1"/>
-            </a:solidFill>
-          </a:ln>
-        </p:spPr>
-        <p:style>
-          <a:lnRef idx="1">
-            <a:schemeClr val="dk1"/>
-          </a:lnRef>
-          <a:fillRef idx="0">
-            <a:schemeClr val="dk1"/>
-          </a:fillRef>
-          <a:effectRef idx="0">
-            <a:schemeClr val="dk1"/>
-          </a:effectRef>
-          <a:fontRef idx="minor">
-            <a:schemeClr val="tx1"/>
-          </a:fontRef>
-        </p:style>
-      </p:cxnSp>
-      <p:sp>
-        <p:nvSpPr>
-          <p:cNvPr id="53" name="TextBox 52">
-            <a:extLst>
-              <a:ext uri="{FF2B5EF4-FFF2-40B4-BE49-F238E27FC236}">
-                <a16:creationId xmlns:a16="http://schemas.microsoft.com/office/drawing/2014/main" id="{B319EFB3-07EB-4801-93C1-EA5F9614E128}"/>
-              </a:ext>
-            </a:extLst>
-          </p:cNvPr>
-          <p:cNvSpPr txBox="1"/>
-          <p:nvPr/>
-        </p:nvSpPr>
-        <p:spPr>
-          <a:xfrm>
-            <a:off x="3604505" y="940577"/>
-            <a:ext cx="333746" cy="400110"/>
-          </a:xfrm>
-          <a:prstGeom prst="rect">
-            <a:avLst/>
-          </a:prstGeom>
-          <a:noFill/>
-        </p:spPr>
-        <p:txBody>
-          <a:bodyPr wrap="none" rtlCol="0">
-            <a:spAutoFit/>
-          </a:bodyPr>
-          <a:lstStyle/>
-          <a:p>
-            <a:r>
-              <a:rPr lang="en-US" altLang="ko-KR" sz="2000" b="1" dirty="0"/>
-              <a:t>3</a:t>
-            </a:r>
-            <a:endParaRPr lang="ko-KR" altLang="en-US" sz="2000" b="1" dirty="0"/>
-          </a:p>
-        </p:txBody>
-      </p:sp>
-      <p:cxnSp>
-        <p:nvCxnSpPr>
-          <p:cNvPr id="55" name="직선 연결선 54">
-            <a:extLst>
-              <a:ext uri="{FF2B5EF4-FFF2-40B4-BE49-F238E27FC236}">
-                <a16:creationId xmlns:a16="http://schemas.microsoft.com/office/drawing/2014/main" id="{4A70E982-D56F-47E9-9502-A0DED833901D}"/>
-              </a:ext>
-            </a:extLst>
-          </p:cNvPr>
-          <p:cNvCxnSpPr>
-            <a:cxnSpLocks/>
-            <a:stCxn id="34" idx="2"/>
-            <a:endCxn id="33" idx="6"/>
-          </p:cNvCxnSpPr>
-          <p:nvPr/>
-        </p:nvCxnSpPr>
-        <p:spPr>
-          <a:xfrm flipH="1" flipV="1">
-            <a:off x="2400034" y="666752"/>
-            <a:ext cx="4862086" cy="174726"/>
-          </a:xfrm>
-          <a:prstGeom prst="line">
-            <a:avLst/>
-          </a:prstGeom>
-          <a:ln w="19050">
-            <a:solidFill>
-              <a:schemeClr val="accent1"/>
-            </a:solidFill>
-          </a:ln>
-        </p:spPr>
-        <p:style>
-          <a:lnRef idx="1">
-            <a:schemeClr val="dk1"/>
-          </a:lnRef>
-          <a:fillRef idx="0">
-            <a:schemeClr val="dk1"/>
-          </a:fillRef>
-          <a:effectRef idx="0">
-            <a:schemeClr val="dk1"/>
-          </a:effectRef>
-          <a:fontRef idx="minor">
-            <a:schemeClr val="tx1"/>
-          </a:fontRef>
-        </p:style>
-      </p:cxnSp>
-      <p:sp>
-        <p:nvSpPr>
-          <p:cNvPr id="61" name="TextBox 60">
-            <a:extLst>
-              <a:ext uri="{FF2B5EF4-FFF2-40B4-BE49-F238E27FC236}">
-                <a16:creationId xmlns:a16="http://schemas.microsoft.com/office/drawing/2014/main" id="{2979CCE6-6D81-4A58-A6CC-8CE67B77A808}"/>
-              </a:ext>
-            </a:extLst>
-          </p:cNvPr>
-          <p:cNvSpPr txBox="1"/>
-          <p:nvPr/>
-        </p:nvSpPr>
-        <p:spPr>
-          <a:xfrm>
-            <a:off x="4281090" y="376577"/>
-            <a:ext cx="333746" cy="400110"/>
-          </a:xfrm>
-          <a:prstGeom prst="rect">
-            <a:avLst/>
-          </a:prstGeom>
-          <a:noFill/>
-        </p:spPr>
-        <p:txBody>
-          <a:bodyPr wrap="none" rtlCol="0">
-            <a:spAutoFit/>
-          </a:bodyPr>
-          <a:lstStyle/>
-          <a:p>
-            <a:r>
-              <a:rPr lang="en-US" altLang="ko-KR" sz="2000" b="1" dirty="0"/>
-              <a:t>2</a:t>
-            </a:r>
-            <a:endParaRPr lang="ko-KR" altLang="en-US" sz="2000" b="1" dirty="0"/>
-          </a:p>
-        </p:txBody>
-      </p:sp>
-      <p:cxnSp>
-        <p:nvCxnSpPr>
-          <p:cNvPr id="64" name="직선 연결선 63">
-            <a:extLst>
-              <a:ext uri="{FF2B5EF4-FFF2-40B4-BE49-F238E27FC236}">
-                <a16:creationId xmlns:a16="http://schemas.microsoft.com/office/drawing/2014/main" id="{641DF93C-EAC8-4F4D-9BF0-CD16350A932B}"/>
-              </a:ext>
-            </a:extLst>
-          </p:cNvPr>
-          <p:cNvCxnSpPr>
-            <a:cxnSpLocks/>
-            <a:stCxn id="34" idx="4"/>
-            <a:endCxn id="39" idx="0"/>
-          </p:cNvCxnSpPr>
-          <p:nvPr/>
-        </p:nvCxnSpPr>
-        <p:spPr>
-          <a:xfrm>
-            <a:off x="7631236" y="1210594"/>
-            <a:ext cx="369116" cy="2137298"/>
-          </a:xfrm>
-          <a:prstGeom prst="line">
-            <a:avLst/>
-          </a:prstGeom>
-          <a:ln w="19050">
-            <a:solidFill>
-              <a:srgbClr val="FF0000"/>
-            </a:solidFill>
-          </a:ln>
-        </p:spPr>
-        <p:style>
-          <a:lnRef idx="1">
-            <a:schemeClr val="dk1"/>
-          </a:lnRef>
-          <a:fillRef idx="0">
-            <a:schemeClr val="dk1"/>
-          </a:fillRef>
-          <a:effectRef idx="0">
-            <a:schemeClr val="dk1"/>
-          </a:effectRef>
-          <a:fontRef idx="minor">
-            <a:schemeClr val="tx1"/>
-          </a:fontRef>
-        </p:style>
-      </p:cxnSp>
-      <p:cxnSp>
-        <p:nvCxnSpPr>
-          <p:cNvPr id="65" name="직선 연결선 64">
-            <a:extLst>
-              <a:ext uri="{FF2B5EF4-FFF2-40B4-BE49-F238E27FC236}">
-                <a16:creationId xmlns:a16="http://schemas.microsoft.com/office/drawing/2014/main" id="{53D996D7-CD3D-4075-852E-B56718894718}"/>
-              </a:ext>
-            </a:extLst>
-          </p:cNvPr>
-          <p:cNvCxnSpPr>
-            <a:cxnSpLocks/>
-            <a:stCxn id="34" idx="3"/>
-            <a:endCxn id="40" idx="7"/>
-          </p:cNvCxnSpPr>
-          <p:nvPr/>
-        </p:nvCxnSpPr>
-        <p:spPr>
-          <a:xfrm flipH="1">
-            <a:off x="4339851" y="1102482"/>
-            <a:ext cx="3030381" cy="2722638"/>
-          </a:xfrm>
-          <a:prstGeom prst="line">
-            <a:avLst/>
-          </a:prstGeom>
-          <a:ln w="19050">
-            <a:solidFill>
-              <a:srgbClr val="FF0000"/>
-            </a:solidFill>
-          </a:ln>
-        </p:spPr>
-        <p:style>
-          <a:lnRef idx="1">
-            <a:schemeClr val="dk1"/>
-          </a:lnRef>
-          <a:fillRef idx="0">
-            <a:schemeClr val="dk1"/>
-          </a:fillRef>
-          <a:effectRef idx="0">
-            <a:schemeClr val="dk1"/>
-          </a:effectRef>
-          <a:fontRef idx="minor">
-            <a:schemeClr val="tx1"/>
-          </a:fontRef>
-        </p:style>
-      </p:cxnSp>
-      <p:sp>
-        <p:nvSpPr>
-          <p:cNvPr id="76" name="TextBox 75">
-            <a:extLst>
-              <a:ext uri="{FF2B5EF4-FFF2-40B4-BE49-F238E27FC236}">
-                <a16:creationId xmlns:a16="http://schemas.microsoft.com/office/drawing/2014/main" id="{F5CBC9E4-9F91-4284-8D7A-54D4417A1F33}"/>
-              </a:ext>
-            </a:extLst>
-          </p:cNvPr>
-          <p:cNvSpPr txBox="1"/>
-          <p:nvPr/>
-        </p:nvSpPr>
-        <p:spPr>
-          <a:xfrm>
-            <a:off x="7851164" y="1950954"/>
-            <a:ext cx="333746" cy="400110"/>
-          </a:xfrm>
-          <a:prstGeom prst="rect">
-            <a:avLst/>
-          </a:prstGeom>
-          <a:noFill/>
-        </p:spPr>
-        <p:txBody>
-          <a:bodyPr wrap="none" rtlCol="0">
-            <a:spAutoFit/>
-          </a:bodyPr>
-          <a:lstStyle/>
-          <a:p>
-            <a:r>
-              <a:rPr lang="en-US" altLang="ko-KR" sz="2000" b="1" dirty="0"/>
-              <a:t>7</a:t>
-            </a:r>
-            <a:endParaRPr lang="ko-KR" altLang="en-US" sz="2000" b="1" dirty="0"/>
-          </a:p>
-        </p:txBody>
-      </p:sp>
-      <p:sp>
-        <p:nvSpPr>
-          <p:cNvPr id="77" name="TextBox 76">
-            <a:extLst>
-              <a:ext uri="{FF2B5EF4-FFF2-40B4-BE49-F238E27FC236}">
-                <a16:creationId xmlns:a16="http://schemas.microsoft.com/office/drawing/2014/main" id="{024B6CE4-97A1-4D53-9CB4-021FA34861CE}"/>
-              </a:ext>
-            </a:extLst>
-          </p:cNvPr>
-          <p:cNvSpPr txBox="1"/>
-          <p:nvPr/>
-        </p:nvSpPr>
-        <p:spPr>
-          <a:xfrm>
-            <a:off x="5598088" y="2063691"/>
-            <a:ext cx="333746" cy="400110"/>
-          </a:xfrm>
-          <a:prstGeom prst="rect">
-            <a:avLst/>
-          </a:prstGeom>
-          <a:noFill/>
-        </p:spPr>
-        <p:txBody>
-          <a:bodyPr wrap="none" rtlCol="0">
-            <a:spAutoFit/>
-          </a:bodyPr>
-          <a:lstStyle/>
-          <a:p>
-            <a:r>
-              <a:rPr lang="en-US" altLang="ko-KR" sz="2000" b="1" dirty="0"/>
-              <a:t>5</a:t>
-            </a:r>
-            <a:endParaRPr lang="ko-KR" altLang="en-US" sz="2000" b="1" dirty="0"/>
-          </a:p>
-        </p:txBody>
-      </p:sp>
-      <p:cxnSp>
-        <p:nvCxnSpPr>
-          <p:cNvPr id="79" name="직선 연결선 78">
-            <a:extLst>
-              <a:ext uri="{FF2B5EF4-FFF2-40B4-BE49-F238E27FC236}">
-                <a16:creationId xmlns:a16="http://schemas.microsoft.com/office/drawing/2014/main" id="{42A24F04-AC2E-46B0-AB70-062A8A27924D}"/>
-              </a:ext>
-            </a:extLst>
-          </p:cNvPr>
-          <p:cNvCxnSpPr>
-            <a:cxnSpLocks/>
-            <a:stCxn id="45" idx="4"/>
-            <a:endCxn id="40" idx="0"/>
-          </p:cNvCxnSpPr>
-          <p:nvPr/>
-        </p:nvCxnSpPr>
-        <p:spPr>
-          <a:xfrm flipH="1">
-            <a:off x="4078847" y="2243158"/>
-            <a:ext cx="952332" cy="1473850"/>
-          </a:xfrm>
-          <a:prstGeom prst="line">
-            <a:avLst/>
-          </a:prstGeom>
-          <a:ln w="19050">
-            <a:solidFill>
-              <a:schemeClr val="accent1"/>
-            </a:solidFill>
-          </a:ln>
-        </p:spPr>
-        <p:style>
-          <a:lnRef idx="1">
-            <a:schemeClr val="dk1"/>
-          </a:lnRef>
-          <a:fillRef idx="0">
-            <a:schemeClr val="dk1"/>
-          </a:fillRef>
-          <a:effectRef idx="0">
-            <a:schemeClr val="dk1"/>
-          </a:effectRef>
-          <a:fontRef idx="minor">
-            <a:schemeClr val="tx1"/>
-          </a:fontRef>
-        </p:style>
-      </p:cxnSp>
-      <p:sp>
-        <p:nvSpPr>
-          <p:cNvPr id="80" name="TextBox 79">
-            <a:extLst>
-              <a:ext uri="{FF2B5EF4-FFF2-40B4-BE49-F238E27FC236}">
-                <a16:creationId xmlns:a16="http://schemas.microsoft.com/office/drawing/2014/main" id="{11674934-5386-4C27-95C9-0220AA1E0173}"/>
-              </a:ext>
-            </a:extLst>
-          </p:cNvPr>
-          <p:cNvSpPr txBox="1"/>
-          <p:nvPr/>
-        </p:nvSpPr>
-        <p:spPr>
-          <a:xfrm>
-            <a:off x="4281090" y="2553290"/>
-            <a:ext cx="333746" cy="400110"/>
-          </a:xfrm>
-          <a:prstGeom prst="rect">
-            <a:avLst/>
-          </a:prstGeom>
-          <a:noFill/>
-        </p:spPr>
-        <p:txBody>
-          <a:bodyPr wrap="none" rtlCol="0">
-            <a:spAutoFit/>
-          </a:bodyPr>
-          <a:lstStyle/>
-          <a:p>
-            <a:r>
-              <a:rPr lang="en-US" altLang="ko-KR" sz="2000" b="1" dirty="0"/>
-              <a:t>1</a:t>
-            </a:r>
-            <a:endParaRPr lang="ko-KR" altLang="en-US" sz="2000" b="1" dirty="0"/>
-          </a:p>
-        </p:txBody>
-      </p:sp>
-      <p:cxnSp>
-        <p:nvCxnSpPr>
-          <p:cNvPr id="82" name="직선 연결선 81">
-            <a:extLst>
-              <a:ext uri="{FF2B5EF4-FFF2-40B4-BE49-F238E27FC236}">
-                <a16:creationId xmlns:a16="http://schemas.microsoft.com/office/drawing/2014/main" id="{5E813276-54C2-4118-B8BF-B52054892B48}"/>
-              </a:ext>
-            </a:extLst>
-          </p:cNvPr>
-          <p:cNvCxnSpPr>
-            <a:cxnSpLocks/>
-            <a:stCxn id="45" idx="2"/>
-            <a:endCxn id="41" idx="6"/>
-          </p:cNvCxnSpPr>
-          <p:nvPr/>
-        </p:nvCxnSpPr>
-        <p:spPr>
-          <a:xfrm flipH="1">
-            <a:off x="1271260" y="1874042"/>
-            <a:ext cx="3390803" cy="769514"/>
-          </a:xfrm>
-          <a:prstGeom prst="line">
-            <a:avLst/>
-          </a:prstGeom>
-          <a:ln w="19050">
-            <a:solidFill>
-              <a:schemeClr val="accent1"/>
-            </a:solidFill>
-          </a:ln>
-        </p:spPr>
-        <p:style>
-          <a:lnRef idx="1">
-            <a:schemeClr val="dk1"/>
-          </a:lnRef>
-          <a:fillRef idx="0">
-            <a:schemeClr val="dk1"/>
-          </a:fillRef>
-          <a:effectRef idx="0">
-            <a:schemeClr val="dk1"/>
-          </a:effectRef>
-          <a:fontRef idx="minor">
-            <a:schemeClr val="tx1"/>
-          </a:fontRef>
-        </p:style>
-      </p:cxnSp>
-      <p:sp>
-        <p:nvSpPr>
-          <p:cNvPr id="84" name="TextBox 83">
-            <a:extLst>
-              <a:ext uri="{FF2B5EF4-FFF2-40B4-BE49-F238E27FC236}">
-                <a16:creationId xmlns:a16="http://schemas.microsoft.com/office/drawing/2014/main" id="{947987B9-EFB3-469B-A17F-AC1FD0E6189F}"/>
-              </a:ext>
-            </a:extLst>
-          </p:cNvPr>
-          <p:cNvSpPr txBox="1"/>
-          <p:nvPr/>
-        </p:nvSpPr>
-        <p:spPr>
-          <a:xfrm>
-            <a:off x="2188255" y="2079558"/>
-            <a:ext cx="333746" cy="400110"/>
-          </a:xfrm>
-          <a:prstGeom prst="rect">
-            <a:avLst/>
-          </a:prstGeom>
-          <a:noFill/>
-        </p:spPr>
-        <p:txBody>
-          <a:bodyPr wrap="none" rtlCol="0">
-            <a:spAutoFit/>
-          </a:bodyPr>
-          <a:lstStyle/>
-          <a:p>
-            <a:r>
-              <a:rPr lang="en-US" altLang="ko-KR" sz="2000" b="1" dirty="0"/>
-              <a:t>1</a:t>
-            </a:r>
-            <a:endParaRPr lang="ko-KR" altLang="en-US" sz="2000" b="1" dirty="0"/>
-          </a:p>
-        </p:txBody>
-      </p:sp>
-      <p:cxnSp>
-        <p:nvCxnSpPr>
-          <p:cNvPr id="87" name="직선 연결선 86">
-            <a:extLst>
-              <a:ext uri="{FF2B5EF4-FFF2-40B4-BE49-F238E27FC236}">
-                <a16:creationId xmlns:a16="http://schemas.microsoft.com/office/drawing/2014/main" id="{9AE74C1F-823E-425A-BB5F-D3AF7AB3E0C3}"/>
-              </a:ext>
-            </a:extLst>
-          </p:cNvPr>
-          <p:cNvCxnSpPr>
-            <a:cxnSpLocks/>
-            <a:stCxn id="41" idx="4"/>
-            <a:endCxn id="42" idx="0"/>
-          </p:cNvCxnSpPr>
-          <p:nvPr/>
-        </p:nvCxnSpPr>
-        <p:spPr>
-          <a:xfrm>
-            <a:off x="902144" y="3012672"/>
-            <a:ext cx="297758" cy="1580185"/>
-          </a:xfrm>
-          <a:prstGeom prst="line">
-            <a:avLst/>
-          </a:prstGeom>
-          <a:ln w="19050">
-            <a:solidFill>
-              <a:srgbClr val="FF0000"/>
-            </a:solidFill>
-          </a:ln>
-        </p:spPr>
-        <p:style>
-          <a:lnRef idx="1">
-            <a:schemeClr val="dk1"/>
-          </a:lnRef>
-          <a:fillRef idx="0">
-            <a:schemeClr val="dk1"/>
-          </a:fillRef>
-          <a:effectRef idx="0">
-            <a:schemeClr val="dk1"/>
-          </a:effectRef>
-          <a:fontRef idx="minor">
-            <a:schemeClr val="tx1"/>
-          </a:fontRef>
-        </p:style>
-      </p:cxnSp>
-      <p:sp>
-        <p:nvSpPr>
-          <p:cNvPr id="90" name="TextBox 89">
-            <a:extLst>
-              <a:ext uri="{FF2B5EF4-FFF2-40B4-BE49-F238E27FC236}">
-                <a16:creationId xmlns:a16="http://schemas.microsoft.com/office/drawing/2014/main" id="{E724D7C4-36F3-4EFF-8964-F50A08488635}"/>
-              </a:ext>
-            </a:extLst>
-          </p:cNvPr>
-          <p:cNvSpPr txBox="1"/>
-          <p:nvPr/>
-        </p:nvSpPr>
-        <p:spPr>
-          <a:xfrm>
-            <a:off x="730029" y="3550849"/>
-            <a:ext cx="333746" cy="400110"/>
-          </a:xfrm>
-          <a:prstGeom prst="rect">
-            <a:avLst/>
-          </a:prstGeom>
-          <a:noFill/>
-        </p:spPr>
-        <p:txBody>
-          <a:bodyPr wrap="none" rtlCol="0">
-            <a:spAutoFit/>
-          </a:bodyPr>
-          <a:lstStyle/>
-          <a:p>
-            <a:r>
-              <a:rPr lang="en-US" altLang="ko-KR" sz="2000" b="1" dirty="0"/>
-              <a:t>7</a:t>
-            </a:r>
-            <a:endParaRPr lang="ko-KR" altLang="en-US" sz="2000" b="1" dirty="0"/>
-          </a:p>
-        </p:txBody>
-      </p:sp>
-      <p:cxnSp>
-        <p:nvCxnSpPr>
-          <p:cNvPr id="91" name="직선 연결선 90">
-            <a:extLst>
-              <a:ext uri="{FF2B5EF4-FFF2-40B4-BE49-F238E27FC236}">
-                <a16:creationId xmlns:a16="http://schemas.microsoft.com/office/drawing/2014/main" id="{DE208261-0993-47FA-A256-6E2F84BAB948}"/>
-              </a:ext>
-            </a:extLst>
-          </p:cNvPr>
-          <p:cNvCxnSpPr>
-            <a:cxnSpLocks/>
-            <a:stCxn id="40" idx="2"/>
-            <a:endCxn id="42" idx="6"/>
-          </p:cNvCxnSpPr>
-          <p:nvPr/>
-        </p:nvCxnSpPr>
-        <p:spPr>
-          <a:xfrm flipH="1">
-            <a:off x="1569018" y="4086124"/>
-            <a:ext cx="2140713" cy="875849"/>
-          </a:xfrm>
-          <a:prstGeom prst="line">
-            <a:avLst/>
-          </a:prstGeom>
-          <a:ln w="19050">
-            <a:solidFill>
-              <a:schemeClr val="accent1"/>
-            </a:solidFill>
-          </a:ln>
-        </p:spPr>
-        <p:style>
-          <a:lnRef idx="1">
-            <a:schemeClr val="dk1"/>
-          </a:lnRef>
-          <a:fillRef idx="0">
-            <a:schemeClr val="dk1"/>
-          </a:fillRef>
-          <a:effectRef idx="0">
-            <a:schemeClr val="dk1"/>
-          </a:effectRef>
-          <a:fontRef idx="minor">
-            <a:schemeClr val="tx1"/>
-          </a:fontRef>
-        </p:style>
-      </p:cxnSp>
-      <p:sp>
-        <p:nvSpPr>
-          <p:cNvPr id="94" name="TextBox 93">
-            <a:extLst>
-              <a:ext uri="{FF2B5EF4-FFF2-40B4-BE49-F238E27FC236}">
-                <a16:creationId xmlns:a16="http://schemas.microsoft.com/office/drawing/2014/main" id="{ED30EDBE-0EC9-4DC0-B116-9256590DF3D8}"/>
-              </a:ext>
-            </a:extLst>
-          </p:cNvPr>
-          <p:cNvSpPr txBox="1"/>
-          <p:nvPr/>
-        </p:nvSpPr>
-        <p:spPr>
-          <a:xfrm>
-            <a:off x="2636687" y="4546366"/>
-            <a:ext cx="333746" cy="400110"/>
-          </a:xfrm>
-          <a:prstGeom prst="rect">
-            <a:avLst/>
-          </a:prstGeom>
-          <a:noFill/>
-        </p:spPr>
-        <p:txBody>
-          <a:bodyPr wrap="none" rtlCol="0">
-            <a:spAutoFit/>
-          </a:bodyPr>
-          <a:lstStyle/>
-          <a:p>
-            <a:r>
-              <a:rPr lang="en-US" altLang="ko-KR" sz="2000" b="1" dirty="0"/>
-              <a:t>3</a:t>
-            </a:r>
-            <a:endParaRPr lang="ko-KR" altLang="en-US" sz="2000" b="1" dirty="0"/>
-          </a:p>
-        </p:txBody>
-      </p:sp>
-      <p:cxnSp>
-        <p:nvCxnSpPr>
-          <p:cNvPr id="95" name="직선 연결선 94">
-            <a:extLst>
-              <a:ext uri="{FF2B5EF4-FFF2-40B4-BE49-F238E27FC236}">
-                <a16:creationId xmlns:a16="http://schemas.microsoft.com/office/drawing/2014/main" id="{5BF3D6FF-6111-4E58-B48B-A778DB0B89B6}"/>
-              </a:ext>
-            </a:extLst>
-          </p:cNvPr>
-          <p:cNvCxnSpPr>
-            <a:cxnSpLocks/>
-            <a:stCxn id="40" idx="1"/>
-            <a:endCxn id="41" idx="5"/>
-          </p:cNvCxnSpPr>
-          <p:nvPr/>
-        </p:nvCxnSpPr>
-        <p:spPr>
-          <a:xfrm flipH="1" flipV="1">
-            <a:off x="1163148" y="2904560"/>
-            <a:ext cx="2654695" cy="920560"/>
-          </a:xfrm>
-          <a:prstGeom prst="line">
-            <a:avLst/>
-          </a:prstGeom>
-          <a:ln w="19050">
-            <a:solidFill>
-              <a:srgbClr val="FF0000"/>
-            </a:solidFill>
-          </a:ln>
-        </p:spPr>
-        <p:style>
-          <a:lnRef idx="1">
-            <a:schemeClr val="dk1"/>
-          </a:lnRef>
-          <a:fillRef idx="0">
-            <a:schemeClr val="dk1"/>
-          </a:fillRef>
-          <a:effectRef idx="0">
-            <a:schemeClr val="dk1"/>
-          </a:effectRef>
-          <a:fontRef idx="minor">
-            <a:schemeClr val="tx1"/>
-          </a:fontRef>
-        </p:style>
-      </p:cxnSp>
-      <p:sp>
-        <p:nvSpPr>
-          <p:cNvPr id="98" name="TextBox 97">
-            <a:extLst>
-              <a:ext uri="{FF2B5EF4-FFF2-40B4-BE49-F238E27FC236}">
-                <a16:creationId xmlns:a16="http://schemas.microsoft.com/office/drawing/2014/main" id="{C310A4B6-60B1-4084-8854-2B811AD69C9A}"/>
-              </a:ext>
-            </a:extLst>
-          </p:cNvPr>
-          <p:cNvSpPr txBox="1"/>
-          <p:nvPr/>
-        </p:nvSpPr>
-        <p:spPr>
-          <a:xfrm>
-            <a:off x="2456977" y="3028890"/>
-            <a:ext cx="333746" cy="400110"/>
-          </a:xfrm>
-          <a:prstGeom prst="rect">
-            <a:avLst/>
-          </a:prstGeom>
-          <a:noFill/>
-        </p:spPr>
-        <p:txBody>
-          <a:bodyPr wrap="none" rtlCol="0">
-            <a:spAutoFit/>
-          </a:bodyPr>
-          <a:lstStyle/>
-          <a:p>
-            <a:r>
-              <a:rPr lang="en-US" altLang="ko-KR" sz="2000" b="1" dirty="0"/>
-              <a:t>6</a:t>
-            </a:r>
-            <a:endParaRPr lang="ko-KR" altLang="en-US" sz="2000" b="1" dirty="0"/>
-          </a:p>
-        </p:txBody>
-      </p:sp>
-      <p:cxnSp>
-        <p:nvCxnSpPr>
-          <p:cNvPr id="99" name="직선 연결선 98">
-            <a:extLst>
-              <a:ext uri="{FF2B5EF4-FFF2-40B4-BE49-F238E27FC236}">
-                <a16:creationId xmlns:a16="http://schemas.microsoft.com/office/drawing/2014/main" id="{A2BEAC9E-2F8C-4B9F-8610-AD389EBBA6B0}"/>
-              </a:ext>
-            </a:extLst>
-          </p:cNvPr>
-          <p:cNvCxnSpPr>
-            <a:cxnSpLocks/>
-            <a:stCxn id="40" idx="5"/>
-            <a:endCxn id="37" idx="1"/>
-          </p:cNvCxnSpPr>
-          <p:nvPr/>
-        </p:nvCxnSpPr>
-        <p:spPr>
-          <a:xfrm>
-            <a:off x="4339851" y="4347128"/>
-            <a:ext cx="927050" cy="1245637"/>
-          </a:xfrm>
-          <a:prstGeom prst="line">
-            <a:avLst/>
-          </a:prstGeom>
-          <a:ln w="19050">
-            <a:solidFill>
-              <a:srgbClr val="FF0000"/>
-            </a:solidFill>
-          </a:ln>
-        </p:spPr>
-        <p:style>
-          <a:lnRef idx="1">
-            <a:schemeClr val="dk1"/>
-          </a:lnRef>
-          <a:fillRef idx="0">
-            <a:schemeClr val="dk1"/>
-          </a:fillRef>
-          <a:effectRef idx="0">
-            <a:schemeClr val="dk1"/>
-          </a:effectRef>
-          <a:fontRef idx="minor">
-            <a:schemeClr val="tx1"/>
-          </a:fontRef>
-        </p:style>
-      </p:cxnSp>
-      <p:sp>
-        <p:nvSpPr>
-          <p:cNvPr id="106" name="TextBox 105">
-            <a:extLst>
-              <a:ext uri="{FF2B5EF4-FFF2-40B4-BE49-F238E27FC236}">
-                <a16:creationId xmlns:a16="http://schemas.microsoft.com/office/drawing/2014/main" id="{97AAF8C7-8CED-442F-93B6-368F7AFFDE4F}"/>
-              </a:ext>
-            </a:extLst>
-          </p:cNvPr>
-          <p:cNvSpPr txBox="1"/>
-          <p:nvPr/>
-        </p:nvSpPr>
-        <p:spPr>
-          <a:xfrm>
-            <a:off x="4910872" y="4814555"/>
-            <a:ext cx="333746" cy="400110"/>
-          </a:xfrm>
-          <a:prstGeom prst="rect">
-            <a:avLst/>
-          </a:prstGeom>
-          <a:noFill/>
-        </p:spPr>
-        <p:txBody>
-          <a:bodyPr wrap="none" rtlCol="0">
-            <a:spAutoFit/>
-          </a:bodyPr>
-          <a:lstStyle/>
-          <a:p>
-            <a:r>
-              <a:rPr lang="en-US" altLang="ko-KR" sz="2000" b="1" dirty="0"/>
-              <a:t>8</a:t>
-            </a:r>
-            <a:endParaRPr lang="ko-KR" altLang="en-US" sz="2000" b="1" dirty="0"/>
-          </a:p>
-        </p:txBody>
-      </p:sp>
-      <p:cxnSp>
-        <p:nvCxnSpPr>
-          <p:cNvPr id="107" name="직선 연결선 106">
-            <a:extLst>
-              <a:ext uri="{FF2B5EF4-FFF2-40B4-BE49-F238E27FC236}">
-                <a16:creationId xmlns:a16="http://schemas.microsoft.com/office/drawing/2014/main" id="{F7F71FE2-29DC-4815-A0A4-074C506BB4EC}"/>
-              </a:ext>
-            </a:extLst>
-          </p:cNvPr>
-          <p:cNvCxnSpPr>
-            <a:cxnSpLocks/>
-            <a:stCxn id="39" idx="2"/>
-            <a:endCxn id="40" idx="6"/>
-          </p:cNvCxnSpPr>
-          <p:nvPr/>
-        </p:nvCxnSpPr>
-        <p:spPr>
-          <a:xfrm flipH="1">
-            <a:off x="4447963" y="3717008"/>
-            <a:ext cx="3183273" cy="369116"/>
-          </a:xfrm>
-          <a:prstGeom prst="line">
-            <a:avLst/>
-          </a:prstGeom>
-          <a:ln w="19050">
-            <a:solidFill>
-              <a:schemeClr val="accent1"/>
-            </a:solidFill>
-          </a:ln>
-        </p:spPr>
-        <p:style>
-          <a:lnRef idx="1">
-            <a:schemeClr val="dk1"/>
-          </a:lnRef>
-          <a:fillRef idx="0">
-            <a:schemeClr val="dk1"/>
-          </a:fillRef>
-          <a:effectRef idx="0">
-            <a:schemeClr val="dk1"/>
-          </a:effectRef>
-          <a:fontRef idx="minor">
-            <a:schemeClr val="tx1"/>
-          </a:fontRef>
-        </p:style>
-      </p:cxnSp>
-      <p:sp>
-        <p:nvSpPr>
-          <p:cNvPr id="109" name="TextBox 108">
-            <a:extLst>
-              <a:ext uri="{FF2B5EF4-FFF2-40B4-BE49-F238E27FC236}">
-                <a16:creationId xmlns:a16="http://schemas.microsoft.com/office/drawing/2014/main" id="{E2036754-03A8-46BC-BAE5-7085058DBF8F}"/>
-              </a:ext>
-            </a:extLst>
-          </p:cNvPr>
-          <p:cNvSpPr txBox="1"/>
-          <p:nvPr/>
-        </p:nvSpPr>
-        <p:spPr>
-          <a:xfrm>
-            <a:off x="6090197" y="3516953"/>
-            <a:ext cx="333746" cy="400110"/>
-          </a:xfrm>
-          <a:prstGeom prst="rect">
-            <a:avLst/>
-          </a:prstGeom>
-          <a:noFill/>
-        </p:spPr>
-        <p:txBody>
-          <a:bodyPr wrap="none" rtlCol="0">
-            <a:spAutoFit/>
-          </a:bodyPr>
-          <a:lstStyle/>
-          <a:p>
-            <a:r>
-              <a:rPr lang="en-US" altLang="ko-KR" sz="2000" b="1" dirty="0"/>
-              <a:t>4</a:t>
-            </a:r>
-            <a:endParaRPr lang="ko-KR" altLang="en-US" sz="2000" b="1" dirty="0"/>
-          </a:p>
-        </p:txBody>
-      </p:sp>
-      <p:cxnSp>
-        <p:nvCxnSpPr>
-          <p:cNvPr id="111" name="직선 연결선 110">
-            <a:extLst>
-              <a:ext uri="{FF2B5EF4-FFF2-40B4-BE49-F238E27FC236}">
-                <a16:creationId xmlns:a16="http://schemas.microsoft.com/office/drawing/2014/main" id="{56A2A278-FBDB-434D-AA02-204C985702E3}"/>
-              </a:ext>
-            </a:extLst>
-          </p:cNvPr>
-          <p:cNvCxnSpPr>
-            <a:cxnSpLocks/>
-            <a:endCxn id="39" idx="4"/>
-          </p:cNvCxnSpPr>
-          <p:nvPr/>
-        </p:nvCxnSpPr>
-        <p:spPr>
-          <a:xfrm flipV="1">
-            <a:off x="7850312" y="4086124"/>
-            <a:ext cx="150040" cy="1244965"/>
-          </a:xfrm>
-          <a:prstGeom prst="line">
-            <a:avLst/>
-          </a:prstGeom>
-          <a:ln w="19050">
-            <a:solidFill>
-              <a:srgbClr val="FF0000"/>
-            </a:solidFill>
-          </a:ln>
-        </p:spPr>
-        <p:style>
-          <a:lnRef idx="1">
-            <a:schemeClr val="dk1"/>
-          </a:lnRef>
-          <a:fillRef idx="0">
-            <a:schemeClr val="dk1"/>
-          </a:fillRef>
-          <a:effectRef idx="0">
-            <a:schemeClr val="dk1"/>
-          </a:effectRef>
-          <a:fontRef idx="minor">
-            <a:schemeClr val="tx1"/>
-          </a:fontRef>
-        </p:style>
-      </p:cxnSp>
-      <p:sp>
-        <p:nvSpPr>
-          <p:cNvPr id="114" name="TextBox 113">
-            <a:extLst>
-              <a:ext uri="{FF2B5EF4-FFF2-40B4-BE49-F238E27FC236}">
-                <a16:creationId xmlns:a16="http://schemas.microsoft.com/office/drawing/2014/main" id="{E19B70C5-FEA4-48AA-A99C-94C3CD6EC260}"/>
-              </a:ext>
-            </a:extLst>
-          </p:cNvPr>
-          <p:cNvSpPr txBox="1"/>
-          <p:nvPr/>
-        </p:nvSpPr>
-        <p:spPr>
-          <a:xfrm>
-            <a:off x="7925332" y="4424246"/>
-            <a:ext cx="333746" cy="400110"/>
-          </a:xfrm>
-          <a:prstGeom prst="rect">
-            <a:avLst/>
-          </a:prstGeom>
-          <a:noFill/>
-        </p:spPr>
-        <p:txBody>
-          <a:bodyPr wrap="none" rtlCol="0">
-            <a:spAutoFit/>
-          </a:bodyPr>
-          <a:lstStyle/>
-          <a:p>
-            <a:r>
-              <a:rPr lang="en-US" altLang="ko-KR" sz="2000" b="1" dirty="0"/>
-              <a:t>6</a:t>
-            </a:r>
-            <a:endParaRPr lang="ko-KR" altLang="en-US" sz="2000" b="1" dirty="0"/>
-          </a:p>
-        </p:txBody>
-      </p:sp>
-      <p:cxnSp>
-        <p:nvCxnSpPr>
-          <p:cNvPr id="115" name="직선 연결선 114">
-            <a:extLst>
-              <a:ext uri="{FF2B5EF4-FFF2-40B4-BE49-F238E27FC236}">
-                <a16:creationId xmlns:a16="http://schemas.microsoft.com/office/drawing/2014/main" id="{E0AA0AED-CE95-4BFB-B94D-09ECFFD0DA3F}"/>
-              </a:ext>
-            </a:extLst>
-          </p:cNvPr>
-          <p:cNvCxnSpPr>
-            <a:cxnSpLocks/>
-            <a:stCxn id="39" idx="3"/>
-            <a:endCxn id="37" idx="7"/>
-          </p:cNvCxnSpPr>
-          <p:nvPr/>
-        </p:nvCxnSpPr>
-        <p:spPr>
-          <a:xfrm flipH="1">
-            <a:off x="5788909" y="3978012"/>
-            <a:ext cx="1950439" cy="1614753"/>
-          </a:xfrm>
-          <a:prstGeom prst="line">
-            <a:avLst/>
-          </a:prstGeom>
-          <a:ln w="19050">
-            <a:solidFill>
-              <a:schemeClr val="accent1"/>
-            </a:solidFill>
-          </a:ln>
-        </p:spPr>
-        <p:style>
-          <a:lnRef idx="1">
-            <a:schemeClr val="dk1"/>
-          </a:lnRef>
-          <a:fillRef idx="0">
-            <a:schemeClr val="dk1"/>
-          </a:fillRef>
-          <a:effectRef idx="0">
-            <a:schemeClr val="dk1"/>
-          </a:effectRef>
-          <a:fontRef idx="minor">
-            <a:schemeClr val="tx1"/>
-          </a:fontRef>
-        </p:style>
-      </p:cxnSp>
-      <p:sp>
-        <p:nvSpPr>
-          <p:cNvPr id="118" name="TextBox 117">
-            <a:extLst>
-              <a:ext uri="{FF2B5EF4-FFF2-40B4-BE49-F238E27FC236}">
-                <a16:creationId xmlns:a16="http://schemas.microsoft.com/office/drawing/2014/main" id="{88CAF66B-A2AD-45F1-BFB9-835672B84F9C}"/>
-              </a:ext>
-            </a:extLst>
-          </p:cNvPr>
-          <p:cNvSpPr txBox="1"/>
-          <p:nvPr/>
-        </p:nvSpPr>
-        <p:spPr>
-          <a:xfrm>
-            <a:off x="6639482" y="4347128"/>
-            <a:ext cx="333746" cy="400110"/>
-          </a:xfrm>
-          <a:prstGeom prst="rect">
-            <a:avLst/>
-          </a:prstGeom>
-          <a:noFill/>
-        </p:spPr>
-        <p:txBody>
-          <a:bodyPr wrap="none" rtlCol="0">
-            <a:spAutoFit/>
-          </a:bodyPr>
-          <a:lstStyle/>
-          <a:p>
-            <a:r>
-              <a:rPr lang="en-US" altLang="ko-KR" sz="2000" b="1" dirty="0"/>
-              <a:t>2</a:t>
-            </a:r>
-            <a:endParaRPr lang="ko-KR" altLang="en-US" sz="2000" b="1" dirty="0"/>
-          </a:p>
-        </p:txBody>
-      </p:sp>
-      <p:cxnSp>
-        <p:nvCxnSpPr>
-          <p:cNvPr id="119" name="직선 연결선 118">
-            <a:extLst>
-              <a:ext uri="{FF2B5EF4-FFF2-40B4-BE49-F238E27FC236}">
-                <a16:creationId xmlns:a16="http://schemas.microsoft.com/office/drawing/2014/main" id="{57E86028-0815-4B9C-9CAE-3A07CCBB97DE}"/>
-              </a:ext>
-            </a:extLst>
-          </p:cNvPr>
-          <p:cNvCxnSpPr>
-            <a:cxnSpLocks/>
-            <a:stCxn id="38" idx="6"/>
-            <a:endCxn id="37" idx="2"/>
-          </p:cNvCxnSpPr>
-          <p:nvPr/>
-        </p:nvCxnSpPr>
-        <p:spPr>
-          <a:xfrm flipV="1">
-            <a:off x="3374919" y="5853769"/>
-            <a:ext cx="1783870" cy="202507"/>
-          </a:xfrm>
-          <a:prstGeom prst="line">
-            <a:avLst/>
-          </a:prstGeom>
-          <a:ln w="19050">
-            <a:solidFill>
-              <a:srgbClr val="FF0000"/>
-            </a:solidFill>
-          </a:ln>
-        </p:spPr>
-        <p:style>
-          <a:lnRef idx="1">
-            <a:schemeClr val="dk1"/>
-          </a:lnRef>
-          <a:fillRef idx="0">
-            <a:schemeClr val="dk1"/>
-          </a:fillRef>
-          <a:effectRef idx="0">
-            <a:schemeClr val="dk1"/>
-          </a:effectRef>
-          <a:fontRef idx="minor">
-            <a:schemeClr val="tx1"/>
-          </a:fontRef>
-        </p:style>
-      </p:cxnSp>
-      <p:sp>
-        <p:nvSpPr>
-          <p:cNvPr id="122" name="TextBox 121">
-            <a:extLst>
-              <a:ext uri="{FF2B5EF4-FFF2-40B4-BE49-F238E27FC236}">
-                <a16:creationId xmlns:a16="http://schemas.microsoft.com/office/drawing/2014/main" id="{66A7EE28-B665-4789-B841-D35DC33CF81D}"/>
-              </a:ext>
-            </a:extLst>
-          </p:cNvPr>
-          <p:cNvSpPr txBox="1"/>
-          <p:nvPr/>
-        </p:nvSpPr>
-        <p:spPr>
-          <a:xfrm>
-            <a:off x="4046316" y="5584792"/>
-            <a:ext cx="333746" cy="400110"/>
-          </a:xfrm>
-          <a:prstGeom prst="rect">
-            <a:avLst/>
-          </a:prstGeom>
-          <a:noFill/>
-        </p:spPr>
-        <p:txBody>
-          <a:bodyPr wrap="none" rtlCol="0">
-            <a:spAutoFit/>
-          </a:bodyPr>
-          <a:lstStyle/>
-          <a:p>
-            <a:r>
-              <a:rPr lang="en-US" altLang="ko-KR" sz="2000" b="1" dirty="0"/>
-              <a:t>4</a:t>
-            </a:r>
-            <a:endParaRPr lang="ko-KR" altLang="en-US" sz="2000" b="1" dirty="0"/>
-          </a:p>
-        </p:txBody>
-      </p:sp>
-      <p:cxnSp>
-        <p:nvCxnSpPr>
-          <p:cNvPr id="123" name="직선 연결선 122">
-            <a:extLst>
-              <a:ext uri="{FF2B5EF4-FFF2-40B4-BE49-F238E27FC236}">
-                <a16:creationId xmlns:a16="http://schemas.microsoft.com/office/drawing/2014/main" id="{07B2BE3B-3757-4C7F-BD1C-3C9795866A1C}"/>
-              </a:ext>
-            </a:extLst>
-          </p:cNvPr>
-          <p:cNvCxnSpPr>
-            <a:cxnSpLocks/>
-            <a:stCxn id="38" idx="2"/>
-            <a:endCxn id="42" idx="5"/>
-          </p:cNvCxnSpPr>
-          <p:nvPr/>
-        </p:nvCxnSpPr>
-        <p:spPr>
-          <a:xfrm flipH="1" flipV="1">
-            <a:off x="1460906" y="5222977"/>
-            <a:ext cx="1175781" cy="833299"/>
-          </a:xfrm>
-          <a:prstGeom prst="line">
-            <a:avLst/>
-          </a:prstGeom>
-          <a:ln w="19050">
-            <a:solidFill>
-              <a:schemeClr val="accent1"/>
-            </a:solidFill>
-          </a:ln>
-        </p:spPr>
-        <p:style>
-          <a:lnRef idx="1">
-            <a:schemeClr val="dk1"/>
-          </a:lnRef>
-          <a:fillRef idx="0">
-            <a:schemeClr val="dk1"/>
-          </a:fillRef>
-          <a:effectRef idx="0">
-            <a:schemeClr val="dk1"/>
-          </a:effectRef>
-          <a:fontRef idx="minor">
-            <a:schemeClr val="tx1"/>
-          </a:fontRef>
-        </p:style>
-      </p:cxnSp>
-      <p:sp>
-        <p:nvSpPr>
-          <p:cNvPr id="126" name="TextBox 125">
-            <a:extLst>
-              <a:ext uri="{FF2B5EF4-FFF2-40B4-BE49-F238E27FC236}">
-                <a16:creationId xmlns:a16="http://schemas.microsoft.com/office/drawing/2014/main" id="{CF8D4DD4-F707-4B02-8171-DB786718DB83}"/>
-              </a:ext>
-            </a:extLst>
-          </p:cNvPr>
-          <p:cNvSpPr txBox="1"/>
-          <p:nvPr/>
-        </p:nvSpPr>
-        <p:spPr>
-          <a:xfrm>
-            <a:off x="2166513" y="5439571"/>
-            <a:ext cx="333746" cy="400110"/>
-          </a:xfrm>
-          <a:prstGeom prst="rect">
-            <a:avLst/>
-          </a:prstGeom>
-          <a:noFill/>
-        </p:spPr>
-        <p:txBody>
-          <a:bodyPr wrap="none" rtlCol="0">
-            <a:spAutoFit/>
-          </a:bodyPr>
-          <a:lstStyle/>
-          <a:p>
-            <a:r>
-              <a:rPr lang="en-US" altLang="ko-KR" sz="2000" b="1" dirty="0"/>
-              <a:t>5</a:t>
-            </a:r>
-            <a:endParaRPr lang="ko-KR" altLang="en-US" sz="2000" b="1" dirty="0"/>
-          </a:p>
-        </p:txBody>
-      </p:sp>
-      <p:cxnSp>
-        <p:nvCxnSpPr>
-          <p:cNvPr id="127" name="직선 연결선 126">
-            <a:extLst>
-              <a:ext uri="{FF2B5EF4-FFF2-40B4-BE49-F238E27FC236}">
-                <a16:creationId xmlns:a16="http://schemas.microsoft.com/office/drawing/2014/main" id="{0E84CF61-A3BE-4A07-AB83-A27E1B41BAD9}"/>
-              </a:ext>
-            </a:extLst>
-          </p:cNvPr>
-          <p:cNvCxnSpPr>
-            <a:cxnSpLocks/>
-            <a:stCxn id="71" idx="2"/>
-            <a:endCxn id="37" idx="6"/>
-          </p:cNvCxnSpPr>
-          <p:nvPr/>
-        </p:nvCxnSpPr>
-        <p:spPr>
-          <a:xfrm flipH="1">
-            <a:off x="5897021" y="5739458"/>
-            <a:ext cx="1557455" cy="114311"/>
-          </a:xfrm>
-          <a:prstGeom prst="line">
-            <a:avLst/>
-          </a:prstGeom>
-          <a:ln w="19050">
-            <a:solidFill>
-              <a:schemeClr val="accent1"/>
-            </a:solidFill>
-          </a:ln>
-        </p:spPr>
-        <p:style>
-          <a:lnRef idx="1">
-            <a:schemeClr val="dk1"/>
-          </a:lnRef>
-          <a:fillRef idx="0">
-            <a:schemeClr val="dk1"/>
-          </a:fillRef>
-          <a:effectRef idx="0">
-            <a:schemeClr val="dk1"/>
-          </a:effectRef>
-          <a:fontRef idx="minor">
-            <a:schemeClr val="tx1"/>
-          </a:fontRef>
-        </p:style>
-      </p:cxnSp>
-      <p:sp>
-        <p:nvSpPr>
-          <p:cNvPr id="130" name="TextBox 129">
-            <a:extLst>
-              <a:ext uri="{FF2B5EF4-FFF2-40B4-BE49-F238E27FC236}">
-                <a16:creationId xmlns:a16="http://schemas.microsoft.com/office/drawing/2014/main" id="{B7BEFB64-B258-4431-9419-C880C285D728}"/>
-              </a:ext>
-            </a:extLst>
-          </p:cNvPr>
-          <p:cNvSpPr txBox="1"/>
-          <p:nvPr/>
-        </p:nvSpPr>
-        <p:spPr>
-          <a:xfrm>
-            <a:off x="6635253" y="5397524"/>
-            <a:ext cx="333746" cy="400110"/>
-          </a:xfrm>
-          <a:prstGeom prst="rect">
-            <a:avLst/>
-          </a:prstGeom>
-          <a:noFill/>
-        </p:spPr>
-        <p:txBody>
-          <a:bodyPr wrap="none" rtlCol="0">
-            <a:spAutoFit/>
-          </a:bodyPr>
-          <a:lstStyle/>
-          <a:p>
-            <a:r>
-              <a:rPr lang="en-US" altLang="ko-KR" sz="2000" b="1" dirty="0"/>
-              <a:t>3</a:t>
-            </a:r>
-            <a:endParaRPr lang="ko-KR" altLang="en-US" sz="2000" b="1" dirty="0"/>
-          </a:p>
-        </p:txBody>
-      </p:sp>
-      <p:graphicFrame>
-        <p:nvGraphicFramePr>
-          <p:cNvPr id="47" name="표 10">
-            <a:extLst>
-              <a:ext uri="{FF2B5EF4-FFF2-40B4-BE49-F238E27FC236}">
-                <a16:creationId xmlns:a16="http://schemas.microsoft.com/office/drawing/2014/main" id="{A4E7BC27-AFED-4CE6-81D9-A1D650601123}"/>
-              </a:ext>
-            </a:extLst>
-          </p:cNvPr>
-          <p:cNvGraphicFramePr>
-            <a:graphicFrameLocks noGrp="1"/>
-          </p:cNvGraphicFramePr>
-          <p:nvPr>
-            <p:extLst>
-              <p:ext uri="{D42A27DB-BD31-4B8C-83A1-F6EECF244321}">
-                <p14:modId xmlns:p14="http://schemas.microsoft.com/office/powerpoint/2010/main" val="4139804006"/>
-              </p:ext>
-            </p:extLst>
-          </p:nvPr>
-        </p:nvGraphicFramePr>
-        <p:xfrm>
-          <a:off x="9011931" y="268101"/>
-          <a:ext cx="2808057" cy="6002644"/>
-        </p:xfrm>
-        <a:graphic>
-          <a:graphicData uri="http://schemas.openxmlformats.org/drawingml/2006/table">
-            <a:tbl>
-              <a:tblPr firstRow="1" bandRow="1">
-                <a:tableStyleId>{5FD0F851-EC5A-4D38-B0AD-8093EC10F338}</a:tableStyleId>
-              </a:tblPr>
-              <a:tblGrid>
-                <a:gridCol w="937412">
-                  <a:extLst>
-                    <a:ext uri="{9D8B030D-6E8A-4147-A177-3AD203B41FA5}">
-                      <a16:colId xmlns:a16="http://schemas.microsoft.com/office/drawing/2014/main" val="1883004635"/>
-                    </a:ext>
-                  </a:extLst>
-                </a:gridCol>
-                <a:gridCol w="1028390">
-                  <a:extLst>
-                    <a:ext uri="{9D8B030D-6E8A-4147-A177-3AD203B41FA5}">
-                      <a16:colId xmlns:a16="http://schemas.microsoft.com/office/drawing/2014/main" val="108779926"/>
-                    </a:ext>
-                  </a:extLst>
-                </a:gridCol>
-                <a:gridCol w="842255">
-                  <a:extLst>
-                    <a:ext uri="{9D8B030D-6E8A-4147-A177-3AD203B41FA5}">
-                      <a16:colId xmlns:a16="http://schemas.microsoft.com/office/drawing/2014/main" val="1346243882"/>
-                    </a:ext>
-                  </a:extLst>
-                </a:gridCol>
-              </a:tblGrid>
-              <a:tr h="512524">
-                <a:tc>
-                  <a:txBody>
-                    <a:bodyPr/>
-                    <a:lstStyle/>
-                    <a:p>
-                      <a:pPr algn="ctr" latinLnBrk="1"/>
-                      <a:r>
-                        <a:rPr lang="ko-KR" altLang="en-US" dirty="0"/>
-                        <a:t>정점</a:t>
-                      </a:r>
-                    </a:p>
-                  </a:txBody>
-                  <a:tcPr anchor="ctr"/>
-                </a:tc>
-                <a:tc>
-                  <a:txBody>
-                    <a:bodyPr/>
-                    <a:lstStyle/>
-                    <a:p>
-                      <a:pPr algn="ctr"/>
-                      <a:r>
-                        <a:rPr lang="ko-KR" altLang="en-US" dirty="0"/>
-                        <a:t>거리</a:t>
-                      </a:r>
-                    </a:p>
-                  </a:txBody>
-                  <a:tcPr anchor="ctr"/>
-                </a:tc>
-                <a:tc>
-                  <a:txBody>
-                    <a:bodyPr/>
-                    <a:lstStyle/>
-                    <a:p>
-                      <a:pPr algn="ctr"/>
-                      <a:r>
-                        <a:rPr lang="ko-KR" altLang="en-US" dirty="0"/>
-                        <a:t>방문</a:t>
-                      </a:r>
-                    </a:p>
-                  </a:txBody>
-                  <a:tcPr anchor="ctr"/>
-                </a:tc>
-                <a:extLst>
-                  <a:ext uri="{0D108BD9-81ED-4DB2-BD59-A6C34878D82A}">
-                    <a16:rowId xmlns:a16="http://schemas.microsoft.com/office/drawing/2014/main" val="385464858"/>
-                  </a:ext>
-                </a:extLst>
-              </a:tr>
-              <a:tr h="549012">
-                <a:tc>
-                  <a:txBody>
-                    <a:bodyPr/>
-                    <a:lstStyle/>
-                    <a:p>
-                      <a:pPr algn="ctr"/>
-                      <a:r>
-                        <a:rPr lang="en-US" altLang="ko-KR" dirty="0"/>
-                        <a:t>10</a:t>
-                      </a:r>
-                      <a:endParaRPr lang="ko-KR" altLang="en-US" dirty="0"/>
-                    </a:p>
-                  </a:txBody>
-                  <a:tcPr anchor="ctr"/>
-                </a:tc>
-                <a:tc>
-                  <a:txBody>
-                    <a:bodyPr/>
-                    <a:lstStyle/>
-                    <a:p>
-                      <a:pPr marL="0" marR="0" lvl="0" indent="0" algn="ctr" defTabSz="914400" rtl="0" eaLnBrk="1" fontAlgn="auto" latinLnBrk="1" hangingPunct="1">
-                        <a:lnSpc>
-                          <a:spcPct val="100000"/>
-                        </a:lnSpc>
-                        <a:spcBef>
-                          <a:spcPts val="0"/>
-                        </a:spcBef>
-                        <a:spcAft>
-                          <a:spcPts val="0"/>
-                        </a:spcAft>
-                        <a:buClrTx/>
-                        <a:buSzTx/>
-                        <a:buFontTx/>
-                        <a:buNone/>
-                        <a:tabLst/>
-                        <a:defRPr/>
-                      </a:pPr>
-                      <a:r>
-                        <a:rPr lang="en-US" altLang="ko-KR" dirty="0">
-                          <a:solidFill>
-                            <a:schemeClr val="tx1"/>
-                          </a:solidFill>
-                        </a:rPr>
-                        <a:t>10</a:t>
-                      </a:r>
-                      <a:endParaRPr lang="ko-KR" altLang="en-US" dirty="0">
-                        <a:solidFill>
-                          <a:schemeClr val="tx1"/>
-                        </a:solidFill>
-                      </a:endParaRPr>
-                    </a:p>
-                  </a:txBody>
-                  <a:tcPr anchor="ctr"/>
-                </a:tc>
-                <a:tc>
-                  <a:txBody>
-                    <a:bodyPr/>
-                    <a:lstStyle/>
-                    <a:p>
-                      <a:pPr marL="0" marR="0" lvl="0" indent="0" algn="ctr" defTabSz="914400" rtl="0" eaLnBrk="1" fontAlgn="auto" latinLnBrk="1" hangingPunct="1">
-                        <a:lnSpc>
-                          <a:spcPct val="100000"/>
-                        </a:lnSpc>
-                        <a:spcBef>
-                          <a:spcPts val="0"/>
-                        </a:spcBef>
-                        <a:spcAft>
-                          <a:spcPts val="0"/>
-                        </a:spcAft>
-                        <a:buClrTx/>
-                        <a:buSzTx/>
-                        <a:buFontTx/>
-                        <a:buNone/>
-                        <a:tabLst/>
-                        <a:defRPr/>
-                      </a:pPr>
-                      <a:r>
-                        <a:rPr lang="ko-KR" altLang="en-US" dirty="0">
-                          <a:solidFill>
-                            <a:schemeClr val="tx1"/>
-                          </a:solidFill>
-                        </a:rPr>
-                        <a:t>○</a:t>
-                      </a:r>
-                    </a:p>
-                  </a:txBody>
-                  <a:tcPr anchor="ctr"/>
-                </a:tc>
-                <a:extLst>
-                  <a:ext uri="{0D108BD9-81ED-4DB2-BD59-A6C34878D82A}">
-                    <a16:rowId xmlns:a16="http://schemas.microsoft.com/office/drawing/2014/main" val="774453374"/>
-                  </a:ext>
-                </a:extLst>
-              </a:tr>
-              <a:tr h="549012">
-                <a:tc>
-                  <a:txBody>
-                    <a:bodyPr/>
-                    <a:lstStyle/>
-                    <a:p>
-                      <a:pPr algn="ctr" latinLnBrk="1"/>
-                      <a:r>
-                        <a:rPr lang="en-US" altLang="ko-KR" dirty="0"/>
-                        <a:t>9</a:t>
-                      </a:r>
-                      <a:endParaRPr lang="ko-KR" altLang="en-US" dirty="0"/>
-                    </a:p>
-                  </a:txBody>
-                  <a:tcPr anchor="ctr"/>
-                </a:tc>
-                <a:tc>
-                  <a:txBody>
-                    <a:bodyPr/>
-                    <a:lstStyle/>
-                    <a:p>
-                      <a:pPr marL="0" marR="0" lvl="0" indent="0" algn="ctr" defTabSz="914400" rtl="0" eaLnBrk="1" fontAlgn="auto" latinLnBrk="1" hangingPunct="1">
-                        <a:lnSpc>
-                          <a:spcPct val="100000"/>
-                        </a:lnSpc>
-                        <a:spcBef>
-                          <a:spcPts val="0"/>
-                        </a:spcBef>
-                        <a:spcAft>
-                          <a:spcPts val="0"/>
-                        </a:spcAft>
-                        <a:buClrTx/>
-                        <a:buSzTx/>
-                        <a:buFontTx/>
-                        <a:buNone/>
-                        <a:tabLst/>
-                        <a:defRPr/>
-                      </a:pPr>
-                      <a:r>
-                        <a:rPr lang="en-US" altLang="ko-KR" dirty="0">
-                          <a:solidFill>
-                            <a:schemeClr val="tx1"/>
-                          </a:solidFill>
-                        </a:rPr>
-                        <a:t>11</a:t>
-                      </a:r>
-                      <a:endParaRPr lang="ko-KR" altLang="en-US" dirty="0">
-                        <a:solidFill>
-                          <a:schemeClr val="tx1"/>
-                        </a:solidFill>
-                      </a:endParaRPr>
-                    </a:p>
-                  </a:txBody>
-                  <a:tcPr anchor="ctr"/>
-                </a:tc>
-                <a:tc>
-                  <a:txBody>
-                    <a:bodyPr/>
-                    <a:lstStyle/>
-                    <a:p>
-                      <a:pPr marL="0" marR="0" lvl="0" indent="0" algn="ctr" defTabSz="914400" rtl="0" eaLnBrk="1" fontAlgn="auto" latinLnBrk="1" hangingPunct="1">
-                        <a:lnSpc>
-                          <a:spcPct val="100000"/>
-                        </a:lnSpc>
-                        <a:spcBef>
-                          <a:spcPts val="0"/>
-                        </a:spcBef>
-                        <a:spcAft>
-                          <a:spcPts val="0"/>
-                        </a:spcAft>
-                        <a:buClrTx/>
-                        <a:buSzTx/>
-                        <a:buFontTx/>
-                        <a:buNone/>
-                        <a:tabLst/>
-                        <a:defRPr/>
-                      </a:pPr>
-                      <a:r>
-                        <a:rPr lang="en-US" altLang="ko-KR" dirty="0">
-                          <a:solidFill>
-                            <a:schemeClr val="tx1"/>
-                          </a:solidFill>
-                        </a:rPr>
-                        <a:t>X</a:t>
-                      </a:r>
-                      <a:endParaRPr lang="ko-KR" altLang="en-US" dirty="0">
-                        <a:solidFill>
-                          <a:schemeClr val="tx1"/>
-                        </a:solidFill>
-                      </a:endParaRPr>
-                    </a:p>
-                  </a:txBody>
-                  <a:tcPr anchor="ctr"/>
-                </a:tc>
-                <a:extLst>
-                  <a:ext uri="{0D108BD9-81ED-4DB2-BD59-A6C34878D82A}">
-                    <a16:rowId xmlns:a16="http://schemas.microsoft.com/office/drawing/2014/main" val="1566788184"/>
-                  </a:ext>
-                </a:extLst>
-              </a:tr>
-              <a:tr h="549012">
-                <a:tc>
-                  <a:txBody>
-                    <a:bodyPr/>
-                    <a:lstStyle/>
-                    <a:p>
-                      <a:pPr algn="ctr" latinLnBrk="1"/>
-                      <a:r>
-                        <a:rPr lang="en-US" altLang="ko-KR" dirty="0">
-                          <a:solidFill>
-                            <a:schemeClr val="tx1"/>
-                          </a:solidFill>
-                        </a:rPr>
-                        <a:t>8</a:t>
-                      </a:r>
-                      <a:endParaRPr lang="ko-KR" altLang="en-US" dirty="0">
-                        <a:solidFill>
-                          <a:schemeClr val="tx1"/>
-                        </a:solidFill>
-                      </a:endParaRPr>
-                    </a:p>
-                  </a:txBody>
-                  <a:tcPr anchor="ctr"/>
-                </a:tc>
-                <a:tc>
-                  <a:txBody>
-                    <a:bodyPr/>
-                    <a:lstStyle/>
-                    <a:p>
-                      <a:pPr marL="0" marR="0" lvl="0" indent="0" algn="ctr" defTabSz="914400" rtl="0" eaLnBrk="1" fontAlgn="auto" latinLnBrk="1" hangingPunct="1">
-                        <a:lnSpc>
-                          <a:spcPct val="100000"/>
-                        </a:lnSpc>
-                        <a:spcBef>
-                          <a:spcPts val="0"/>
-                        </a:spcBef>
-                        <a:spcAft>
-                          <a:spcPts val="0"/>
-                        </a:spcAft>
-                        <a:buClrTx/>
-                        <a:buSzTx/>
-                        <a:buFontTx/>
-                        <a:buNone/>
-                        <a:tabLst/>
-                        <a:defRPr/>
-                      </a:pPr>
-                      <a:r>
-                        <a:rPr lang="en-US" altLang="ko-KR" dirty="0">
-                          <a:solidFill>
-                            <a:schemeClr val="tx1"/>
-                          </a:solidFill>
-                        </a:rPr>
-                        <a:t>5</a:t>
-                      </a:r>
-                      <a:endParaRPr lang="ko-KR" altLang="en-US" dirty="0">
-                        <a:solidFill>
-                          <a:schemeClr val="tx1"/>
-                        </a:solidFill>
-                      </a:endParaRPr>
-                    </a:p>
-                  </a:txBody>
-                  <a:tcPr anchor="ctr"/>
-                </a:tc>
-                <a:tc>
-                  <a:txBody>
-                    <a:bodyPr/>
-                    <a:lstStyle/>
-                    <a:p>
-                      <a:pPr marL="0" marR="0" lvl="0" indent="0" algn="ctr" defTabSz="914400" rtl="0" eaLnBrk="1" fontAlgn="auto" latinLnBrk="1" hangingPunct="1">
-                        <a:lnSpc>
-                          <a:spcPct val="100000"/>
-                        </a:lnSpc>
-                        <a:spcBef>
-                          <a:spcPts val="0"/>
-                        </a:spcBef>
-                        <a:spcAft>
-                          <a:spcPts val="0"/>
-                        </a:spcAft>
-                        <a:buClrTx/>
-                        <a:buSzTx/>
-                        <a:buFontTx/>
-                        <a:buNone/>
-                        <a:tabLst/>
-                        <a:defRPr/>
-                      </a:pPr>
-                      <a:r>
-                        <a:rPr lang="ko-KR" altLang="en-US" dirty="0">
-                          <a:solidFill>
-                            <a:schemeClr val="tx1"/>
-                          </a:solidFill>
-                        </a:rPr>
-                        <a:t>○</a:t>
-                      </a:r>
-                    </a:p>
-                  </a:txBody>
-                  <a:tcPr anchor="ctr"/>
-                </a:tc>
-                <a:extLst>
-                  <a:ext uri="{0D108BD9-81ED-4DB2-BD59-A6C34878D82A}">
-                    <a16:rowId xmlns:a16="http://schemas.microsoft.com/office/drawing/2014/main" val="2771893285"/>
-                  </a:ext>
-                </a:extLst>
-              </a:tr>
-              <a:tr h="549012">
-                <a:tc>
-                  <a:txBody>
-                    <a:bodyPr/>
-                    <a:lstStyle/>
-                    <a:p>
-                      <a:pPr algn="ctr" latinLnBrk="1"/>
-                      <a:r>
-                        <a:rPr lang="en-US" altLang="ko-KR" dirty="0">
-                          <a:solidFill>
-                            <a:schemeClr val="tx1"/>
-                          </a:solidFill>
-                        </a:rPr>
-                        <a:t>7</a:t>
-                      </a:r>
-                      <a:endParaRPr lang="ko-KR" altLang="en-US" dirty="0">
-                        <a:solidFill>
-                          <a:schemeClr val="tx1"/>
-                        </a:solidFill>
-                      </a:endParaRPr>
-                    </a:p>
-                  </a:txBody>
-                  <a:tcPr anchor="ctr"/>
-                </a:tc>
-                <a:tc>
-                  <a:txBody>
-                    <a:bodyPr/>
-                    <a:lstStyle/>
-                    <a:p>
-                      <a:pPr marL="0" marR="0" lvl="0" indent="0" algn="ctr" defTabSz="914400" rtl="0" eaLnBrk="1" fontAlgn="auto" latinLnBrk="1" hangingPunct="1">
-                        <a:lnSpc>
-                          <a:spcPct val="100000"/>
-                        </a:lnSpc>
-                        <a:spcBef>
-                          <a:spcPts val="0"/>
-                        </a:spcBef>
-                        <a:spcAft>
-                          <a:spcPts val="0"/>
-                        </a:spcAft>
-                        <a:buClrTx/>
-                        <a:buSzTx/>
-                        <a:buFontTx/>
-                        <a:buNone/>
-                        <a:tabLst/>
-                        <a:defRPr/>
-                      </a:pPr>
-                      <a:r>
-                        <a:rPr lang="en-US" altLang="ko-KR" dirty="0">
-                          <a:solidFill>
-                            <a:schemeClr val="tx1"/>
-                          </a:solidFill>
-                        </a:rPr>
-                        <a:t>8</a:t>
-                      </a:r>
-                      <a:endParaRPr lang="ko-KR" altLang="en-US" dirty="0">
-                        <a:solidFill>
-                          <a:schemeClr val="tx1"/>
-                        </a:solidFill>
-                      </a:endParaRPr>
-                    </a:p>
-                  </a:txBody>
-                  <a:tcPr anchor="ctr"/>
-                </a:tc>
-                <a:tc>
-                  <a:txBody>
-                    <a:bodyPr/>
-                    <a:lstStyle/>
-                    <a:p>
-                      <a:pPr marL="0" marR="0" lvl="0" indent="0" algn="ctr" defTabSz="914400" rtl="0" eaLnBrk="1" fontAlgn="auto" latinLnBrk="1" hangingPunct="1">
-                        <a:lnSpc>
-                          <a:spcPct val="100000"/>
-                        </a:lnSpc>
-                        <a:spcBef>
-                          <a:spcPts val="0"/>
-                        </a:spcBef>
-                        <a:spcAft>
-                          <a:spcPts val="0"/>
-                        </a:spcAft>
-                        <a:buClrTx/>
-                        <a:buSzTx/>
-                        <a:buFontTx/>
-                        <a:buNone/>
-                        <a:tabLst/>
-                        <a:defRPr/>
-                      </a:pPr>
-                      <a:r>
-                        <a:rPr lang="ko-KR" altLang="en-US" dirty="0">
-                          <a:solidFill>
-                            <a:schemeClr val="tx1"/>
-                          </a:solidFill>
-                        </a:rPr>
-                        <a:t>○</a:t>
-                      </a:r>
-                    </a:p>
-                  </a:txBody>
-                  <a:tcPr anchor="ctr"/>
-                </a:tc>
-                <a:extLst>
-                  <a:ext uri="{0D108BD9-81ED-4DB2-BD59-A6C34878D82A}">
-                    <a16:rowId xmlns:a16="http://schemas.microsoft.com/office/drawing/2014/main" val="1281882095"/>
-                  </a:ext>
-                </a:extLst>
-              </a:tr>
-              <a:tr h="549012">
-                <a:tc>
-                  <a:txBody>
-                    <a:bodyPr/>
-                    <a:lstStyle/>
-                    <a:p>
-                      <a:pPr algn="ctr" latinLnBrk="1"/>
-                      <a:r>
-                        <a:rPr lang="en-US" altLang="ko-KR" dirty="0">
-                          <a:solidFill>
-                            <a:schemeClr val="tx1"/>
-                          </a:solidFill>
-                        </a:rPr>
-                        <a:t>6</a:t>
-                      </a:r>
-                      <a:endParaRPr lang="ko-KR" altLang="en-US" dirty="0">
-                        <a:solidFill>
-                          <a:schemeClr val="tx1"/>
-                        </a:solidFill>
-                      </a:endParaRPr>
-                    </a:p>
-                  </a:txBody>
-                  <a:tcPr anchor="ctr"/>
-                </a:tc>
-                <a:tc>
-                  <a:txBody>
-                    <a:bodyPr/>
-                    <a:lstStyle/>
-                    <a:p>
-                      <a:pPr marL="0" marR="0" lvl="0" indent="0" algn="ctr" defTabSz="914400" rtl="0" eaLnBrk="1" fontAlgn="auto" latinLnBrk="1" hangingPunct="1">
-                        <a:lnSpc>
-                          <a:spcPct val="100000"/>
-                        </a:lnSpc>
-                        <a:spcBef>
-                          <a:spcPts val="0"/>
-                        </a:spcBef>
-                        <a:spcAft>
-                          <a:spcPts val="0"/>
-                        </a:spcAft>
-                        <a:buClrTx/>
-                        <a:buSzTx/>
-                        <a:buFontTx/>
-                        <a:buNone/>
-                        <a:tabLst/>
-                        <a:defRPr/>
-                      </a:pPr>
-                      <a:r>
-                        <a:rPr lang="en-US" altLang="ko-KR" dirty="0">
-                          <a:solidFill>
-                            <a:schemeClr val="tx1"/>
-                          </a:solidFill>
-                        </a:rPr>
-                        <a:t>6</a:t>
-                      </a:r>
-                      <a:endParaRPr lang="ko-KR" altLang="en-US" dirty="0">
-                        <a:solidFill>
-                          <a:schemeClr val="tx1"/>
-                        </a:solidFill>
-                      </a:endParaRPr>
-                    </a:p>
-                  </a:txBody>
-                  <a:tcPr anchor="ctr"/>
-                </a:tc>
-                <a:tc>
-                  <a:txBody>
-                    <a:bodyPr/>
-                    <a:lstStyle/>
-                    <a:p>
-                      <a:pPr marL="0" marR="0" lvl="0" indent="0" algn="ctr" defTabSz="914400" rtl="0" eaLnBrk="1" fontAlgn="auto" latinLnBrk="1" hangingPunct="1">
-                        <a:lnSpc>
-                          <a:spcPct val="100000"/>
-                        </a:lnSpc>
-                        <a:spcBef>
-                          <a:spcPts val="0"/>
-                        </a:spcBef>
-                        <a:spcAft>
-                          <a:spcPts val="0"/>
-                        </a:spcAft>
-                        <a:buClrTx/>
-                        <a:buSzTx/>
-                        <a:buFontTx/>
-                        <a:buNone/>
-                        <a:tabLst/>
-                        <a:defRPr/>
-                      </a:pPr>
-                      <a:r>
-                        <a:rPr lang="ko-KR" altLang="en-US" dirty="0">
-                          <a:solidFill>
-                            <a:schemeClr val="tx1"/>
-                          </a:solidFill>
-                        </a:rPr>
-                        <a:t>○</a:t>
-                      </a:r>
-                    </a:p>
-                  </a:txBody>
-                  <a:tcPr anchor="ctr"/>
-                </a:tc>
-                <a:extLst>
-                  <a:ext uri="{0D108BD9-81ED-4DB2-BD59-A6C34878D82A}">
-                    <a16:rowId xmlns:a16="http://schemas.microsoft.com/office/drawing/2014/main" val="3908667003"/>
-                  </a:ext>
-                </a:extLst>
-              </a:tr>
-              <a:tr h="549012">
-                <a:tc>
-                  <a:txBody>
-                    <a:bodyPr/>
-                    <a:lstStyle/>
-                    <a:p>
-                      <a:pPr algn="ctr" latinLnBrk="1"/>
-                      <a:r>
-                        <a:rPr lang="en-US" altLang="ko-KR" dirty="0">
-                          <a:solidFill>
-                            <a:schemeClr val="tx1"/>
-                          </a:solidFill>
-                        </a:rPr>
-                        <a:t>5</a:t>
-                      </a:r>
-                      <a:endParaRPr lang="ko-KR" altLang="en-US" dirty="0">
-                        <a:solidFill>
-                          <a:schemeClr val="tx1"/>
-                        </a:solidFill>
-                      </a:endParaRPr>
-                    </a:p>
-                  </a:txBody>
-                  <a:tcPr anchor="ctr"/>
-                </a:tc>
-                <a:tc>
-                  <a:txBody>
-                    <a:bodyPr/>
-                    <a:lstStyle/>
-                    <a:p>
-                      <a:pPr marL="0" marR="0" lvl="0" indent="0" algn="ctr" defTabSz="914400" rtl="0" eaLnBrk="1" fontAlgn="auto" latinLnBrk="1" hangingPunct="1">
-                        <a:lnSpc>
-                          <a:spcPct val="100000"/>
-                        </a:lnSpc>
-                        <a:spcBef>
-                          <a:spcPts val="0"/>
-                        </a:spcBef>
-                        <a:spcAft>
-                          <a:spcPts val="0"/>
-                        </a:spcAft>
-                        <a:buClrTx/>
-                        <a:buSzTx/>
-                        <a:buFontTx/>
-                        <a:buNone/>
-                        <a:tabLst/>
-                        <a:defRPr/>
-                      </a:pPr>
-                      <a:r>
-                        <a:rPr lang="en-US" altLang="ko-KR" dirty="0">
-                          <a:solidFill>
-                            <a:schemeClr val="tx1"/>
-                          </a:solidFill>
-                        </a:rPr>
-                        <a:t>2</a:t>
-                      </a:r>
-                      <a:endParaRPr lang="ko-KR" altLang="en-US" dirty="0">
-                        <a:solidFill>
-                          <a:schemeClr val="tx1"/>
-                        </a:solidFill>
-                      </a:endParaRPr>
-                    </a:p>
-                  </a:txBody>
-                  <a:tcPr anchor="ctr"/>
-                </a:tc>
-                <a:tc>
-                  <a:txBody>
-                    <a:bodyPr/>
-                    <a:lstStyle/>
-                    <a:p>
-                      <a:pPr marL="0" marR="0" lvl="0" indent="0" algn="ctr" defTabSz="914400" rtl="0" eaLnBrk="1" fontAlgn="auto" latinLnBrk="1" hangingPunct="1">
-                        <a:lnSpc>
-                          <a:spcPct val="100000"/>
-                        </a:lnSpc>
-                        <a:spcBef>
-                          <a:spcPts val="0"/>
-                        </a:spcBef>
-                        <a:spcAft>
-                          <a:spcPts val="0"/>
-                        </a:spcAft>
-                        <a:buClrTx/>
-                        <a:buSzTx/>
-                        <a:buFontTx/>
-                        <a:buNone/>
-                        <a:tabLst/>
-                        <a:defRPr/>
-                      </a:pPr>
-                      <a:r>
-                        <a:rPr lang="ko-KR" altLang="en-US" dirty="0">
-                          <a:solidFill>
-                            <a:schemeClr val="tx1"/>
-                          </a:solidFill>
-                        </a:rPr>
-                        <a:t>○</a:t>
-                      </a:r>
-                    </a:p>
-                  </a:txBody>
-                  <a:tcPr anchor="ctr"/>
-                </a:tc>
-                <a:extLst>
-                  <a:ext uri="{0D108BD9-81ED-4DB2-BD59-A6C34878D82A}">
-                    <a16:rowId xmlns:a16="http://schemas.microsoft.com/office/drawing/2014/main" val="1928668170"/>
-                  </a:ext>
-                </a:extLst>
-              </a:tr>
-              <a:tr h="549012">
-                <a:tc>
-                  <a:txBody>
-                    <a:bodyPr/>
-                    <a:lstStyle/>
-                    <a:p>
-                      <a:pPr algn="ctr" latinLnBrk="1"/>
-                      <a:r>
-                        <a:rPr lang="en-US" altLang="ko-KR" dirty="0">
-                          <a:solidFill>
-                            <a:schemeClr val="tx1"/>
-                          </a:solidFill>
-                        </a:rPr>
-                        <a:t>4</a:t>
-                      </a:r>
-                      <a:endParaRPr lang="ko-KR" altLang="en-US" dirty="0">
-                        <a:solidFill>
-                          <a:schemeClr val="tx1"/>
-                        </a:solidFill>
-                      </a:endParaRPr>
-                    </a:p>
-                  </a:txBody>
-                  <a:tcPr anchor="ctr"/>
-                </a:tc>
-                <a:tc>
-                  <a:txBody>
-                    <a:bodyPr/>
-                    <a:lstStyle/>
-                    <a:p>
-                      <a:pPr algn="ctr" latinLnBrk="1"/>
-                      <a:r>
-                        <a:rPr lang="en-US" altLang="ko-KR" dirty="0">
-                          <a:solidFill>
-                            <a:schemeClr val="tx1"/>
-                          </a:solidFill>
-                        </a:rPr>
-                        <a:t>0</a:t>
-                      </a:r>
-                      <a:endParaRPr lang="ko-KR" altLang="en-US" dirty="0">
-                        <a:solidFill>
-                          <a:schemeClr val="tx1"/>
-                        </a:solidFill>
-                      </a:endParaRPr>
-                    </a:p>
-                  </a:txBody>
-                  <a:tcPr anchor="ctr"/>
-                </a:tc>
-                <a:tc>
-                  <a:txBody>
-                    <a:bodyPr/>
-                    <a:lstStyle/>
-                    <a:p>
-                      <a:pPr marL="0" marR="0" lvl="0" indent="0" algn="ctr" defTabSz="914400" rtl="0" eaLnBrk="1" fontAlgn="auto" latinLnBrk="1" hangingPunct="1">
-                        <a:lnSpc>
-                          <a:spcPct val="100000"/>
-                        </a:lnSpc>
-                        <a:spcBef>
-                          <a:spcPts val="0"/>
-                        </a:spcBef>
-                        <a:spcAft>
-                          <a:spcPts val="0"/>
-                        </a:spcAft>
-                        <a:buClrTx/>
-                        <a:buSzTx/>
-                        <a:buFontTx/>
-                        <a:buNone/>
-                        <a:tabLst/>
-                        <a:defRPr/>
-                      </a:pPr>
-                      <a:r>
-                        <a:rPr lang="ko-KR" altLang="en-US" dirty="0">
-                          <a:solidFill>
-                            <a:schemeClr val="tx1"/>
-                          </a:solidFill>
-                        </a:rPr>
-                        <a:t>○</a:t>
-                      </a:r>
-                    </a:p>
-                  </a:txBody>
-                  <a:tcPr anchor="ctr"/>
-                </a:tc>
-                <a:extLst>
-                  <a:ext uri="{0D108BD9-81ED-4DB2-BD59-A6C34878D82A}">
-                    <a16:rowId xmlns:a16="http://schemas.microsoft.com/office/drawing/2014/main" val="624737567"/>
-                  </a:ext>
-                </a:extLst>
-              </a:tr>
-              <a:tr h="549012">
-                <a:tc>
-                  <a:txBody>
-                    <a:bodyPr/>
-                    <a:lstStyle/>
-                    <a:p>
-                      <a:pPr algn="ctr" latinLnBrk="1"/>
-                      <a:r>
-                        <a:rPr lang="en-US" altLang="ko-KR" dirty="0">
-                          <a:solidFill>
-                            <a:schemeClr val="tx1"/>
-                          </a:solidFill>
-                        </a:rPr>
-                        <a:t>3</a:t>
-                      </a:r>
-                      <a:endParaRPr lang="ko-KR" altLang="en-US" dirty="0">
-                        <a:solidFill>
-                          <a:schemeClr val="tx1"/>
-                        </a:solidFill>
-                      </a:endParaRPr>
-                    </a:p>
-                  </a:txBody>
-                  <a:tcPr anchor="ctr"/>
-                </a:tc>
-                <a:tc>
-                  <a:txBody>
-                    <a:bodyPr/>
-                    <a:lstStyle/>
-                    <a:p>
-                      <a:pPr marL="0" marR="0" lvl="0" indent="0" algn="ctr" defTabSz="914400" rtl="0" eaLnBrk="1" fontAlgn="auto" latinLnBrk="1" hangingPunct="1">
-                        <a:lnSpc>
-                          <a:spcPct val="100000"/>
-                        </a:lnSpc>
-                        <a:spcBef>
-                          <a:spcPts val="0"/>
-                        </a:spcBef>
-                        <a:spcAft>
-                          <a:spcPts val="0"/>
-                        </a:spcAft>
-                        <a:buClrTx/>
-                        <a:buSzTx/>
-                        <a:buFontTx/>
-                        <a:buNone/>
-                        <a:tabLst/>
-                        <a:defRPr/>
-                      </a:pPr>
-                      <a:r>
-                        <a:rPr lang="en-US" altLang="ko-KR" dirty="0">
-                          <a:solidFill>
-                            <a:schemeClr val="tx1"/>
-                          </a:solidFill>
-                        </a:rPr>
-                        <a:t>1</a:t>
-                      </a:r>
-                      <a:endParaRPr lang="ko-KR" altLang="en-US" dirty="0">
-                        <a:solidFill>
-                          <a:schemeClr val="tx1"/>
-                        </a:solidFill>
-                      </a:endParaRPr>
-                    </a:p>
-                  </a:txBody>
-                  <a:tcPr anchor="ctr"/>
-                </a:tc>
-                <a:tc>
-                  <a:txBody>
-                    <a:bodyPr/>
-                    <a:lstStyle/>
-                    <a:p>
-                      <a:pPr marL="0" marR="0" lvl="0" indent="0" algn="ctr" defTabSz="914400" rtl="0" eaLnBrk="1" fontAlgn="auto" latinLnBrk="1" hangingPunct="1">
-                        <a:lnSpc>
-                          <a:spcPct val="100000"/>
-                        </a:lnSpc>
-                        <a:spcBef>
-                          <a:spcPts val="0"/>
-                        </a:spcBef>
-                        <a:spcAft>
-                          <a:spcPts val="0"/>
-                        </a:spcAft>
-                        <a:buClrTx/>
-                        <a:buSzTx/>
-                        <a:buFontTx/>
-                        <a:buNone/>
-                        <a:tabLst/>
-                        <a:defRPr/>
-                      </a:pPr>
-                      <a:r>
-                        <a:rPr lang="ko-KR" altLang="en-US" dirty="0">
-                          <a:solidFill>
-                            <a:schemeClr val="tx1"/>
-                          </a:solidFill>
-                        </a:rPr>
-                        <a:t>○</a:t>
-                      </a:r>
-                    </a:p>
-                  </a:txBody>
-                  <a:tcPr anchor="ctr"/>
-                </a:tc>
-                <a:extLst>
-                  <a:ext uri="{0D108BD9-81ED-4DB2-BD59-A6C34878D82A}">
-                    <a16:rowId xmlns:a16="http://schemas.microsoft.com/office/drawing/2014/main" val="4211862219"/>
-                  </a:ext>
-                </a:extLst>
-              </a:tr>
-              <a:tr h="549012">
-                <a:tc>
-                  <a:txBody>
-                    <a:bodyPr/>
-                    <a:lstStyle/>
-                    <a:p>
-                      <a:pPr algn="ctr" latinLnBrk="1"/>
-                      <a:r>
-                        <a:rPr lang="en-US" altLang="ko-KR" dirty="0">
-                          <a:solidFill>
-                            <a:schemeClr val="tx1"/>
-                          </a:solidFill>
-                        </a:rPr>
-                        <a:t>2</a:t>
-                      </a:r>
-                      <a:endParaRPr lang="ko-KR" altLang="en-US" dirty="0">
-                        <a:solidFill>
-                          <a:schemeClr val="tx1"/>
-                        </a:solidFill>
-                      </a:endParaRPr>
-                    </a:p>
-                  </a:txBody>
-                  <a:tcPr anchor="ctr"/>
-                </a:tc>
-                <a:tc>
-                  <a:txBody>
-                    <a:bodyPr/>
-                    <a:lstStyle/>
-                    <a:p>
-                      <a:pPr marL="0" marR="0" lvl="0" indent="0" algn="ctr" defTabSz="914400" rtl="0" eaLnBrk="1" fontAlgn="auto" latinLnBrk="1" hangingPunct="1">
-                        <a:lnSpc>
-                          <a:spcPct val="100000"/>
-                        </a:lnSpc>
-                        <a:spcBef>
-                          <a:spcPts val="0"/>
-                        </a:spcBef>
-                        <a:spcAft>
-                          <a:spcPts val="0"/>
-                        </a:spcAft>
-                        <a:buClrTx/>
-                        <a:buSzTx/>
-                        <a:buFontTx/>
-                        <a:buNone/>
-                        <a:tabLst/>
-                        <a:defRPr/>
-                      </a:pPr>
-                      <a:r>
-                        <a:rPr lang="en-US" altLang="ko-KR" dirty="0">
-                          <a:solidFill>
-                            <a:schemeClr val="tx1"/>
-                          </a:solidFill>
-                        </a:rPr>
-                        <a:t>6</a:t>
-                      </a:r>
-                      <a:endParaRPr lang="ko-KR" altLang="en-US" dirty="0">
-                        <a:solidFill>
-                          <a:schemeClr val="tx1"/>
-                        </a:solidFill>
-                      </a:endParaRPr>
-                    </a:p>
-                  </a:txBody>
-                  <a:tcPr anchor="ctr"/>
-                </a:tc>
-                <a:tc>
-                  <a:txBody>
-                    <a:bodyPr/>
-                    <a:lstStyle/>
-                    <a:p>
-                      <a:pPr marL="0" marR="0" lvl="0" indent="0" algn="ctr" defTabSz="914400" rtl="0" eaLnBrk="1" fontAlgn="auto" latinLnBrk="1" hangingPunct="1">
-                        <a:lnSpc>
-                          <a:spcPct val="100000"/>
-                        </a:lnSpc>
-                        <a:spcBef>
-                          <a:spcPts val="0"/>
-                        </a:spcBef>
-                        <a:spcAft>
-                          <a:spcPts val="0"/>
-                        </a:spcAft>
-                        <a:buClrTx/>
-                        <a:buSzTx/>
-                        <a:buFontTx/>
-                        <a:buNone/>
-                        <a:tabLst/>
-                        <a:defRPr/>
-                      </a:pPr>
-                      <a:r>
-                        <a:rPr lang="ko-KR" altLang="en-US" dirty="0">
-                          <a:solidFill>
-                            <a:schemeClr val="tx1"/>
-                          </a:solidFill>
-                        </a:rPr>
-                        <a:t>○</a:t>
-                      </a:r>
-                    </a:p>
-                  </a:txBody>
-                  <a:tcPr anchor="ctr"/>
-                </a:tc>
-                <a:extLst>
-                  <a:ext uri="{0D108BD9-81ED-4DB2-BD59-A6C34878D82A}">
-                    <a16:rowId xmlns:a16="http://schemas.microsoft.com/office/drawing/2014/main" val="569742551"/>
-                  </a:ext>
-                </a:extLst>
-              </a:tr>
-              <a:tr h="549012">
-                <a:tc>
-                  <a:txBody>
-                    <a:bodyPr/>
-                    <a:lstStyle/>
-                    <a:p>
-                      <a:pPr algn="ctr" latinLnBrk="1"/>
-                      <a:r>
-                        <a:rPr lang="en-US" altLang="ko-KR" dirty="0">
-                          <a:solidFill>
-                            <a:schemeClr val="tx1"/>
-                          </a:solidFill>
-                        </a:rPr>
-                        <a:t>1</a:t>
-                      </a:r>
-                      <a:endParaRPr lang="ko-KR" altLang="en-US" dirty="0">
-                        <a:solidFill>
-                          <a:schemeClr val="tx1"/>
-                        </a:solidFill>
-                      </a:endParaRPr>
-                    </a:p>
-                  </a:txBody>
-                  <a:tcPr anchor="ctr"/>
-                </a:tc>
-                <a:tc>
-                  <a:txBody>
-                    <a:bodyPr/>
-                    <a:lstStyle/>
-                    <a:p>
-                      <a:pPr marL="0" marR="0" lvl="0" indent="0" algn="ctr" defTabSz="914400" rtl="0" eaLnBrk="1" fontAlgn="auto" latinLnBrk="1" hangingPunct="1">
-                        <a:lnSpc>
-                          <a:spcPct val="100000"/>
-                        </a:lnSpc>
-                        <a:spcBef>
-                          <a:spcPts val="0"/>
-                        </a:spcBef>
-                        <a:spcAft>
-                          <a:spcPts val="0"/>
-                        </a:spcAft>
-                        <a:buClrTx/>
-                        <a:buSzTx/>
-                        <a:buFontTx/>
-                        <a:buNone/>
-                        <a:tabLst/>
-                        <a:defRPr/>
-                      </a:pPr>
-                      <a:r>
-                        <a:rPr lang="en-US" altLang="ko-KR" dirty="0">
-                          <a:solidFill>
-                            <a:schemeClr val="tx1"/>
-                          </a:solidFill>
-                        </a:rPr>
-                        <a:t>4</a:t>
-                      </a:r>
-                      <a:endParaRPr lang="ko-KR" altLang="en-US" dirty="0">
-                        <a:solidFill>
-                          <a:schemeClr val="tx1"/>
-                        </a:solidFill>
-                      </a:endParaRPr>
-                    </a:p>
-                  </a:txBody>
-                  <a:tcPr anchor="ctr"/>
-                </a:tc>
-                <a:tc>
-                  <a:txBody>
-                    <a:bodyPr/>
-                    <a:lstStyle/>
-                    <a:p>
-                      <a:pPr marL="0" marR="0" lvl="0" indent="0" algn="ctr" defTabSz="914400" rtl="0" eaLnBrk="1" fontAlgn="auto" latinLnBrk="1" hangingPunct="1">
-                        <a:lnSpc>
-                          <a:spcPct val="100000"/>
-                        </a:lnSpc>
-                        <a:spcBef>
-                          <a:spcPts val="0"/>
-                        </a:spcBef>
-                        <a:spcAft>
-                          <a:spcPts val="0"/>
-                        </a:spcAft>
-                        <a:buClrTx/>
-                        <a:buSzTx/>
-                        <a:buFontTx/>
-                        <a:buNone/>
-                        <a:tabLst/>
-                        <a:defRPr/>
-                      </a:pPr>
-                      <a:r>
-                        <a:rPr lang="ko-KR" altLang="en-US" dirty="0">
-                          <a:solidFill>
-                            <a:schemeClr val="tx1"/>
-                          </a:solidFill>
-                        </a:rPr>
-                        <a:t>○</a:t>
-                      </a:r>
-                    </a:p>
-                  </a:txBody>
-                  <a:tcPr anchor="ctr"/>
-                </a:tc>
-                <a:extLst>
-                  <a:ext uri="{0D108BD9-81ED-4DB2-BD59-A6C34878D82A}">
-                    <a16:rowId xmlns:a16="http://schemas.microsoft.com/office/drawing/2014/main" val="1846374400"/>
-                  </a:ext>
-                </a:extLst>
-              </a:tr>
-            </a:tbl>
-          </a:graphicData>
-        </a:graphic>
-      </p:graphicFrame>
-    </p:spTree>
-    <p:extLst>
-      <p:ext uri="{BB962C8B-B14F-4D97-AF65-F5344CB8AC3E}">
-        <p14:creationId xmlns:p14="http://schemas.microsoft.com/office/powerpoint/2010/main" val="1212256085"/>
       </p:ext>
     </p:extLst>
   </p:cSld>
